--- a/seminare/math_cafe/20170225/CrystalBasisModel.pptx
+++ b/seminare/math_cafe/20170225/CrystalBasisModel.pptx
@@ -4,6 +4,9 @@
   <p:sldMasterIdLst>
     <p:sldMasterId id="2147483648" r:id="rId1"/>
   </p:sldMasterIdLst>
+  <p:notesMasterIdLst>
+    <p:notesMasterId r:id="rId37"/>
+  </p:notesMasterIdLst>
   <p:sldIdLst>
     <p:sldId id="256" r:id="rId2"/>
     <p:sldId id="260" r:id="rId3"/>
@@ -13,32 +16,33 @@
     <p:sldId id="271" r:id="rId7"/>
     <p:sldId id="272" r:id="rId8"/>
     <p:sldId id="273" r:id="rId9"/>
-    <p:sldId id="259" r:id="rId10"/>
-    <p:sldId id="261" r:id="rId11"/>
-    <p:sldId id="262" r:id="rId12"/>
-    <p:sldId id="263" r:id="rId13"/>
-    <p:sldId id="264" r:id="rId14"/>
-    <p:sldId id="274" r:id="rId15"/>
-    <p:sldId id="275" r:id="rId16"/>
-    <p:sldId id="276" r:id="rId17"/>
-    <p:sldId id="266" r:id="rId18"/>
-    <p:sldId id="289" r:id="rId19"/>
-    <p:sldId id="277" r:id="rId20"/>
-    <p:sldId id="278" r:id="rId21"/>
-    <p:sldId id="279" r:id="rId22"/>
-    <p:sldId id="280" r:id="rId23"/>
-    <p:sldId id="281" r:id="rId24"/>
-    <p:sldId id="267" r:id="rId25"/>
-    <p:sldId id="268" r:id="rId26"/>
-    <p:sldId id="284" r:id="rId27"/>
-    <p:sldId id="290" r:id="rId28"/>
-    <p:sldId id="269" r:id="rId29"/>
-    <p:sldId id="286" r:id="rId30"/>
-    <p:sldId id="287" r:id="rId31"/>
-    <p:sldId id="285" r:id="rId32"/>
-    <p:sldId id="283" r:id="rId33"/>
-    <p:sldId id="282" r:id="rId34"/>
-    <p:sldId id="270" r:id="rId35"/>
+    <p:sldId id="291" r:id="rId10"/>
+    <p:sldId id="259" r:id="rId11"/>
+    <p:sldId id="261" r:id="rId12"/>
+    <p:sldId id="262" r:id="rId13"/>
+    <p:sldId id="263" r:id="rId14"/>
+    <p:sldId id="264" r:id="rId15"/>
+    <p:sldId id="274" r:id="rId16"/>
+    <p:sldId id="275" r:id="rId17"/>
+    <p:sldId id="276" r:id="rId18"/>
+    <p:sldId id="266" r:id="rId19"/>
+    <p:sldId id="289" r:id="rId20"/>
+    <p:sldId id="277" r:id="rId21"/>
+    <p:sldId id="278" r:id="rId22"/>
+    <p:sldId id="279" r:id="rId23"/>
+    <p:sldId id="280" r:id="rId24"/>
+    <p:sldId id="281" r:id="rId25"/>
+    <p:sldId id="267" r:id="rId26"/>
+    <p:sldId id="268" r:id="rId27"/>
+    <p:sldId id="284" r:id="rId28"/>
+    <p:sldId id="290" r:id="rId29"/>
+    <p:sldId id="269" r:id="rId30"/>
+    <p:sldId id="286" r:id="rId31"/>
+    <p:sldId id="287" r:id="rId32"/>
+    <p:sldId id="285" r:id="rId33"/>
+    <p:sldId id="283" r:id="rId34"/>
+    <p:sldId id="282" r:id="rId35"/>
+    <p:sldId id="270" r:id="rId36"/>
   </p:sldIdLst>
   <p:sldSz cx="12192000" cy="6858000"/>
   <p:notesSz cx="6858000" cy="9144000"/>
@@ -145,6 +149,516 @@
 </p:presentation>
 </file>
 
+<file path=ppt/commentAuthors.xml><?xml version="1.0" encoding="utf-8"?>
+<p:cmAuthorLst xmlns:a="http://schemas.openxmlformats.org/drawingml/2006/main" xmlns:r="http://schemas.openxmlformats.org/officeDocument/2006/relationships" xmlns:p="http://schemas.openxmlformats.org/presentationml/2006/main">
+  <p:cmAuthor id="1" name="竹川洋都" initials="竹川洋都" lastIdx="3" clrIdx="0">
+    <p:extLst>
+      <p:ext uri="{19B8F6BF-5375-455C-9EA6-DF929625EA0E}">
+        <p15:presenceInfo xmlns:p15="http://schemas.microsoft.com/office/powerpoint/2012/main" userId="83c929ba69a9f540" providerId="Windows Live"/>
+      </p:ext>
+    </p:extLst>
+  </p:cmAuthor>
+</p:cmAuthorLst>
+</file>
+
+<file path=ppt/comments/comment1.xml><?xml version="1.0" encoding="utf-8"?>
+<p:cmLst xmlns:a="http://schemas.openxmlformats.org/drawingml/2006/main" xmlns:r="http://schemas.openxmlformats.org/officeDocument/2006/relationships" xmlns:p="http://schemas.openxmlformats.org/presentationml/2006/main">
+  <p:cm authorId="1" dt="2017-02-20T20:25:36.484" idx="1">
+    <p:pos x="660" y="2590"/>
+    <p:text/>
+    <p:extLst>
+      <p:ext uri="{C676402C-5697-4E1C-873F-D02D1690AC5C}">
+        <p15:threadingInfo xmlns:p15="http://schemas.microsoft.com/office/powerpoint/2012/main" timeZoneBias="-540"/>
+      </p:ext>
+    </p:extLst>
+  </p:cm>
+  <p:cm authorId="1" dt="2017-02-20T20:25:37.423" idx="2">
+    <p:pos x="10" y="10"/>
+    <p:text/>
+    <p:extLst>
+      <p:ext uri="{C676402C-5697-4E1C-873F-D02D1690AC5C}">
+        <p15:threadingInfo xmlns:p15="http://schemas.microsoft.com/office/powerpoint/2012/main" timeZoneBias="-540"/>
+      </p:ext>
+    </p:extLst>
+  </p:cm>
+  <p:cm authorId="1" dt="2017-02-20T20:25:44.445" idx="3">
+    <p:pos x="146" y="146"/>
+    <p:text/>
+    <p:extLst>
+      <p:ext uri="{C676402C-5697-4E1C-873F-D02D1690AC5C}">
+        <p15:threadingInfo xmlns:p15="http://schemas.microsoft.com/office/powerpoint/2012/main" timeZoneBias="-540"/>
+      </p:ext>
+    </p:extLst>
+  </p:cm>
+</p:cmLst>
+</file>
+
+<file path=ppt/notesMasters/notesMaster1.xml><?xml version="1.0" encoding="utf-8"?>
+<p:notesMaster xmlns:a="http://schemas.openxmlformats.org/drawingml/2006/main" xmlns:r="http://schemas.openxmlformats.org/officeDocument/2006/relationships" xmlns:p="http://schemas.openxmlformats.org/presentationml/2006/main">
+  <p:cSld>
+    <p:bg>
+      <p:bgRef idx="1001">
+        <a:schemeClr val="bg1"/>
+      </p:bgRef>
+    </p:bg>
+    <p:spTree>
+      <p:nvGrpSpPr>
+        <p:cNvPr id="1" name=""/>
+        <p:cNvGrpSpPr/>
+        <p:nvPr/>
+      </p:nvGrpSpPr>
+      <p:grpSpPr>
+        <a:xfrm>
+          <a:off x="0" y="0"/>
+          <a:ext cx="0" cy="0"/>
+          <a:chOff x="0" y="0"/>
+          <a:chExt cx="0" cy="0"/>
+        </a:xfrm>
+      </p:grpSpPr>
+      <p:sp>
+        <p:nvSpPr>
+          <p:cNvPr id="2" name="ヘッダー プレースホルダー 1"/>
+          <p:cNvSpPr>
+            <a:spLocks noGrp="1"/>
+          </p:cNvSpPr>
+          <p:nvPr>
+            <p:ph type="hdr" sz="quarter"/>
+          </p:nvPr>
+        </p:nvSpPr>
+        <p:spPr>
+          <a:xfrm>
+            <a:off x="0" y="0"/>
+            <a:ext cx="2971800" cy="458788"/>
+          </a:xfrm>
+          <a:prstGeom prst="rect">
+            <a:avLst/>
+          </a:prstGeom>
+        </p:spPr>
+        <p:txBody>
+          <a:bodyPr vert="horz" lIns="91440" tIns="45720" rIns="91440" bIns="45720" rtlCol="0"/>
+          <a:lstStyle>
+            <a:lvl1pPr algn="l">
+              <a:defRPr sz="1200"/>
+            </a:lvl1pPr>
+          </a:lstStyle>
+          <a:p>
+            <a:endParaRPr kumimoji="1" lang="ja-JP" altLang="en-US"/>
+          </a:p>
+        </p:txBody>
+      </p:sp>
+      <p:sp>
+        <p:nvSpPr>
+          <p:cNvPr id="3" name="日付プレースホルダー 2"/>
+          <p:cNvSpPr>
+            <a:spLocks noGrp="1"/>
+          </p:cNvSpPr>
+          <p:nvPr>
+            <p:ph type="dt" idx="1"/>
+          </p:nvPr>
+        </p:nvSpPr>
+        <p:spPr>
+          <a:xfrm>
+            <a:off x="3884613" y="0"/>
+            <a:ext cx="2971800" cy="458788"/>
+          </a:xfrm>
+          <a:prstGeom prst="rect">
+            <a:avLst/>
+          </a:prstGeom>
+        </p:spPr>
+        <p:txBody>
+          <a:bodyPr vert="horz" lIns="91440" tIns="45720" rIns="91440" bIns="45720" rtlCol="0"/>
+          <a:lstStyle>
+            <a:lvl1pPr algn="r">
+              <a:defRPr sz="1200"/>
+            </a:lvl1pPr>
+          </a:lstStyle>
+          <a:p>
+            <a:fld id="{B8E761C1-E7BB-4FC3-9A0C-579696A60233}" type="datetimeFigureOut">
+              <a:rPr kumimoji="1" lang="ja-JP" altLang="en-US" smtClean="0"/>
+              <a:t>2017/2/20</a:t>
+            </a:fld>
+            <a:endParaRPr kumimoji="1" lang="ja-JP" altLang="en-US"/>
+          </a:p>
+        </p:txBody>
+      </p:sp>
+      <p:sp>
+        <p:nvSpPr>
+          <p:cNvPr id="4" name="スライド イメージ プレースホルダー 3"/>
+          <p:cNvSpPr>
+            <a:spLocks noGrp="1" noRot="1" noChangeAspect="1"/>
+          </p:cNvSpPr>
+          <p:nvPr>
+            <p:ph type="sldImg" idx="2"/>
+          </p:nvPr>
+        </p:nvSpPr>
+        <p:spPr>
+          <a:xfrm>
+            <a:off x="685800" y="1143000"/>
+            <a:ext cx="5486400" cy="3086100"/>
+          </a:xfrm>
+          <a:prstGeom prst="rect">
+            <a:avLst/>
+          </a:prstGeom>
+          <a:noFill/>
+          <a:ln w="12700">
+            <a:solidFill>
+              <a:prstClr val="black"/>
+            </a:solidFill>
+          </a:ln>
+        </p:spPr>
+        <p:txBody>
+          <a:bodyPr vert="horz" lIns="91440" tIns="45720" rIns="91440" bIns="45720" rtlCol="0" anchor="ctr"/>
+          <a:lstStyle/>
+          <a:p>
+            <a:endParaRPr lang="ja-JP" altLang="en-US"/>
+          </a:p>
+        </p:txBody>
+      </p:sp>
+      <p:sp>
+        <p:nvSpPr>
+          <p:cNvPr id="5" name="ノート プレースホルダー 4"/>
+          <p:cNvSpPr>
+            <a:spLocks noGrp="1"/>
+          </p:cNvSpPr>
+          <p:nvPr>
+            <p:ph type="body" sz="quarter" idx="3"/>
+          </p:nvPr>
+        </p:nvSpPr>
+        <p:spPr>
+          <a:xfrm>
+            <a:off x="685800" y="4400550"/>
+            <a:ext cx="5486400" cy="3600450"/>
+          </a:xfrm>
+          <a:prstGeom prst="rect">
+            <a:avLst/>
+          </a:prstGeom>
+        </p:spPr>
+        <p:txBody>
+          <a:bodyPr vert="horz" lIns="91440" tIns="45720" rIns="91440" bIns="45720" rtlCol="0"/>
+          <a:lstStyle/>
+          <a:p>
+            <a:pPr lvl="0"/>
+            <a:r>
+              <a:rPr kumimoji="1" lang="ja-JP" altLang="en-US" smtClean="0"/>
+              <a:t>マスター テキストの書式設定</a:t>
+            </a:r>
+          </a:p>
+          <a:p>
+            <a:pPr lvl="1"/>
+            <a:r>
+              <a:rPr kumimoji="1" lang="ja-JP" altLang="en-US" smtClean="0"/>
+              <a:t>第 </a:t>
+            </a:r>
+            <a:r>
+              <a:rPr kumimoji="1" lang="en-US" altLang="ja-JP" smtClean="0"/>
+              <a:t>2 </a:t>
+            </a:r>
+            <a:r>
+              <a:rPr kumimoji="1" lang="ja-JP" altLang="en-US" smtClean="0"/>
+              <a:t>レベル</a:t>
+            </a:r>
+          </a:p>
+          <a:p>
+            <a:pPr lvl="2"/>
+            <a:r>
+              <a:rPr kumimoji="1" lang="ja-JP" altLang="en-US" smtClean="0"/>
+              <a:t>第 </a:t>
+            </a:r>
+            <a:r>
+              <a:rPr kumimoji="1" lang="en-US" altLang="ja-JP" smtClean="0"/>
+              <a:t>3 </a:t>
+            </a:r>
+            <a:r>
+              <a:rPr kumimoji="1" lang="ja-JP" altLang="en-US" smtClean="0"/>
+              <a:t>レベル</a:t>
+            </a:r>
+          </a:p>
+          <a:p>
+            <a:pPr lvl="3"/>
+            <a:r>
+              <a:rPr kumimoji="1" lang="ja-JP" altLang="en-US" smtClean="0"/>
+              <a:t>第 </a:t>
+            </a:r>
+            <a:r>
+              <a:rPr kumimoji="1" lang="en-US" altLang="ja-JP" smtClean="0"/>
+              <a:t>4 </a:t>
+            </a:r>
+            <a:r>
+              <a:rPr kumimoji="1" lang="ja-JP" altLang="en-US" smtClean="0"/>
+              <a:t>レベル</a:t>
+            </a:r>
+          </a:p>
+          <a:p>
+            <a:pPr lvl="4"/>
+            <a:r>
+              <a:rPr kumimoji="1" lang="ja-JP" altLang="en-US" smtClean="0"/>
+              <a:t>第 </a:t>
+            </a:r>
+            <a:r>
+              <a:rPr kumimoji="1" lang="en-US" altLang="ja-JP" smtClean="0"/>
+              <a:t>5 </a:t>
+            </a:r>
+            <a:r>
+              <a:rPr kumimoji="1" lang="ja-JP" altLang="en-US" smtClean="0"/>
+              <a:t>レベル</a:t>
+            </a:r>
+            <a:endParaRPr kumimoji="1" lang="ja-JP" altLang="en-US"/>
+          </a:p>
+        </p:txBody>
+      </p:sp>
+      <p:sp>
+        <p:nvSpPr>
+          <p:cNvPr id="6" name="フッター プレースホルダー 5"/>
+          <p:cNvSpPr>
+            <a:spLocks noGrp="1"/>
+          </p:cNvSpPr>
+          <p:nvPr>
+            <p:ph type="ftr" sz="quarter" idx="4"/>
+          </p:nvPr>
+        </p:nvSpPr>
+        <p:spPr>
+          <a:xfrm>
+            <a:off x="0" y="8685213"/>
+            <a:ext cx="2971800" cy="458787"/>
+          </a:xfrm>
+          <a:prstGeom prst="rect">
+            <a:avLst/>
+          </a:prstGeom>
+        </p:spPr>
+        <p:txBody>
+          <a:bodyPr vert="horz" lIns="91440" tIns="45720" rIns="91440" bIns="45720" rtlCol="0" anchor="b"/>
+          <a:lstStyle>
+            <a:lvl1pPr algn="l">
+              <a:defRPr sz="1200"/>
+            </a:lvl1pPr>
+          </a:lstStyle>
+          <a:p>
+            <a:endParaRPr kumimoji="1" lang="ja-JP" altLang="en-US"/>
+          </a:p>
+        </p:txBody>
+      </p:sp>
+      <p:sp>
+        <p:nvSpPr>
+          <p:cNvPr id="7" name="スライド番号プレースホルダー 6"/>
+          <p:cNvSpPr>
+            <a:spLocks noGrp="1"/>
+          </p:cNvSpPr>
+          <p:nvPr>
+            <p:ph type="sldNum" sz="quarter" idx="5"/>
+          </p:nvPr>
+        </p:nvSpPr>
+        <p:spPr>
+          <a:xfrm>
+            <a:off x="3884613" y="8685213"/>
+            <a:ext cx="2971800" cy="458787"/>
+          </a:xfrm>
+          <a:prstGeom prst="rect">
+            <a:avLst/>
+          </a:prstGeom>
+        </p:spPr>
+        <p:txBody>
+          <a:bodyPr vert="horz" lIns="91440" tIns="45720" rIns="91440" bIns="45720" rtlCol="0" anchor="b"/>
+          <a:lstStyle>
+            <a:lvl1pPr algn="r">
+              <a:defRPr sz="1200"/>
+            </a:lvl1pPr>
+          </a:lstStyle>
+          <a:p>
+            <a:fld id="{3FFECB04-379E-41EF-9172-8ED1DEC590F5}" type="slidenum">
+              <a:rPr kumimoji="1" lang="ja-JP" altLang="en-US" smtClean="0"/>
+              <a:t>‹#›</a:t>
+            </a:fld>
+            <a:endParaRPr kumimoji="1" lang="ja-JP" altLang="en-US"/>
+          </a:p>
+        </p:txBody>
+      </p:sp>
+    </p:spTree>
+    <p:extLst>
+      <p:ext uri="{BB962C8B-B14F-4D97-AF65-F5344CB8AC3E}">
+        <p14:creationId xmlns:p14="http://schemas.microsoft.com/office/powerpoint/2010/main" val="989690728"/>
+      </p:ext>
+    </p:extLst>
+  </p:cSld>
+  <p:clrMap bg1="lt1" tx1="dk1" bg2="lt2" tx2="dk2" accent1="accent1" accent2="accent2" accent3="accent3" accent4="accent4" accent5="accent5" accent6="accent6" hlink="hlink" folHlink="folHlink"/>
+  <p:notesStyle>
+    <a:lvl1pPr marL="0" algn="l" defTabSz="914400" rtl="0" eaLnBrk="1" latinLnBrk="0" hangingPunct="1">
+      <a:defRPr kumimoji="1" sz="1200" kern="1200">
+        <a:solidFill>
+          <a:schemeClr val="tx1"/>
+        </a:solidFill>
+        <a:latin typeface="+mn-lt"/>
+        <a:ea typeface="+mn-ea"/>
+        <a:cs typeface="+mn-cs"/>
+      </a:defRPr>
+    </a:lvl1pPr>
+    <a:lvl2pPr marL="457200" algn="l" defTabSz="914400" rtl="0" eaLnBrk="1" latinLnBrk="0" hangingPunct="1">
+      <a:defRPr kumimoji="1" sz="1200" kern="1200">
+        <a:solidFill>
+          <a:schemeClr val="tx1"/>
+        </a:solidFill>
+        <a:latin typeface="+mn-lt"/>
+        <a:ea typeface="+mn-ea"/>
+        <a:cs typeface="+mn-cs"/>
+      </a:defRPr>
+    </a:lvl2pPr>
+    <a:lvl3pPr marL="914400" algn="l" defTabSz="914400" rtl="0" eaLnBrk="1" latinLnBrk="0" hangingPunct="1">
+      <a:defRPr kumimoji="1" sz="1200" kern="1200">
+        <a:solidFill>
+          <a:schemeClr val="tx1"/>
+        </a:solidFill>
+        <a:latin typeface="+mn-lt"/>
+        <a:ea typeface="+mn-ea"/>
+        <a:cs typeface="+mn-cs"/>
+      </a:defRPr>
+    </a:lvl3pPr>
+    <a:lvl4pPr marL="1371600" algn="l" defTabSz="914400" rtl="0" eaLnBrk="1" latinLnBrk="0" hangingPunct="1">
+      <a:defRPr kumimoji="1" sz="1200" kern="1200">
+        <a:solidFill>
+          <a:schemeClr val="tx1"/>
+        </a:solidFill>
+        <a:latin typeface="+mn-lt"/>
+        <a:ea typeface="+mn-ea"/>
+        <a:cs typeface="+mn-cs"/>
+      </a:defRPr>
+    </a:lvl4pPr>
+    <a:lvl5pPr marL="1828800" algn="l" defTabSz="914400" rtl="0" eaLnBrk="1" latinLnBrk="0" hangingPunct="1">
+      <a:defRPr kumimoji="1" sz="1200" kern="1200">
+        <a:solidFill>
+          <a:schemeClr val="tx1"/>
+        </a:solidFill>
+        <a:latin typeface="+mn-lt"/>
+        <a:ea typeface="+mn-ea"/>
+        <a:cs typeface="+mn-cs"/>
+      </a:defRPr>
+    </a:lvl5pPr>
+    <a:lvl6pPr marL="2286000" algn="l" defTabSz="914400" rtl="0" eaLnBrk="1" latinLnBrk="0" hangingPunct="1">
+      <a:defRPr kumimoji="1" sz="1200" kern="1200">
+        <a:solidFill>
+          <a:schemeClr val="tx1"/>
+        </a:solidFill>
+        <a:latin typeface="+mn-lt"/>
+        <a:ea typeface="+mn-ea"/>
+        <a:cs typeface="+mn-cs"/>
+      </a:defRPr>
+    </a:lvl6pPr>
+    <a:lvl7pPr marL="2743200" algn="l" defTabSz="914400" rtl="0" eaLnBrk="1" latinLnBrk="0" hangingPunct="1">
+      <a:defRPr kumimoji="1" sz="1200" kern="1200">
+        <a:solidFill>
+          <a:schemeClr val="tx1"/>
+        </a:solidFill>
+        <a:latin typeface="+mn-lt"/>
+        <a:ea typeface="+mn-ea"/>
+        <a:cs typeface="+mn-cs"/>
+      </a:defRPr>
+    </a:lvl7pPr>
+    <a:lvl8pPr marL="3200400" algn="l" defTabSz="914400" rtl="0" eaLnBrk="1" latinLnBrk="0" hangingPunct="1">
+      <a:defRPr kumimoji="1" sz="1200" kern="1200">
+        <a:solidFill>
+          <a:schemeClr val="tx1"/>
+        </a:solidFill>
+        <a:latin typeface="+mn-lt"/>
+        <a:ea typeface="+mn-ea"/>
+        <a:cs typeface="+mn-cs"/>
+      </a:defRPr>
+    </a:lvl8pPr>
+    <a:lvl9pPr marL="3657600" algn="l" defTabSz="914400" rtl="0" eaLnBrk="1" latinLnBrk="0" hangingPunct="1">
+      <a:defRPr kumimoji="1" sz="1200" kern="1200">
+        <a:solidFill>
+          <a:schemeClr val="tx1"/>
+        </a:solidFill>
+        <a:latin typeface="+mn-lt"/>
+        <a:ea typeface="+mn-ea"/>
+        <a:cs typeface="+mn-cs"/>
+      </a:defRPr>
+    </a:lvl9pPr>
+  </p:notesStyle>
+</p:notesMaster>
+</file>
+
+<file path=ppt/notesSlides/notesSlide1.xml><?xml version="1.0" encoding="utf-8"?>
+<p:notes xmlns:a="http://schemas.openxmlformats.org/drawingml/2006/main" xmlns:r="http://schemas.openxmlformats.org/officeDocument/2006/relationships" xmlns:p="http://schemas.openxmlformats.org/presentationml/2006/main">
+  <p:cSld>
+    <p:spTree>
+      <p:nvGrpSpPr>
+        <p:cNvPr id="1" name=""/>
+        <p:cNvGrpSpPr/>
+        <p:nvPr/>
+      </p:nvGrpSpPr>
+      <p:grpSpPr>
+        <a:xfrm>
+          <a:off x="0" y="0"/>
+          <a:ext cx="0" cy="0"/>
+          <a:chOff x="0" y="0"/>
+          <a:chExt cx="0" cy="0"/>
+        </a:xfrm>
+      </p:grpSpPr>
+      <p:sp>
+        <p:nvSpPr>
+          <p:cNvPr id="2" name="スライド イメージ プレースホルダー 1"/>
+          <p:cNvSpPr>
+            <a:spLocks noGrp="1" noRot="1" noChangeAspect="1"/>
+          </p:cNvSpPr>
+          <p:nvPr>
+            <p:ph type="sldImg"/>
+          </p:nvPr>
+        </p:nvSpPr>
+        <p:spPr/>
+      </p:sp>
+      <p:sp>
+        <p:nvSpPr>
+          <p:cNvPr id="3" name="ノート プレースホルダー 2"/>
+          <p:cNvSpPr>
+            <a:spLocks noGrp="1"/>
+          </p:cNvSpPr>
+          <p:nvPr>
+            <p:ph type="body" idx="1"/>
+          </p:nvPr>
+        </p:nvSpPr>
+        <p:spPr/>
+        <p:txBody>
+          <a:bodyPr/>
+          <a:lstStyle/>
+          <a:p>
+            <a:endParaRPr kumimoji="1" lang="ja-JP" altLang="en-US"/>
+          </a:p>
+        </p:txBody>
+      </p:sp>
+      <p:sp>
+        <p:nvSpPr>
+          <p:cNvPr id="4" name="スライド番号プレースホルダー 3"/>
+          <p:cNvSpPr>
+            <a:spLocks noGrp="1"/>
+          </p:cNvSpPr>
+          <p:nvPr>
+            <p:ph type="sldNum" sz="quarter" idx="10"/>
+          </p:nvPr>
+        </p:nvSpPr>
+        <p:spPr/>
+        <p:txBody>
+          <a:bodyPr/>
+          <a:lstStyle/>
+          <a:p>
+            <a:fld id="{3FFECB04-379E-41EF-9172-8ED1DEC590F5}" type="slidenum">
+              <a:rPr kumimoji="1" lang="ja-JP" altLang="en-US" smtClean="0"/>
+              <a:t>5</a:t>
+            </a:fld>
+            <a:endParaRPr kumimoji="1" lang="ja-JP" altLang="en-US"/>
+          </a:p>
+        </p:txBody>
+      </p:sp>
+    </p:spTree>
+    <p:extLst>
+      <p:ext uri="{BB962C8B-B14F-4D97-AF65-F5344CB8AC3E}">
+        <p14:creationId xmlns:p14="http://schemas.microsoft.com/office/powerpoint/2010/main" val="1527168101"/>
+      </p:ext>
+    </p:extLst>
+  </p:cSld>
+  <p:clrMapOvr>
+    <a:masterClrMapping/>
+  </p:clrMapOvr>
+</p:notes>
+</file>
+
 <file path=ppt/slideLayouts/slideLayout1.xml><?xml version="1.0" encoding="utf-8"?>
 <p:sldLayout xmlns:a="http://schemas.openxmlformats.org/drawingml/2006/main" xmlns:r="http://schemas.openxmlformats.org/officeDocument/2006/relationships" xmlns:p="http://schemas.openxmlformats.org/presentationml/2006/main" type="title" preserve="1">
   <p:cSld name="タイトル スライド">
@@ -276,7 +790,7 @@
           <a:p>
             <a:fld id="{661905F2-F6EC-49A2-8E58-5655C7F6F28B}" type="datetimeFigureOut">
               <a:rPr kumimoji="1" lang="ja-JP" altLang="en-US" smtClean="0"/>
-              <a:t>2017/2/19</a:t>
+              <a:t>2017/2/20</a:t>
             </a:fld>
             <a:endParaRPr kumimoji="1" lang="ja-JP" altLang="en-US"/>
           </a:p>
@@ -478,7 +992,7 @@
           <a:p>
             <a:fld id="{661905F2-F6EC-49A2-8E58-5655C7F6F28B}" type="datetimeFigureOut">
               <a:rPr kumimoji="1" lang="ja-JP" altLang="en-US" smtClean="0"/>
-              <a:t>2017/2/19</a:t>
+              <a:t>2017/2/20</a:t>
             </a:fld>
             <a:endParaRPr kumimoji="1" lang="ja-JP" altLang="en-US"/>
           </a:p>
@@ -690,7 +1204,7 @@
           <a:p>
             <a:fld id="{661905F2-F6EC-49A2-8E58-5655C7F6F28B}" type="datetimeFigureOut">
               <a:rPr kumimoji="1" lang="ja-JP" altLang="en-US" smtClean="0"/>
-              <a:t>2017/2/19</a:t>
+              <a:t>2017/2/20</a:t>
             </a:fld>
             <a:endParaRPr kumimoji="1" lang="ja-JP" altLang="en-US"/>
           </a:p>
@@ -892,7 +1406,7 @@
           <a:p>
             <a:fld id="{661905F2-F6EC-49A2-8E58-5655C7F6F28B}" type="datetimeFigureOut">
               <a:rPr kumimoji="1" lang="ja-JP" altLang="en-US" smtClean="0"/>
-              <a:t>2017/2/19</a:t>
+              <a:t>2017/2/20</a:t>
             </a:fld>
             <a:endParaRPr kumimoji="1" lang="ja-JP" altLang="en-US"/>
           </a:p>
@@ -1138,7 +1652,7 @@
           <a:p>
             <a:fld id="{661905F2-F6EC-49A2-8E58-5655C7F6F28B}" type="datetimeFigureOut">
               <a:rPr kumimoji="1" lang="ja-JP" altLang="en-US" smtClean="0"/>
-              <a:t>2017/2/19</a:t>
+              <a:t>2017/2/20</a:t>
             </a:fld>
             <a:endParaRPr kumimoji="1" lang="ja-JP" altLang="en-US"/>
           </a:p>
@@ -1434,7 +1948,7 @@
           <a:p>
             <a:fld id="{661905F2-F6EC-49A2-8E58-5655C7F6F28B}" type="datetimeFigureOut">
               <a:rPr kumimoji="1" lang="ja-JP" altLang="en-US" smtClean="0"/>
-              <a:t>2017/2/19</a:t>
+              <a:t>2017/2/20</a:t>
             </a:fld>
             <a:endParaRPr kumimoji="1" lang="ja-JP" altLang="en-US"/>
           </a:p>
@@ -1865,7 +2379,7 @@
           <a:p>
             <a:fld id="{661905F2-F6EC-49A2-8E58-5655C7F6F28B}" type="datetimeFigureOut">
               <a:rPr kumimoji="1" lang="ja-JP" altLang="en-US" smtClean="0"/>
-              <a:t>2017/2/19</a:t>
+              <a:t>2017/2/20</a:t>
             </a:fld>
             <a:endParaRPr kumimoji="1" lang="ja-JP" altLang="en-US"/>
           </a:p>
@@ -1983,7 +2497,7 @@
           <a:p>
             <a:fld id="{661905F2-F6EC-49A2-8E58-5655C7F6F28B}" type="datetimeFigureOut">
               <a:rPr kumimoji="1" lang="ja-JP" altLang="en-US" smtClean="0"/>
-              <a:t>2017/2/19</a:t>
+              <a:t>2017/2/20</a:t>
             </a:fld>
             <a:endParaRPr kumimoji="1" lang="ja-JP" altLang="en-US"/>
           </a:p>
@@ -2078,7 +2592,7 @@
           <a:p>
             <a:fld id="{661905F2-F6EC-49A2-8E58-5655C7F6F28B}" type="datetimeFigureOut">
               <a:rPr kumimoji="1" lang="ja-JP" altLang="en-US" smtClean="0"/>
-              <a:t>2017/2/19</a:t>
+              <a:t>2017/2/20</a:t>
             </a:fld>
             <a:endParaRPr kumimoji="1" lang="ja-JP" altLang="en-US"/>
           </a:p>
@@ -2387,7 +2901,7 @@
           <a:p>
             <a:fld id="{661905F2-F6EC-49A2-8E58-5655C7F6F28B}" type="datetimeFigureOut">
               <a:rPr kumimoji="1" lang="ja-JP" altLang="en-US" smtClean="0"/>
-              <a:t>2017/2/19</a:t>
+              <a:t>2017/2/20</a:t>
             </a:fld>
             <a:endParaRPr kumimoji="1" lang="ja-JP" altLang="en-US"/>
           </a:p>
@@ -2640,7 +3154,7 @@
           <a:p>
             <a:fld id="{661905F2-F6EC-49A2-8E58-5655C7F6F28B}" type="datetimeFigureOut">
               <a:rPr kumimoji="1" lang="ja-JP" altLang="en-US" smtClean="0"/>
-              <a:t>2017/2/19</a:t>
+              <a:t>2017/2/20</a:t>
             </a:fld>
             <a:endParaRPr kumimoji="1" lang="ja-JP" altLang="en-US"/>
           </a:p>
@@ -2885,7 +3399,7 @@
           <a:p>
             <a:fld id="{661905F2-F6EC-49A2-8E58-5655C7F6F28B}" type="datetimeFigureOut">
               <a:rPr kumimoji="1" lang="ja-JP" altLang="en-US" smtClean="0"/>
-              <a:t>2017/2/19</a:t>
+              <a:t>2017/2/20</a:t>
             </a:fld>
             <a:endParaRPr kumimoji="1" lang="ja-JP" altLang="en-US"/>
           </a:p>
@@ -3374,145 +3888,132 @@
           <a:lstStyle/>
           <a:p>
             <a:r>
+              <a:rPr lang="ja-JP" altLang="en-US" dirty="0" smtClean="0"/>
+              <a:t>今回</a:t>
+            </a:r>
+            <a:r>
               <a:rPr lang="en-US" altLang="ja-JP" dirty="0" smtClean="0"/>
+              <a:t>:</a:t>
+            </a:r>
+            <a:r>
+              <a:rPr lang="ja-JP" altLang="en-US" dirty="0" smtClean="0"/>
+              <a:t>コドンの翻訳</a:t>
+            </a:r>
+            <a:endParaRPr kumimoji="1" lang="ja-JP" altLang="en-US" dirty="0"/>
+          </a:p>
+        </p:txBody>
+      </p:sp>
+      <p:sp>
+        <p:nvSpPr>
+          <p:cNvPr id="3" name="コンテンツ プレースホルダー 2"/>
+          <p:cNvSpPr>
+            <a:spLocks noGrp="1"/>
+          </p:cNvSpPr>
+          <p:nvPr>
+            <p:ph idx="1"/>
+          </p:nvPr>
+        </p:nvSpPr>
+        <p:spPr/>
+        <p:txBody>
+          <a:bodyPr>
+            <a:normAutofit/>
+          </a:bodyPr>
+          <a:lstStyle/>
+          <a:p>
+            <a:pPr marL="0" indent="0">
+              <a:buNone/>
+            </a:pPr>
+            <a:r>
+              <a:rPr kumimoji="1" lang="ja-JP" altLang="en-US" dirty="0" smtClean="0"/>
+              <a:t>コドンからアミノ酸を作る</a:t>
+            </a:r>
+            <a:endParaRPr kumimoji="1" lang="en-US" altLang="ja-JP" dirty="0" smtClean="0"/>
+          </a:p>
+          <a:p>
+            <a:pPr marL="0" indent="0">
+              <a:buNone/>
+            </a:pPr>
+            <a:endParaRPr lang="en-US" altLang="ja-JP" dirty="0"/>
+          </a:p>
+          <a:p>
+            <a:pPr marL="0" indent="0">
+              <a:buNone/>
+            </a:pPr>
+            <a:r>
+              <a:rPr lang="ja-JP" altLang="en-US" dirty="0" smtClean="0"/>
+              <a:t>疑問</a:t>
+            </a:r>
+            <a:endParaRPr lang="ja-JP" altLang="en-US" dirty="0"/>
+          </a:p>
+          <a:p>
+            <a:pPr marL="0" indent="0">
+              <a:buNone/>
+            </a:pPr>
+            <a:r>
+              <a:rPr lang="en-US" altLang="ja-JP" dirty="0"/>
+              <a:t>- </a:t>
+            </a:r>
+            <a:r>
+              <a:rPr lang="ja-JP" altLang="en-US" dirty="0"/>
+              <a:t>一対一対応でない中</a:t>
+            </a:r>
+            <a:r>
+              <a:rPr lang="ja-JP" altLang="en-US" dirty="0" smtClean="0"/>
+              <a:t>，対応が一体どういう理屈なのか</a:t>
+            </a:r>
+            <a:endParaRPr lang="ja-JP" altLang="en-US" dirty="0"/>
+          </a:p>
+          <a:p>
+            <a:pPr marL="0" indent="0">
+              <a:buNone/>
+            </a:pPr>
+            <a:r>
+              <a:rPr lang="en-US" altLang="ja-JP" dirty="0"/>
+              <a:t>- </a:t>
+            </a:r>
+            <a:r>
+              <a:rPr lang="ja-JP" altLang="en-US" dirty="0"/>
+              <a:t>生物によって違う場合がある</a:t>
+            </a:r>
+            <a:r>
+              <a:rPr lang="en-US" altLang="ja-JP" dirty="0"/>
+              <a:t>.</a:t>
+            </a:r>
+          </a:p>
+          <a:p>
+            <a:pPr marL="0" indent="0">
+              <a:buNone/>
+            </a:pPr>
+            <a:endParaRPr lang="en-US" altLang="ja-JP" dirty="0"/>
+          </a:p>
+          <a:p>
+            <a:pPr marL="0" indent="0">
+              <a:buNone/>
+            </a:pPr>
+            <a:r>
+              <a:rPr lang="ja-JP" altLang="en-US" dirty="0"/>
+              <a:t>この現象を説明する数理モデルを作ろう</a:t>
+            </a:r>
+            <a:r>
+              <a:rPr lang="en-US" altLang="ja-JP" dirty="0" smtClean="0"/>
+              <a:t>!!</a:t>
+            </a:r>
+          </a:p>
+          <a:p>
+            <a:pPr marL="0" indent="0">
+              <a:buNone/>
+            </a:pPr>
+            <a:r>
+              <a:rPr lang="ja-JP" altLang="en-US" dirty="0"/>
+              <a:t>それが「</a:t>
+            </a:r>
+            <a:r>
+              <a:rPr lang="en-US" altLang="ja-JP" dirty="0"/>
               <a:t>Crystal Basis Model</a:t>
             </a:r>
-            <a:endParaRPr kumimoji="1" lang="ja-JP" altLang="en-US" dirty="0"/>
-          </a:p>
-        </p:txBody>
-      </p:sp>
-      <p:sp>
-        <p:nvSpPr>
-          <p:cNvPr id="3" name="コンテンツ プレースホルダー 2"/>
-          <p:cNvSpPr>
-            <a:spLocks noGrp="1"/>
-          </p:cNvSpPr>
-          <p:nvPr>
-            <p:ph idx="1"/>
-          </p:nvPr>
-        </p:nvSpPr>
-        <p:spPr/>
-        <p:txBody>
-          <a:bodyPr/>
-          <a:lstStyle/>
-          <a:p>
-            <a:pPr marL="0" indent="0">
-              <a:buNone/>
-            </a:pPr>
             <a:r>
               <a:rPr lang="ja-JP" altLang="en-US" dirty="0"/>
-              <a:t>量子群 </a:t>
-            </a:r>
-            <a:r>
-              <a:rPr lang="en-US" altLang="ja-JP" dirty="0"/>
-              <a:t>q → 0 SU(2) \times SU(2) </a:t>
-            </a:r>
-            <a:r>
-              <a:rPr lang="ja-JP" altLang="en-US" dirty="0"/>
-              <a:t>のある</a:t>
-            </a:r>
-            <a:r>
-              <a:rPr lang="en-US" altLang="ja-JP" dirty="0"/>
-              <a:t>64</a:t>
-            </a:r>
-            <a:r>
-              <a:rPr lang="ja-JP" altLang="en-US" dirty="0"/>
-              <a:t>次元表現を既約表現</a:t>
-            </a:r>
-            <a:r>
-              <a:rPr lang="en-US" altLang="ja-JP" dirty="0"/>
-              <a:t>\</a:t>
-            </a:r>
-            <a:r>
-              <a:rPr lang="en-US" altLang="ja-JP" dirty="0" err="1"/>
-              <a:t>oplus</a:t>
-            </a:r>
-            <a:r>
-              <a:rPr lang="en-US" altLang="ja-JP" dirty="0"/>
-              <a:t> </a:t>
-            </a:r>
-            <a:r>
-              <a:rPr lang="en-US" altLang="ja-JP" dirty="0" err="1"/>
-              <a:t>V_i</a:t>
-            </a:r>
-            <a:r>
-              <a:rPr lang="ja-JP" altLang="en-US" dirty="0"/>
-              <a:t>に分解し</a:t>
-            </a:r>
-            <a:r>
-              <a:rPr lang="en-US" altLang="ja-JP" dirty="0"/>
-              <a:t>,</a:t>
-            </a:r>
-          </a:p>
-          <a:p>
-            <a:pPr marL="0" indent="0">
-              <a:buNone/>
-            </a:pPr>
-            <a:r>
-              <a:rPr lang="en-US" altLang="ja-JP" dirty="0" err="1"/>
-              <a:t>V_i</a:t>
-            </a:r>
-            <a:r>
-              <a:rPr lang="ja-JP" altLang="en-US" dirty="0"/>
-              <a:t>に</a:t>
-            </a:r>
-            <a:r>
-              <a:rPr lang="en-US" altLang="ja-JP" dirty="0"/>
-              <a:t>(</a:t>
-            </a:r>
-            <a:r>
-              <a:rPr lang="ja-JP" altLang="en-US" dirty="0"/>
-              <a:t>生物に依存した</a:t>
-            </a:r>
-            <a:r>
-              <a:rPr lang="en-US" altLang="ja-JP" dirty="0"/>
-              <a:t>)reading Operator R</a:t>
-            </a:r>
-            <a:r>
-              <a:rPr lang="ja-JP" altLang="en-US" dirty="0"/>
-              <a:t>を作用させる．</a:t>
-            </a:r>
-          </a:p>
-          <a:p>
-            <a:pPr marL="0" indent="0">
-              <a:buNone/>
-            </a:pPr>
-            <a:r>
-              <a:rPr lang="ja-JP" altLang="en-US" dirty="0"/>
-              <a:t>各</a:t>
-            </a:r>
-            <a:r>
-              <a:rPr lang="en-US" altLang="ja-JP" dirty="0" err="1"/>
-              <a:t>V_i</a:t>
-            </a:r>
-            <a:r>
-              <a:rPr lang="ja-JP" altLang="en-US" dirty="0"/>
-              <a:t>の</a:t>
-            </a:r>
-            <a:r>
-              <a:rPr lang="en-US" altLang="ja-JP" dirty="0"/>
-              <a:t>Crystal Base</a:t>
-            </a:r>
-            <a:r>
-              <a:rPr lang="ja-JP" altLang="en-US" dirty="0"/>
-              <a:t>が</a:t>
-            </a:r>
-            <a:r>
-              <a:rPr lang="en-US" altLang="ja-JP" dirty="0"/>
-              <a:t>R</a:t>
-            </a:r>
-            <a:r>
-              <a:rPr lang="ja-JP" altLang="en-US" dirty="0"/>
-              <a:t>の固有ベクトルになっており</a:t>
-            </a:r>
-          </a:p>
-          <a:p>
-            <a:pPr marL="0" indent="0">
-              <a:buNone/>
-            </a:pPr>
-            <a:r>
-              <a:rPr lang="ja-JP" altLang="en-US" dirty="0"/>
-              <a:t>固有値が等しい⇔同じアミノ酸を作る．</a:t>
+              <a:t>」</a:t>
             </a:r>
             <a:endParaRPr kumimoji="1" lang="ja-JP" altLang="en-US" dirty="0"/>
           </a:p>
@@ -3521,7 +4022,7 @@
     </p:spTree>
     <p:extLst>
       <p:ext uri="{BB962C8B-B14F-4D97-AF65-F5344CB8AC3E}">
-        <p14:creationId xmlns:p14="http://schemas.microsoft.com/office/powerpoint/2010/main" val="4128852225"/>
+        <p14:creationId xmlns:p14="http://schemas.microsoft.com/office/powerpoint/2010/main" val="1243915458"/>
       </p:ext>
     </p:extLst>
   </p:cSld>
@@ -3571,8 +4072,8 @@
           <a:lstStyle/>
           <a:p>
             <a:r>
-              <a:rPr kumimoji="1" lang="ja-JP" altLang="en-US" dirty="0" smtClean="0"/>
-              <a:t>何がすごいか</a:t>
+              <a:rPr lang="en-US" altLang="ja-JP" dirty="0" smtClean="0"/>
+              <a:t>Crystal Basis Model</a:t>
             </a:r>
             <a:endParaRPr kumimoji="1" lang="ja-JP" altLang="en-US" dirty="0"/>
           </a:p>
@@ -3597,35 +4098,130 @@
               <a:buNone/>
             </a:pPr>
             <a:r>
+              <a:rPr lang="ja-JP" altLang="en-US" dirty="0"/>
+              <a:t>量子群 </a:t>
+            </a:r>
+            <a:r>
+              <a:rPr lang="en-US" altLang="ja-JP" dirty="0"/>
+              <a:t>q → 0 SU(2) \times SU(2) </a:t>
+            </a:r>
+            <a:r>
+              <a:rPr lang="ja-JP" altLang="en-US" dirty="0"/>
+              <a:t>のある</a:t>
+            </a:r>
+            <a:r>
+              <a:rPr lang="en-US" altLang="ja-JP" dirty="0"/>
+              <a:t>64</a:t>
+            </a:r>
+            <a:r>
+              <a:rPr lang="ja-JP" altLang="en-US" dirty="0"/>
+              <a:t>次元表現を既約</a:t>
+            </a:r>
+            <a:r>
+              <a:rPr lang="ja-JP" altLang="en-US" dirty="0" smtClean="0"/>
+              <a:t>表現</a:t>
+            </a:r>
+            <a:r>
+              <a:rPr lang="en-US" altLang="ja-JP" dirty="0" err="1" smtClean="0"/>
+              <a:t>V_i</a:t>
+            </a:r>
+            <a:r>
+              <a:rPr lang="ja-JP" altLang="en-US" dirty="0"/>
+              <a:t>に</a:t>
+            </a:r>
+            <a:r>
+              <a:rPr lang="ja-JP" altLang="en-US" dirty="0" smtClean="0"/>
+              <a:t>分解</a:t>
+            </a:r>
+            <a:r>
+              <a:rPr lang="ja-JP" altLang="en-US" dirty="0" smtClean="0"/>
+              <a:t>する．</a:t>
+            </a:r>
+            <a:endParaRPr lang="en-US" altLang="ja-JP" dirty="0" smtClean="0"/>
+          </a:p>
+          <a:p>
+            <a:pPr marL="0" indent="0">
+              <a:buNone/>
+            </a:pPr>
+            <a:r>
               <a:rPr lang="en-US" altLang="ja-JP" dirty="0" smtClean="0"/>
-              <a:t>『</a:t>
-            </a:r>
-            <a:r>
-              <a:rPr lang="ja-JP" altLang="en-US" dirty="0" smtClean="0"/>
-              <a:t>群の</a:t>
-            </a:r>
-            <a:r>
-              <a:rPr lang="ja-JP" altLang="en-US" dirty="0" smtClean="0"/>
-              <a:t>表現</a:t>
+              <a:t>Crystal Base</a:t>
+            </a:r>
+            <a:r>
+              <a:rPr lang="ja-JP" altLang="en-US" dirty="0" smtClean="0"/>
+              <a:t>を定める．</a:t>
+            </a:r>
+            <a:endParaRPr lang="en-US" altLang="ja-JP" dirty="0"/>
+          </a:p>
+          <a:p>
+            <a:pPr marL="0" indent="0">
+              <a:buNone/>
+            </a:pPr>
+            <a:r>
+              <a:rPr lang="en-US" altLang="ja-JP" dirty="0" err="1"/>
+              <a:t>V_i</a:t>
+            </a:r>
+            <a:r>
+              <a:rPr lang="ja-JP" altLang="en-US" dirty="0"/>
+              <a:t>に</a:t>
+            </a:r>
+            <a:r>
+              <a:rPr lang="en-US" altLang="ja-JP" dirty="0"/>
+              <a:t>(</a:t>
+            </a:r>
+            <a:r>
+              <a:rPr lang="ja-JP" altLang="en-US" dirty="0"/>
+              <a:t>生物に依存した</a:t>
+            </a:r>
+            <a:r>
+              <a:rPr lang="en-US" altLang="ja-JP" dirty="0"/>
+              <a:t>)reading Operator R</a:t>
+            </a:r>
+            <a:r>
+              <a:rPr lang="ja-JP" altLang="en-US" dirty="0"/>
+              <a:t>を作用させる．</a:t>
+            </a:r>
+          </a:p>
+          <a:p>
+            <a:pPr marL="0" indent="0">
+              <a:buNone/>
+            </a:pPr>
+            <a:r>
+              <a:rPr lang="ja-JP" altLang="en-US" dirty="0"/>
+              <a:t>各</a:t>
+            </a:r>
+            <a:r>
+              <a:rPr lang="en-US" altLang="ja-JP" dirty="0" err="1"/>
+              <a:t>V_i</a:t>
+            </a:r>
+            <a:r>
+              <a:rPr lang="ja-JP" altLang="en-US" dirty="0"/>
+              <a:t>の</a:t>
+            </a:r>
+            <a:r>
+              <a:rPr lang="en-US" altLang="ja-JP" dirty="0"/>
+              <a:t>Crystal </a:t>
             </a:r>
             <a:r>
               <a:rPr lang="en-US" altLang="ja-JP" dirty="0" smtClean="0"/>
-              <a:t>』</a:t>
-            </a:r>
-            <a:r>
-              <a:rPr lang="ja-JP" altLang="en-US" dirty="0" smtClean="0"/>
-              <a:t>に</a:t>
-            </a:r>
-            <a:r>
-              <a:rPr lang="ja-JP" altLang="en-US" dirty="0" smtClean="0"/>
-              <a:t>よる数理モデルが作れた。</a:t>
-            </a:r>
-            <a:endParaRPr lang="ja-JP" altLang="en-US" dirty="0"/>
-          </a:p>
-          <a:p>
-            <a:pPr marL="0" indent="0">
-              <a:buNone/>
-            </a:pPr>
+              <a:t>Base</a:t>
+            </a:r>
+            <a:r>
+              <a:rPr lang="ja-JP" altLang="en-US" dirty="0"/>
+              <a:t>は</a:t>
+            </a:r>
+            <a:r>
+              <a:rPr lang="en-US" altLang="ja-JP" dirty="0" smtClean="0"/>
+              <a:t>R</a:t>
+            </a:r>
+            <a:r>
+              <a:rPr lang="ja-JP" altLang="en-US" dirty="0"/>
+              <a:t>の固有ベクトルに</a:t>
+            </a:r>
+            <a:r>
+              <a:rPr lang="ja-JP" altLang="en-US" dirty="0" smtClean="0"/>
+              <a:t>なっている．</a:t>
+            </a:r>
             <a:endParaRPr lang="en-US" altLang="ja-JP" dirty="0" smtClean="0"/>
           </a:p>
           <a:p>
@@ -3633,53 +4229,49 @@
               <a:buNone/>
             </a:pPr>
             <a:r>
-              <a:rPr lang="ja-JP" altLang="en-US" dirty="0" smtClean="0"/>
-              <a:t>⇒</a:t>
-            </a:r>
-            <a:r>
-              <a:rPr lang="en-US" altLang="ja-JP" dirty="0" smtClean="0"/>
-              <a:t>『</a:t>
-            </a:r>
-            <a:r>
-              <a:rPr lang="ja-JP" altLang="en-US" dirty="0" smtClean="0"/>
-              <a:t>表現</a:t>
-            </a:r>
-            <a:r>
-              <a:rPr lang="en-US" altLang="ja-JP" dirty="0" smtClean="0"/>
-              <a:t>』</a:t>
-            </a:r>
-            <a:r>
-              <a:rPr lang="ja-JP" altLang="en-US" dirty="0" smtClean="0"/>
-              <a:t>は数学において非常に広範囲で使われるもの。</a:t>
-            </a:r>
-            <a:endParaRPr lang="en-US" altLang="ja-JP" dirty="0" smtClean="0"/>
-          </a:p>
-          <a:p>
-            <a:pPr marL="0" indent="0">
-              <a:buNone/>
-            </a:pPr>
-            <a:r>
-              <a:rPr lang="ja-JP" altLang="en-US" dirty="0" smtClean="0"/>
-              <a:t>純粋数学の様々な道具が使える可能性を示唆し</a:t>
-            </a:r>
-            <a:r>
-              <a:rPr lang="ja-JP" altLang="en-US" dirty="0" smtClean="0"/>
-              <a:t>ている。</a:t>
-            </a:r>
-            <a:endParaRPr lang="en-US" altLang="ja-JP" dirty="0" smtClean="0"/>
-          </a:p>
-          <a:p>
-            <a:pPr marL="0" indent="0">
-              <a:buNone/>
-            </a:pPr>
-            <a:endParaRPr lang="en-US" altLang="ja-JP" dirty="0"/>
+              <a:rPr lang="ja-JP" altLang="en-US" dirty="0"/>
+              <a:t>この</a:t>
+            </a:r>
+            <a:r>
+              <a:rPr lang="ja-JP" altLang="en-US" dirty="0" smtClean="0"/>
+              <a:t>時，</a:t>
+            </a:r>
+            <a:r>
+              <a:rPr lang="ja-JP" altLang="en-US" dirty="0" smtClean="0"/>
+              <a:t>固有値</a:t>
+            </a:r>
+            <a:r>
+              <a:rPr lang="ja-JP" altLang="en-US" dirty="0"/>
+              <a:t>が</a:t>
+            </a:r>
+            <a:r>
+              <a:rPr lang="ja-JP" altLang="en-US" dirty="0" smtClean="0"/>
+              <a:t>等しい</a:t>
+            </a:r>
+            <a:r>
+              <a:rPr lang="en-US" altLang="ja-JP" dirty="0" err="1" smtClean="0"/>
+              <a:t>CrystalBasis</a:t>
+            </a:r>
+            <a:r>
+              <a:rPr lang="ja-JP" altLang="en-US" dirty="0" smtClean="0"/>
+              <a:t>が</a:t>
+            </a:r>
+            <a:r>
+              <a:rPr lang="ja-JP" altLang="en-US" dirty="0" smtClean="0"/>
+              <a:t>⇔</a:t>
+            </a:r>
+            <a:r>
+              <a:rPr lang="ja-JP" altLang="en-US" dirty="0"/>
+              <a:t>同じアミノ酸を作る．</a:t>
+            </a:r>
+            <a:endParaRPr kumimoji="1" lang="ja-JP" altLang="en-US" dirty="0"/>
           </a:p>
         </p:txBody>
       </p:sp>
     </p:spTree>
     <p:extLst>
       <p:ext uri="{BB962C8B-B14F-4D97-AF65-F5344CB8AC3E}">
-        <p14:creationId xmlns:p14="http://schemas.microsoft.com/office/powerpoint/2010/main" val="3518445703"/>
+        <p14:creationId xmlns:p14="http://schemas.microsoft.com/office/powerpoint/2010/main" val="4128852225"/>
       </p:ext>
     </p:extLst>
   </p:cSld>
@@ -3728,6 +4320,10 @@
           <a:bodyPr/>
           <a:lstStyle/>
           <a:p>
+            <a:r>
+              <a:rPr kumimoji="1" lang="ja-JP" altLang="en-US" dirty="0" smtClean="0"/>
+              <a:t>何がすごいか</a:t>
+            </a:r>
             <a:endParaRPr kumimoji="1" lang="ja-JP" altLang="en-US" dirty="0"/>
           </a:p>
         </p:txBody>
@@ -3750,44 +4346,86 @@
             <a:pPr marL="0" indent="0">
               <a:buNone/>
             </a:pPr>
-            <a:endParaRPr kumimoji="1" lang="en-US" altLang="ja-JP" dirty="0" smtClean="0"/>
+            <a:r>
+              <a:rPr lang="en-US" altLang="ja-JP" dirty="0" smtClean="0"/>
+              <a:t>『</a:t>
+            </a:r>
+            <a:r>
+              <a:rPr lang="ja-JP" altLang="en-US" dirty="0" smtClean="0">
+                <a:solidFill>
+                  <a:srgbClr val="FF0000"/>
+                </a:solidFill>
+              </a:rPr>
+              <a:t>群の表現</a:t>
+            </a:r>
+            <a:r>
+              <a:rPr lang="en-US" altLang="ja-JP" dirty="0" smtClean="0"/>
+              <a:t>』</a:t>
+            </a:r>
+            <a:r>
+              <a:rPr lang="ja-JP" altLang="en-US" dirty="0" smtClean="0"/>
+              <a:t>による数理モデルが作れた。</a:t>
+            </a:r>
+            <a:endParaRPr lang="ja-JP" altLang="en-US" dirty="0"/>
+          </a:p>
+          <a:p>
+            <a:pPr marL="0" indent="0">
+              <a:buNone/>
+            </a:pPr>
+            <a:endParaRPr lang="en-US" altLang="ja-JP" dirty="0" smtClean="0"/>
+          </a:p>
+          <a:p>
+            <a:pPr marL="0" indent="0">
+              <a:buNone/>
+            </a:pPr>
+            <a:r>
+              <a:rPr lang="ja-JP" altLang="en-US" dirty="0" smtClean="0"/>
+              <a:t>⇒</a:t>
+            </a:r>
+            <a:r>
+              <a:rPr lang="en-US" altLang="ja-JP" dirty="0" smtClean="0"/>
+              <a:t>『</a:t>
+            </a:r>
+            <a:r>
+              <a:rPr lang="ja-JP" altLang="en-US" dirty="0" smtClean="0">
+                <a:solidFill>
+                  <a:srgbClr val="FF0000"/>
+                </a:solidFill>
+              </a:rPr>
+              <a:t>表現</a:t>
+            </a:r>
+            <a:r>
+              <a:rPr lang="en-US" altLang="ja-JP" dirty="0" smtClean="0"/>
+              <a:t>』</a:t>
+            </a:r>
+            <a:r>
+              <a:rPr lang="ja-JP" altLang="en-US" dirty="0" smtClean="0"/>
+              <a:t>は数学において非常に広範囲で使われるもの。</a:t>
+            </a:r>
+            <a:endParaRPr lang="en-US" altLang="ja-JP" dirty="0" smtClean="0"/>
+          </a:p>
+          <a:p>
+            <a:pPr marL="0" indent="0">
+              <a:buNone/>
+            </a:pPr>
+            <a:r>
+              <a:rPr lang="ja-JP" altLang="en-US" dirty="0" smtClean="0"/>
+              <a:t>純粋数学の様々な道具が使える可能性を示唆している。</a:t>
+            </a:r>
+            <a:endParaRPr lang="en-US" altLang="ja-JP" dirty="0" smtClean="0"/>
           </a:p>
           <a:p>
             <a:pPr marL="0" indent="0">
               <a:buNone/>
             </a:pPr>
             <a:endParaRPr lang="en-US" altLang="ja-JP" dirty="0"/>
-          </a:p>
-          <a:p>
-            <a:pPr marL="0" indent="0">
-              <a:buNone/>
-            </a:pPr>
-            <a:endParaRPr kumimoji="1" lang="en-US" altLang="ja-JP" dirty="0" smtClean="0"/>
-          </a:p>
-          <a:p>
-            <a:pPr marL="0" indent="0">
-              <a:buNone/>
-            </a:pPr>
-            <a:r>
-              <a:rPr lang="ja-JP" altLang="en-US" sz="5400" dirty="0" smtClean="0"/>
-              <a:t>メインターゲット</a:t>
-            </a:r>
-            <a:r>
-              <a:rPr lang="en-US" altLang="ja-JP" sz="5400" dirty="0" smtClean="0"/>
-              <a:t>:</a:t>
-            </a:r>
-            <a:r>
-              <a:rPr lang="ja-JP" altLang="en-US" sz="5400" dirty="0" smtClean="0"/>
-              <a:t>群と表現</a:t>
-            </a:r>
-            <a:endParaRPr kumimoji="1" lang="ja-JP" altLang="en-US" sz="5400" dirty="0"/>
           </a:p>
         </p:txBody>
       </p:sp>
     </p:spTree>
     <p:extLst>
       <p:ext uri="{BB962C8B-B14F-4D97-AF65-F5344CB8AC3E}">
-        <p14:creationId xmlns:p14="http://schemas.microsoft.com/office/powerpoint/2010/main" val="189466951"/>
+        <p14:creationId xmlns:p14="http://schemas.microsoft.com/office/powerpoint/2010/main" val="3518445703"/>
       </p:ext>
     </p:extLst>
   </p:cSld>
@@ -3836,10 +4474,6 @@
           <a:bodyPr/>
           <a:lstStyle/>
           <a:p>
-            <a:r>
-              <a:rPr kumimoji="1" lang="ja-JP" altLang="en-US" dirty="0" smtClean="0"/>
-              <a:t>群のはじまり</a:t>
-            </a:r>
             <a:endParaRPr kumimoji="1" lang="ja-JP" altLang="en-US" dirty="0"/>
           </a:p>
         </p:txBody>
@@ -3856,96 +4490,50 @@
         </p:nvSpPr>
         <p:spPr/>
         <p:txBody>
-          <a:bodyPr>
-            <a:normAutofit/>
-          </a:bodyPr>
-          <a:lstStyle/>
-          <a:p>
-            <a:pPr marL="0" indent="0">
-              <a:buNone/>
-            </a:pPr>
-            <a:r>
-              <a:rPr lang="ja-JP" altLang="en-US" dirty="0" smtClean="0"/>
-              <a:t>図形</a:t>
-            </a:r>
-            <a:r>
-              <a:rPr lang="ja-JP" altLang="en-US" dirty="0"/>
-              <a:t>を調べたい</a:t>
-            </a:r>
-            <a:r>
-              <a:rPr lang="ja-JP" altLang="en-US" dirty="0" smtClean="0"/>
-              <a:t>．</a:t>
-            </a:r>
+          <a:bodyPr/>
+          <a:lstStyle/>
+          <a:p>
+            <a:pPr marL="0" indent="0">
+              <a:buNone/>
+            </a:pPr>
+            <a:endParaRPr kumimoji="1" lang="en-US" altLang="ja-JP" dirty="0" smtClean="0"/>
+          </a:p>
+          <a:p>
+            <a:pPr marL="0" indent="0">
+              <a:buNone/>
+            </a:pPr>
             <a:endParaRPr lang="en-US" altLang="ja-JP" dirty="0"/>
           </a:p>
           <a:p>
             <a:pPr marL="0" indent="0">
               <a:buNone/>
             </a:pPr>
-            <a:r>
-              <a:rPr lang="ja-JP" altLang="en-US" dirty="0" smtClean="0"/>
-              <a:t>特に定量的</a:t>
-            </a:r>
-            <a:r>
-              <a:rPr lang="en-US" altLang="ja-JP" dirty="0" smtClean="0"/>
-              <a:t>(</a:t>
-            </a:r>
-            <a:r>
-              <a:rPr lang="ja-JP" altLang="en-US" dirty="0" smtClean="0"/>
-              <a:t>代数的</a:t>
-            </a:r>
-            <a:r>
-              <a:rPr lang="en-US" altLang="ja-JP" dirty="0" smtClean="0"/>
-              <a:t>)</a:t>
-            </a:r>
-            <a:r>
-              <a:rPr lang="ja-JP" altLang="en-US" dirty="0" smtClean="0"/>
-              <a:t>に調べたい。</a:t>
-            </a:r>
-            <a:endParaRPr lang="en-US" altLang="ja-JP" dirty="0" smtClean="0"/>
-          </a:p>
-          <a:p>
-            <a:pPr marL="0" indent="0">
-              <a:buNone/>
-            </a:pPr>
-            <a:r>
-              <a:rPr lang="en-US" altLang="ja-JP" dirty="0" smtClean="0"/>
-              <a:t>Ex) </a:t>
-            </a:r>
-            <a:r>
-              <a:rPr lang="ja-JP" altLang="en-US" dirty="0" smtClean="0"/>
-              <a:t>辺の数、面の数。</a:t>
-            </a:r>
-            <a:endParaRPr lang="en-US" altLang="ja-JP" dirty="0" smtClean="0"/>
-          </a:p>
-          <a:p>
-            <a:pPr marL="0" indent="0">
-              <a:buNone/>
-            </a:pPr>
-            <a:endParaRPr lang="en-US" altLang="ja-JP" dirty="0" smtClean="0"/>
-          </a:p>
-          <a:p>
-            <a:pPr marL="0" indent="0">
-              <a:buNone/>
-            </a:pPr>
-            <a:r>
-              <a:rPr lang="ja-JP" altLang="en-US" dirty="0" smtClean="0"/>
-              <a:t>⇒そこで出てくるのが群。</a:t>
-            </a:r>
-            <a:endParaRPr lang="en-US" altLang="ja-JP" dirty="0" smtClean="0"/>
-          </a:p>
-          <a:p>
-            <a:pPr marL="0" indent="0">
-              <a:buNone/>
-            </a:pPr>
-            <a:endParaRPr lang="ja-JP" altLang="en-US" dirty="0"/>
+            <a:endParaRPr kumimoji="1" lang="en-US" altLang="ja-JP" dirty="0" smtClean="0"/>
+          </a:p>
+          <a:p>
+            <a:pPr marL="0" indent="0">
+              <a:buNone/>
+            </a:pPr>
+            <a:r>
+              <a:rPr lang="ja-JP" altLang="en-US" sz="5400" dirty="0" smtClean="0"/>
+              <a:t>メインターゲット</a:t>
+            </a:r>
+            <a:r>
+              <a:rPr lang="en-US" altLang="ja-JP" sz="5400" dirty="0" smtClean="0"/>
+              <a:t>:</a:t>
+            </a:r>
+            <a:r>
+              <a:rPr lang="ja-JP" altLang="en-US" sz="5400" dirty="0" smtClean="0"/>
+              <a:t>群と表現</a:t>
+            </a:r>
+            <a:endParaRPr kumimoji="1" lang="ja-JP" altLang="en-US" sz="5400" dirty="0"/>
           </a:p>
         </p:txBody>
       </p:sp>
     </p:spTree>
     <p:extLst>
       <p:ext uri="{BB962C8B-B14F-4D97-AF65-F5344CB8AC3E}">
-        <p14:creationId xmlns:p14="http://schemas.microsoft.com/office/powerpoint/2010/main" val="4250064750"/>
+        <p14:creationId xmlns:p14="http://schemas.microsoft.com/office/powerpoint/2010/main" val="189466951"/>
       </p:ext>
     </p:extLst>
   </p:cSld>
@@ -3994,7 +4582,11 @@
           <a:bodyPr/>
           <a:lstStyle/>
           <a:p>
-            <a:endParaRPr kumimoji="1" lang="ja-JP" altLang="en-US"/>
+            <a:r>
+              <a:rPr kumimoji="1" lang="ja-JP" altLang="en-US" dirty="0" smtClean="0"/>
+              <a:t>群のはじまり</a:t>
+            </a:r>
+            <a:endParaRPr kumimoji="1" lang="ja-JP" altLang="en-US" dirty="0"/>
           </a:p>
         </p:txBody>
       </p:sp>
@@ -4010,15 +4602,51 @@
         </p:nvSpPr>
         <p:spPr/>
         <p:txBody>
-          <a:bodyPr/>
-          <a:lstStyle/>
-          <a:p>
-            <a:pPr marL="0" indent="0">
-              <a:buNone/>
-            </a:pPr>
-            <a:r>
-              <a:rPr lang="ja-JP" altLang="en-US" dirty="0" smtClean="0"/>
-              <a:t>正方形とそれ以外の四角形を区別しよう。</a:t>
+          <a:bodyPr>
+            <a:normAutofit/>
+          </a:bodyPr>
+          <a:lstStyle/>
+          <a:p>
+            <a:pPr marL="0" indent="0">
+              <a:buNone/>
+            </a:pPr>
+            <a:r>
+              <a:rPr lang="ja-JP" altLang="en-US" dirty="0" smtClean="0"/>
+              <a:t>図形</a:t>
+            </a:r>
+            <a:r>
+              <a:rPr lang="ja-JP" altLang="en-US" dirty="0"/>
+              <a:t>を調べたい</a:t>
+            </a:r>
+            <a:r>
+              <a:rPr lang="ja-JP" altLang="en-US" dirty="0" smtClean="0"/>
+              <a:t>．</a:t>
+            </a:r>
+            <a:endParaRPr lang="en-US" altLang="ja-JP" dirty="0"/>
+          </a:p>
+          <a:p>
+            <a:pPr marL="0" indent="0">
+              <a:buNone/>
+            </a:pPr>
+            <a:r>
+              <a:rPr lang="ja-JP" altLang="en-US" dirty="0" smtClean="0"/>
+              <a:t>特に定量的</a:t>
+            </a:r>
+            <a:r>
+              <a:rPr lang="en-US" altLang="ja-JP" dirty="0" smtClean="0"/>
+              <a:t>(</a:t>
+            </a:r>
+            <a:r>
+              <a:rPr lang="ja-JP" altLang="en-US" dirty="0" smtClean="0"/>
+              <a:t>代数的</a:t>
+            </a:r>
+            <a:r>
+              <a:rPr lang="en-US" altLang="ja-JP" dirty="0" smtClean="0"/>
+              <a:t>)</a:t>
+            </a:r>
+            <a:r>
+              <a:rPr lang="ja-JP" altLang="en-US" dirty="0" smtClean="0"/>
+              <a:t>に調べたい。</a:t>
             </a:r>
             <a:endParaRPr lang="en-US" altLang="ja-JP" dirty="0" smtClean="0"/>
           </a:p>
@@ -4027,16 +4655,12 @@
               <a:buNone/>
             </a:pPr>
             <a:r>
-              <a:rPr lang="ja-JP" altLang="en-US" dirty="0" smtClean="0"/>
-              <a:t>⇒長さがすべて等しい。かつ、各辺のなす角が</a:t>
-            </a:r>
-            <a:r>
               <a:rPr lang="en-US" altLang="ja-JP" dirty="0" smtClean="0"/>
-              <a:t>90</a:t>
-            </a:r>
-            <a:r>
-              <a:rPr lang="ja-JP" altLang="en-US" dirty="0" smtClean="0"/>
-              <a:t>度</a:t>
+              <a:t>Ex) </a:t>
+            </a:r>
+            <a:r>
+              <a:rPr lang="ja-JP" altLang="en-US" dirty="0" smtClean="0"/>
+              <a:t>辺の数、面の数。</a:t>
             </a:r>
             <a:endParaRPr lang="en-US" altLang="ja-JP" dirty="0" smtClean="0"/>
           </a:p>
@@ -4044,46 +4668,30 @@
             <a:pPr marL="0" indent="0">
               <a:buNone/>
             </a:pPr>
-            <a:r>
-              <a:rPr lang="en-US" altLang="ja-JP" dirty="0"/>
-              <a:t>2</a:t>
-            </a:r>
-            <a:r>
-              <a:rPr lang="ja-JP" altLang="en-US" dirty="0" smtClean="0"/>
-              <a:t>つ条件がある</a:t>
-            </a:r>
-            <a:r>
-              <a:rPr lang="en-US" altLang="ja-JP" dirty="0" smtClean="0"/>
-              <a:t>…</a:t>
-            </a:r>
-            <a:r>
-              <a:rPr lang="ja-JP" altLang="en-US" dirty="0" err="1" smtClean="0"/>
-              <a:t>。</a:t>
-            </a:r>
-            <a:r>
-              <a:rPr lang="ja-JP" altLang="en-US" dirty="0" smtClean="0"/>
-              <a:t>面倒</a:t>
-            </a:r>
             <a:endParaRPr lang="en-US" altLang="ja-JP" dirty="0" smtClean="0"/>
           </a:p>
           <a:p>
             <a:pPr marL="0" indent="0">
               <a:buNone/>
             </a:pPr>
+            <a:r>
+              <a:rPr lang="ja-JP" altLang="en-US" dirty="0" smtClean="0"/>
+              <a:t>⇒そこで出てくるのが群。</a:t>
+            </a:r>
             <a:endParaRPr lang="en-US" altLang="ja-JP" dirty="0" smtClean="0"/>
           </a:p>
           <a:p>
             <a:pPr marL="0" indent="0">
               <a:buNone/>
             </a:pPr>
-            <a:endParaRPr kumimoji="1" lang="ja-JP" altLang="en-US" dirty="0"/>
+            <a:endParaRPr lang="ja-JP" altLang="en-US" dirty="0"/>
           </a:p>
         </p:txBody>
       </p:sp>
     </p:spTree>
     <p:extLst>
       <p:ext uri="{BB962C8B-B14F-4D97-AF65-F5344CB8AC3E}">
-        <p14:creationId xmlns:p14="http://schemas.microsoft.com/office/powerpoint/2010/main" val="570072447"/>
+        <p14:creationId xmlns:p14="http://schemas.microsoft.com/office/powerpoint/2010/main" val="4250064750"/>
       </p:ext>
     </p:extLst>
   </p:cSld>
@@ -4148,25 +4756,15 @@
         </p:nvSpPr>
         <p:spPr/>
         <p:txBody>
-          <a:bodyPr>
-            <a:normAutofit/>
-          </a:bodyPr>
-          <a:lstStyle/>
-          <a:p>
-            <a:pPr marL="0" indent="0">
-              <a:buNone/>
-            </a:pPr>
-            <a:r>
-              <a:rPr lang="ja-JP" altLang="en-US" dirty="0" smtClean="0"/>
-              <a:t>正方形の特徴は</a:t>
-            </a:r>
-            <a:r>
-              <a:rPr lang="ja-JP" altLang="en-US" dirty="0"/>
-              <a:t>何</a:t>
-            </a:r>
-            <a:r>
-              <a:rPr lang="ja-JP" altLang="en-US" dirty="0" smtClean="0"/>
-              <a:t>か？とても強い対称性があること</a:t>
+          <a:bodyPr/>
+          <a:lstStyle/>
+          <a:p>
+            <a:pPr marL="0" indent="0">
+              <a:buNone/>
+            </a:pPr>
+            <a:r>
+              <a:rPr lang="ja-JP" altLang="en-US" dirty="0" smtClean="0"/>
+              <a:t>正方形とそれ以外の四角形を区別しよう。</a:t>
             </a:r>
             <a:endParaRPr lang="en-US" altLang="ja-JP" dirty="0" smtClean="0"/>
           </a:p>
@@ -4176,43 +4774,7 @@
             </a:pPr>
             <a:r>
               <a:rPr lang="ja-JP" altLang="en-US" dirty="0" smtClean="0"/>
-              <a:t>⇒じゃあ、対称性の高さで判別できないか？</a:t>
-            </a:r>
-            <a:endParaRPr lang="en-US" altLang="ja-JP" dirty="0" smtClean="0"/>
-          </a:p>
-          <a:p>
-            <a:pPr marL="0" indent="0">
-              <a:buNone/>
-            </a:pPr>
-            <a:endParaRPr lang="en-US" altLang="ja-JP" dirty="0"/>
-          </a:p>
-          <a:p>
-            <a:pPr marL="0" indent="0">
-              <a:buNone/>
-            </a:pPr>
-            <a:r>
-              <a:rPr lang="ja-JP" altLang="en-US" dirty="0" smtClean="0"/>
-              <a:t>形が変わらない変形がたくさんあるかで判別できるのでは？</a:t>
-            </a:r>
-            <a:endParaRPr lang="en-US" altLang="ja-JP" dirty="0" smtClean="0"/>
-          </a:p>
-          <a:p>
-            <a:pPr marL="0" indent="0">
-              <a:buNone/>
-            </a:pPr>
-            <a:endParaRPr lang="en-US" altLang="ja-JP" dirty="0" smtClean="0"/>
-          </a:p>
-          <a:p>
-            <a:pPr marL="0" indent="0">
-              <a:buNone/>
-            </a:pPr>
-            <a:r>
-              <a:rPr lang="ja-JP" altLang="en-US" dirty="0"/>
-              <a:t>⇒</a:t>
-            </a:r>
-            <a:r>
-              <a:rPr lang="ja-JP" altLang="en-US" dirty="0" smtClean="0"/>
-              <a:t>正方形だけは、</a:t>
+              <a:t>⇒長さがすべて等しい。かつ、各辺のなす角が</a:t>
             </a:r>
             <a:r>
               <a:rPr lang="en-US" altLang="ja-JP" dirty="0" smtClean="0"/>
@@ -4220,15 +4782,33 @@
             </a:r>
             <a:r>
               <a:rPr lang="ja-JP" altLang="en-US" dirty="0" smtClean="0"/>
-              <a:t>度回転＋鏡に映すで</a:t>
+              <a:t>度</a:t>
+            </a:r>
+            <a:endParaRPr lang="en-US" altLang="ja-JP" dirty="0" smtClean="0"/>
+          </a:p>
+          <a:p>
+            <a:pPr marL="0" indent="0">
+              <a:buNone/>
+            </a:pPr>
+            <a:r>
+              <a:rPr lang="en-US" altLang="ja-JP" dirty="0"/>
+              <a:t>2</a:t>
+            </a:r>
+            <a:r>
+              <a:rPr lang="ja-JP" altLang="en-US" dirty="0" smtClean="0"/>
+              <a:t>つ条件がある</a:t>
             </a:r>
             <a:r>
               <a:rPr lang="en-US" altLang="ja-JP" dirty="0" smtClean="0"/>
-              <a:t>8</a:t>
-            </a:r>
-            <a:r>
-              <a:rPr lang="ja-JP" altLang="en-US" dirty="0" smtClean="0"/>
-              <a:t>種類ある。</a:t>
+              <a:t>…</a:t>
+            </a:r>
+            <a:r>
+              <a:rPr lang="ja-JP" altLang="en-US" dirty="0" err="1" smtClean="0"/>
+              <a:t>。</a:t>
+            </a:r>
+            <a:r>
+              <a:rPr lang="ja-JP" altLang="en-US" dirty="0" smtClean="0"/>
+              <a:t>面倒</a:t>
             </a:r>
             <a:endParaRPr lang="en-US" altLang="ja-JP" dirty="0" smtClean="0"/>
           </a:p>
@@ -4237,18 +4817,6 @@
               <a:buNone/>
             </a:pPr>
             <a:endParaRPr lang="en-US" altLang="ja-JP" dirty="0" smtClean="0"/>
-          </a:p>
-          <a:p>
-            <a:pPr marL="0" indent="0">
-              <a:buNone/>
-            </a:pPr>
-            <a:endParaRPr kumimoji="1" lang="en-US" altLang="ja-JP" dirty="0" smtClean="0"/>
-          </a:p>
-          <a:p>
-            <a:pPr marL="0" indent="0">
-              <a:buNone/>
-            </a:pPr>
-            <a:endParaRPr lang="en-US" altLang="ja-JP" dirty="0"/>
           </a:p>
           <a:p>
             <a:pPr marL="0" indent="0">
@@ -4261,7 +4829,7 @@
     </p:spTree>
     <p:extLst>
       <p:ext uri="{BB962C8B-B14F-4D97-AF65-F5344CB8AC3E}">
-        <p14:creationId xmlns:p14="http://schemas.microsoft.com/office/powerpoint/2010/main" val="2164368450"/>
+        <p14:creationId xmlns:p14="http://schemas.microsoft.com/office/powerpoint/2010/main" val="570072447"/>
       </p:ext>
     </p:extLst>
   </p:cSld>
@@ -4327,7 +4895,7 @@
         <p:spPr/>
         <p:txBody>
           <a:bodyPr>
-            <a:normAutofit lnSpcReduction="10000"/>
+            <a:normAutofit/>
           </a:bodyPr>
           <a:lstStyle/>
           <a:p>
@@ -4335,12 +4903,16 @@
               <a:buNone/>
             </a:pPr>
             <a:r>
+              <a:rPr lang="ja-JP" altLang="en-US" dirty="0" smtClean="0"/>
+              <a:t>正方形の特徴は</a:t>
+            </a:r>
+            <a:r>
               <a:rPr lang="ja-JP" altLang="en-US" dirty="0"/>
-              <a:t>変形がどのぐらいあるか</a:t>
-            </a:r>
-            <a:r>
-              <a:rPr lang="ja-JP" altLang="en-US" dirty="0" smtClean="0"/>
-              <a:t>で図形が決定できる。</a:t>
+              <a:t>何</a:t>
+            </a:r>
+            <a:r>
+              <a:rPr lang="ja-JP" altLang="en-US" dirty="0" smtClean="0"/>
+              <a:t>か？とても強い対称性があること</a:t>
             </a:r>
             <a:endParaRPr lang="en-US" altLang="ja-JP" dirty="0" smtClean="0"/>
           </a:p>
@@ -4348,6 +4920,16 @@
             <a:pPr marL="0" indent="0">
               <a:buNone/>
             </a:pPr>
+            <a:r>
+              <a:rPr lang="ja-JP" altLang="en-US" dirty="0" smtClean="0"/>
+              <a:t>⇒じゃあ、対称性の高さで判別できないか？</a:t>
+            </a:r>
+            <a:endParaRPr lang="en-US" altLang="ja-JP" dirty="0" smtClean="0"/>
+          </a:p>
+          <a:p>
+            <a:pPr marL="0" indent="0">
+              <a:buNone/>
+            </a:pPr>
             <a:endParaRPr lang="en-US" altLang="ja-JP" dirty="0"/>
           </a:p>
           <a:p>
@@ -4356,78 +4938,68 @@
             </a:pPr>
             <a:r>
               <a:rPr lang="ja-JP" altLang="en-US" dirty="0" smtClean="0"/>
-              <a:t>つまり、図形を調べる</a:t>
+              <a:t>形が変わらない変形がたくさんあるかで判別できるのでは？</a:t>
+            </a:r>
+            <a:endParaRPr lang="en-US" altLang="ja-JP" dirty="0" smtClean="0"/>
+          </a:p>
+          <a:p>
+            <a:pPr marL="0" indent="0">
+              <a:buNone/>
+            </a:pPr>
+            <a:endParaRPr lang="en-US" altLang="ja-JP" dirty="0" smtClean="0"/>
+          </a:p>
+          <a:p>
+            <a:pPr marL="0" indent="0">
+              <a:buNone/>
+            </a:pPr>
+            <a:r>
+              <a:rPr lang="ja-JP" altLang="en-US" dirty="0"/>
+              <a:t>⇒</a:t>
+            </a:r>
+            <a:r>
+              <a:rPr lang="ja-JP" altLang="en-US" dirty="0" smtClean="0"/>
+              <a:t>正方形だけは、</a:t>
             </a:r>
             <a:r>
               <a:rPr lang="en-US" altLang="ja-JP" dirty="0" smtClean="0"/>
-              <a:t>(</a:t>
-            </a:r>
-            <a:r>
-              <a:rPr lang="ja-JP" altLang="en-US" dirty="0" smtClean="0"/>
-              <a:t>幾何学</a:t>
+              <a:t>90</a:t>
+            </a:r>
+            <a:r>
+              <a:rPr lang="ja-JP" altLang="en-US" dirty="0" smtClean="0"/>
+              <a:t>度回転＋鏡に映すで</a:t>
             </a:r>
             <a:r>
               <a:rPr lang="en-US" altLang="ja-JP" dirty="0" smtClean="0"/>
-              <a:t>)</a:t>
-            </a:r>
-            <a:r>
-              <a:rPr lang="ja-JP" altLang="en-US" dirty="0" smtClean="0"/>
-              <a:t>とは、変形を調べることによってわかる！！！</a:t>
-            </a:r>
+              <a:t>8</a:t>
+            </a:r>
+            <a:r>
+              <a:rPr lang="ja-JP" altLang="en-US" dirty="0" smtClean="0"/>
+              <a:t>種類ある。</a:t>
+            </a:r>
+            <a:endParaRPr lang="en-US" altLang="ja-JP" dirty="0" smtClean="0"/>
+          </a:p>
+          <a:p>
+            <a:pPr marL="0" indent="0">
+              <a:buNone/>
+            </a:pPr>
+            <a:endParaRPr lang="en-US" altLang="ja-JP" dirty="0" smtClean="0"/>
+          </a:p>
+          <a:p>
+            <a:pPr marL="0" indent="0">
+              <a:buNone/>
+            </a:pPr>
+            <a:endParaRPr kumimoji="1" lang="en-US" altLang="ja-JP" dirty="0" smtClean="0"/>
+          </a:p>
+          <a:p>
+            <a:pPr marL="0" indent="0">
+              <a:buNone/>
+            </a:pPr>
             <a:endParaRPr lang="en-US" altLang="ja-JP" dirty="0"/>
           </a:p>
           <a:p>
             <a:pPr marL="0" indent="0">
               <a:buNone/>
             </a:pPr>
-            <a:endParaRPr lang="en-US" altLang="ja-JP" dirty="0"/>
-          </a:p>
-          <a:p>
-            <a:pPr marL="0" indent="0">
-              <a:buNone/>
-            </a:pPr>
-            <a:r>
-              <a:rPr kumimoji="1" lang="ja-JP" altLang="en-US" dirty="0" smtClean="0"/>
-              <a:t>変形の場合、様々な図形を統一的に扱うことができる</a:t>
-            </a:r>
-            <a:endParaRPr kumimoji="1" lang="en-US" altLang="ja-JP" dirty="0" smtClean="0"/>
-          </a:p>
-          <a:p>
-            <a:pPr marL="0" indent="0">
-              <a:buNone/>
-            </a:pPr>
-            <a:r>
-              <a:rPr lang="ja-JP" altLang="en-US" dirty="0" smtClean="0"/>
-              <a:t>⇒変形</a:t>
-            </a:r>
-            <a:r>
-              <a:rPr lang="ja-JP" altLang="en-US" dirty="0" smtClean="0"/>
-              <a:t>をもっと抽象的かつ、統一的な扱いにしたい</a:t>
-            </a:r>
-            <a:endParaRPr lang="en-US" altLang="ja-JP" dirty="0" smtClean="0"/>
-          </a:p>
-          <a:p>
-            <a:pPr marL="0" indent="0">
-              <a:buNone/>
-            </a:pPr>
-            <a:r>
-              <a:rPr kumimoji="1" lang="ja-JP" altLang="en-US" dirty="0" smtClean="0"/>
-              <a:t>　　⇒</a:t>
-            </a:r>
-            <a:r>
-              <a:rPr kumimoji="1" lang="ja-JP" altLang="en-US" dirty="0" smtClean="0"/>
-              <a:t>群論の始まり</a:t>
-            </a:r>
-            <a:endParaRPr kumimoji="1" lang="en-US" altLang="ja-JP" dirty="0" smtClean="0"/>
-          </a:p>
-          <a:p>
-            <a:pPr marL="0" indent="0">
-              <a:buNone/>
-            </a:pPr>
-            <a:r>
-              <a:rPr lang="ja-JP" altLang="en-US" dirty="0" smtClean="0"/>
-              <a:t>変形とは、群が図形に作用すると解釈する。</a:t>
-            </a:r>
             <a:endParaRPr kumimoji="1" lang="ja-JP" altLang="en-US" dirty="0"/>
           </a:p>
         </p:txBody>
@@ -4435,13 +5007,20 @@
     </p:spTree>
     <p:extLst>
       <p:ext uri="{BB962C8B-B14F-4D97-AF65-F5344CB8AC3E}">
-        <p14:creationId xmlns:p14="http://schemas.microsoft.com/office/powerpoint/2010/main" val="520257410"/>
+        <p14:creationId xmlns:p14="http://schemas.microsoft.com/office/powerpoint/2010/main" val="2164368450"/>
       </p:ext>
     </p:extLst>
   </p:cSld>
   <p:clrMapOvr>
     <a:masterClrMapping/>
   </p:clrMapOvr>
+  <p:timing>
+    <p:tnLst>
+      <p:par>
+        <p:cTn id="1" dur="indefinite" restart="never" nodeType="tmRoot"/>
+      </p:par>
+    </p:tnLst>
+  </p:timing>
 </p:sld>
 </file>
 
@@ -4477,6 +5056,165 @@
           <a:bodyPr/>
           <a:lstStyle/>
           <a:p>
+            <a:endParaRPr kumimoji="1" lang="ja-JP" altLang="en-US"/>
+          </a:p>
+        </p:txBody>
+      </p:sp>
+      <p:sp>
+        <p:nvSpPr>
+          <p:cNvPr id="3" name="コンテンツ プレースホルダー 2"/>
+          <p:cNvSpPr>
+            <a:spLocks noGrp="1"/>
+          </p:cNvSpPr>
+          <p:nvPr>
+            <p:ph idx="1"/>
+          </p:nvPr>
+        </p:nvSpPr>
+        <p:spPr/>
+        <p:txBody>
+          <a:bodyPr>
+            <a:normAutofit lnSpcReduction="10000"/>
+          </a:bodyPr>
+          <a:lstStyle/>
+          <a:p>
+            <a:pPr marL="0" indent="0">
+              <a:buNone/>
+            </a:pPr>
+            <a:r>
+              <a:rPr lang="ja-JP" altLang="en-US" dirty="0"/>
+              <a:t>変形がどのぐらいあるか</a:t>
+            </a:r>
+            <a:r>
+              <a:rPr lang="ja-JP" altLang="en-US" dirty="0" smtClean="0"/>
+              <a:t>で図形が決定できる。</a:t>
+            </a:r>
+            <a:endParaRPr lang="en-US" altLang="ja-JP" dirty="0" smtClean="0"/>
+          </a:p>
+          <a:p>
+            <a:pPr marL="0" indent="0">
+              <a:buNone/>
+            </a:pPr>
+            <a:endParaRPr lang="en-US" altLang="ja-JP" dirty="0"/>
+          </a:p>
+          <a:p>
+            <a:pPr marL="0" indent="0">
+              <a:buNone/>
+            </a:pPr>
+            <a:r>
+              <a:rPr lang="ja-JP" altLang="en-US" dirty="0" smtClean="0"/>
+              <a:t>つまり、図形を調べる</a:t>
+            </a:r>
+            <a:r>
+              <a:rPr lang="en-US" altLang="ja-JP" dirty="0" smtClean="0"/>
+              <a:t>(</a:t>
+            </a:r>
+            <a:r>
+              <a:rPr lang="ja-JP" altLang="en-US" dirty="0" smtClean="0"/>
+              <a:t>幾何学</a:t>
+            </a:r>
+            <a:r>
+              <a:rPr lang="en-US" altLang="ja-JP" dirty="0" smtClean="0"/>
+              <a:t>)</a:t>
+            </a:r>
+            <a:r>
+              <a:rPr lang="ja-JP" altLang="en-US" dirty="0" smtClean="0"/>
+              <a:t>とは、変形を調べることによってわかる！！！</a:t>
+            </a:r>
+            <a:endParaRPr lang="en-US" altLang="ja-JP" dirty="0"/>
+          </a:p>
+          <a:p>
+            <a:pPr marL="0" indent="0">
+              <a:buNone/>
+            </a:pPr>
+            <a:endParaRPr lang="en-US" altLang="ja-JP" dirty="0"/>
+          </a:p>
+          <a:p>
+            <a:pPr marL="0" indent="0">
+              <a:buNone/>
+            </a:pPr>
+            <a:r>
+              <a:rPr kumimoji="1" lang="ja-JP" altLang="en-US" dirty="0" smtClean="0"/>
+              <a:t>変形の場合、様々な図形を統一的に扱うことができる</a:t>
+            </a:r>
+            <a:endParaRPr kumimoji="1" lang="en-US" altLang="ja-JP" dirty="0" smtClean="0"/>
+          </a:p>
+          <a:p>
+            <a:pPr marL="0" indent="0">
+              <a:buNone/>
+            </a:pPr>
+            <a:r>
+              <a:rPr lang="ja-JP" altLang="en-US" dirty="0" smtClean="0"/>
+              <a:t>⇒変形をもっと抽象的かつ、統一的な扱いにしたい</a:t>
+            </a:r>
+            <a:endParaRPr lang="en-US" altLang="ja-JP" dirty="0" smtClean="0"/>
+          </a:p>
+          <a:p>
+            <a:pPr marL="0" indent="0">
+              <a:buNone/>
+            </a:pPr>
+            <a:r>
+              <a:rPr kumimoji="1" lang="ja-JP" altLang="en-US" dirty="0" smtClean="0"/>
+              <a:t>　　⇒群論の始まり</a:t>
+            </a:r>
+            <a:endParaRPr kumimoji="1" lang="en-US" altLang="ja-JP" dirty="0" smtClean="0"/>
+          </a:p>
+          <a:p>
+            <a:pPr marL="0" indent="0">
+              <a:buNone/>
+            </a:pPr>
+            <a:r>
+              <a:rPr lang="ja-JP" altLang="en-US" dirty="0" smtClean="0"/>
+              <a:t>変形とは、群が図形に作用すると解釈する。</a:t>
+            </a:r>
+            <a:endParaRPr kumimoji="1" lang="ja-JP" altLang="en-US" dirty="0"/>
+          </a:p>
+        </p:txBody>
+      </p:sp>
+    </p:spTree>
+    <p:extLst>
+      <p:ext uri="{BB962C8B-B14F-4D97-AF65-F5344CB8AC3E}">
+        <p14:creationId xmlns:p14="http://schemas.microsoft.com/office/powerpoint/2010/main" val="520257410"/>
+      </p:ext>
+    </p:extLst>
+  </p:cSld>
+  <p:clrMapOvr>
+    <a:masterClrMapping/>
+  </p:clrMapOvr>
+</p:sld>
+</file>
+
+<file path=ppt/slides/slide18.xml><?xml version="1.0" encoding="utf-8"?>
+<p:sld xmlns:a="http://schemas.openxmlformats.org/drawingml/2006/main" xmlns:r="http://schemas.openxmlformats.org/officeDocument/2006/relationships" xmlns:p="http://schemas.openxmlformats.org/presentationml/2006/main">
+  <p:cSld>
+    <p:spTree>
+      <p:nvGrpSpPr>
+        <p:cNvPr id="1" name=""/>
+        <p:cNvGrpSpPr/>
+        <p:nvPr/>
+      </p:nvGrpSpPr>
+      <p:grpSpPr>
+        <a:xfrm>
+          <a:off x="0" y="0"/>
+          <a:ext cx="0" cy="0"/>
+          <a:chOff x="0" y="0"/>
+          <a:chExt cx="0" cy="0"/>
+        </a:xfrm>
+      </p:grpSpPr>
+      <p:sp>
+        <p:nvSpPr>
+          <p:cNvPr id="2" name="タイトル 1"/>
+          <p:cNvSpPr>
+            <a:spLocks noGrp="1"/>
+          </p:cNvSpPr>
+          <p:nvPr>
+            <p:ph type="title"/>
+          </p:nvPr>
+        </p:nvSpPr>
+        <p:spPr/>
+        <p:txBody>
+          <a:bodyPr/>
+          <a:lstStyle/>
+          <a:p>
             <a:r>
               <a:rPr kumimoji="1" lang="ja-JP" altLang="en-US" dirty="0" smtClean="0"/>
               <a:t>表現とは？</a:t>
@@ -4575,11 +5313,7 @@
             </a:r>
             <a:r>
               <a:rPr lang="ja-JP" altLang="en-US" dirty="0" smtClean="0"/>
-              <a:t>含む</a:t>
-            </a:r>
-            <a:r>
-              <a:rPr lang="ja-JP" altLang="en-US" dirty="0" smtClean="0"/>
-              <a:t>ことができる</a:t>
+              <a:t>含むことができる</a:t>
             </a:r>
             <a:r>
               <a:rPr lang="en-US" altLang="ja-JP" dirty="0" smtClean="0"/>
@@ -4591,11 +5325,7 @@
             </a:r>
             <a:r>
               <a:rPr lang="ja-JP" altLang="en-US" dirty="0" smtClean="0"/>
-              <a:t>正方形</a:t>
-            </a:r>
-            <a:r>
-              <a:rPr lang="ja-JP" altLang="en-US" dirty="0" smtClean="0"/>
-              <a:t>に</a:t>
+              <a:t>正方形に</a:t>
             </a:r>
             <a:r>
               <a:rPr lang="ja-JP" altLang="en-US" dirty="0"/>
@@ -4679,97 +5409,6 @@
 </p:sld>
 </file>
 
-<file path=ppt/slides/slide18.xml><?xml version="1.0" encoding="utf-8"?>
-<p:sld xmlns:a="http://schemas.openxmlformats.org/drawingml/2006/main" xmlns:r="http://schemas.openxmlformats.org/officeDocument/2006/relationships" xmlns:p="http://schemas.openxmlformats.org/presentationml/2006/main">
-  <p:cSld>
-    <p:spTree>
-      <p:nvGrpSpPr>
-        <p:cNvPr id="1" name=""/>
-        <p:cNvGrpSpPr/>
-        <p:nvPr/>
-      </p:nvGrpSpPr>
-      <p:grpSpPr>
-        <a:xfrm>
-          <a:off x="0" y="0"/>
-          <a:ext cx="0" cy="0"/>
-          <a:chOff x="0" y="0"/>
-          <a:chExt cx="0" cy="0"/>
-        </a:xfrm>
-      </p:grpSpPr>
-      <p:sp>
-        <p:nvSpPr>
-          <p:cNvPr id="2" name="タイトル 1"/>
-          <p:cNvSpPr>
-            <a:spLocks noGrp="1"/>
-          </p:cNvSpPr>
-          <p:nvPr>
-            <p:ph type="title"/>
-          </p:nvPr>
-        </p:nvSpPr>
-        <p:spPr/>
-        <p:txBody>
-          <a:bodyPr/>
-          <a:lstStyle/>
-          <a:p>
-            <a:endParaRPr kumimoji="1" lang="ja-JP" altLang="en-US"/>
-          </a:p>
-        </p:txBody>
-      </p:sp>
-      <p:sp>
-        <p:nvSpPr>
-          <p:cNvPr id="3" name="コンテンツ プレースホルダー 2"/>
-          <p:cNvSpPr>
-            <a:spLocks noGrp="1"/>
-          </p:cNvSpPr>
-          <p:nvPr>
-            <p:ph idx="1"/>
-          </p:nvPr>
-        </p:nvSpPr>
-        <p:spPr/>
-        <p:txBody>
-          <a:bodyPr/>
-          <a:lstStyle/>
-          <a:p>
-            <a:pPr marL="0" indent="0">
-              <a:buNone/>
-            </a:pPr>
-            <a:r>
-              <a:rPr lang="ja-JP" altLang="en-US" dirty="0" smtClean="0"/>
-              <a:t>群がわかるとは</a:t>
-            </a:r>
-            <a:r>
-              <a:rPr lang="en-US" altLang="ja-JP" dirty="0" smtClean="0"/>
-              <a:t>『</a:t>
-            </a:r>
-            <a:r>
-              <a:rPr lang="ja-JP" altLang="en-US" dirty="0" smtClean="0"/>
-              <a:t>表現</a:t>
-            </a:r>
-            <a:r>
-              <a:rPr lang="en-US" altLang="ja-JP" dirty="0" smtClean="0"/>
-              <a:t>』</a:t>
-            </a:r>
-            <a:r>
-              <a:rPr lang="ja-JP" altLang="en-US" dirty="0" smtClean="0"/>
-              <a:t>がわかること</a:t>
-            </a:r>
-            <a:endParaRPr kumimoji="1" lang="ja-JP" altLang="en-US" dirty="0"/>
-          </a:p>
-        </p:txBody>
-      </p:sp>
-    </p:spTree>
-    <p:extLst>
-      <p:ext uri="{BB962C8B-B14F-4D97-AF65-F5344CB8AC3E}">
-        <p14:creationId xmlns:p14="http://schemas.microsoft.com/office/powerpoint/2010/main" val="1491789973"/>
-      </p:ext>
-    </p:extLst>
-  </p:cSld>
-  <p:clrMapOvr>
-    <a:masterClrMapping/>
-  </p:clrMapOvr>
-</p:sld>
-</file>
-
 <file path=ppt/slides/slide19.xml><?xml version="1.0" encoding="utf-8"?>
 <p:sld xmlns:a="http://schemas.openxmlformats.org/drawingml/2006/main" xmlns:r="http://schemas.openxmlformats.org/officeDocument/2006/relationships" xmlns:p="http://schemas.openxmlformats.org/presentationml/2006/main">
   <p:cSld>
@@ -4789,6 +5428,25 @@
       </p:grpSpPr>
       <p:sp>
         <p:nvSpPr>
+          <p:cNvPr id="2" name="タイトル 1"/>
+          <p:cNvSpPr>
+            <a:spLocks noGrp="1"/>
+          </p:cNvSpPr>
+          <p:nvPr>
+            <p:ph type="title"/>
+          </p:nvPr>
+        </p:nvSpPr>
+        <p:spPr/>
+        <p:txBody>
+          <a:bodyPr/>
+          <a:lstStyle/>
+          <a:p>
+            <a:endParaRPr kumimoji="1" lang="ja-JP" altLang="en-US"/>
+          </a:p>
+        </p:txBody>
+      </p:sp>
+      <p:sp>
+        <p:nvSpPr>
           <p:cNvPr id="3" name="コンテンツ プレースホルダー 2"/>
           <p:cNvSpPr>
             <a:spLocks noGrp="1"/>
@@ -4797,55 +5455,34 @@
             <p:ph idx="1"/>
           </p:nvPr>
         </p:nvSpPr>
-        <p:spPr>
-          <a:xfrm>
-            <a:off x="1022444" y="870281"/>
-            <a:ext cx="10515600" cy="4351338"/>
-          </a:xfrm>
-        </p:spPr>
-        <p:txBody>
-          <a:bodyPr/>
-          <a:lstStyle/>
-          <a:p>
-            <a:pPr marL="0" indent="0">
-              <a:buNone/>
-            </a:pPr>
-            <a:endParaRPr lang="en-US" altLang="ja-JP" dirty="0" smtClean="0"/>
-          </a:p>
-          <a:p>
-            <a:pPr marL="0" indent="0">
-              <a:buNone/>
-            </a:pPr>
-            <a:endParaRPr lang="en-US" altLang="ja-JP" dirty="0"/>
-          </a:p>
-          <a:p>
-            <a:pPr marL="0" indent="0">
-              <a:buNone/>
-            </a:pPr>
-            <a:endParaRPr lang="en-US" altLang="ja-JP" dirty="0" smtClean="0"/>
-          </a:p>
-          <a:p>
-            <a:pPr marL="0" indent="0">
-              <a:buNone/>
-            </a:pPr>
-            <a:r>
-              <a:rPr lang="ja-JP" altLang="en-US" dirty="0" smtClean="0"/>
-              <a:t>全て</a:t>
-            </a:r>
-            <a:r>
-              <a:rPr lang="ja-JP" altLang="en-US" dirty="0"/>
-              <a:t>の</a:t>
-            </a:r>
-            <a:r>
-              <a:rPr lang="ja-JP" altLang="en-US" dirty="0" smtClean="0"/>
-              <a:t>表現がどのようなものか決定したい。</a:t>
-            </a:r>
-            <a:endParaRPr lang="ja-JP" altLang="en-US" dirty="0"/>
-          </a:p>
-          <a:p>
-            <a:pPr marL="0" indent="0">
-              <a:buNone/>
-            </a:pPr>
+        <p:spPr/>
+        <p:txBody>
+          <a:bodyPr/>
+          <a:lstStyle/>
+          <a:p>
+            <a:pPr marL="0" indent="0">
+              <a:buNone/>
+            </a:pPr>
+            <a:r>
+              <a:rPr lang="ja-JP" altLang="en-US" dirty="0" smtClean="0"/>
+              <a:t>群がわかるとは</a:t>
+            </a:r>
+            <a:r>
+              <a:rPr lang="en-US" altLang="ja-JP" dirty="0" smtClean="0"/>
+              <a:t>『</a:t>
+            </a:r>
+            <a:r>
+              <a:rPr lang="ja-JP" altLang="en-US" dirty="0" smtClean="0"/>
+              <a:t>表現</a:t>
+            </a:r>
+            <a:r>
+              <a:rPr lang="en-US" altLang="ja-JP" dirty="0" smtClean="0"/>
+              <a:t>』</a:t>
+            </a:r>
+            <a:r>
+              <a:rPr lang="ja-JP" altLang="en-US" dirty="0" smtClean="0"/>
+              <a:t>がわかること</a:t>
+            </a:r>
             <a:endParaRPr kumimoji="1" lang="ja-JP" altLang="en-US" dirty="0"/>
           </a:p>
         </p:txBody>
@@ -4853,7 +5490,7 @@
     </p:spTree>
     <p:extLst>
       <p:ext uri="{BB962C8B-B14F-4D97-AF65-F5344CB8AC3E}">
-        <p14:creationId xmlns:p14="http://schemas.microsoft.com/office/powerpoint/2010/main" val="4195631725"/>
+        <p14:creationId xmlns:p14="http://schemas.microsoft.com/office/powerpoint/2010/main" val="1491789973"/>
       </p:ext>
     </p:extLst>
   </p:cSld>
@@ -4918,22 +5555,71 @@
           <a:bodyPr/>
           <a:lstStyle/>
           <a:p>
-            <a:r>
-              <a:rPr kumimoji="1" lang="ja-JP" altLang="en-US" dirty="0" smtClean="0"/>
-              <a:t>数理生物は今熱い！！！！</a:t>
-            </a:r>
             <a:endParaRPr kumimoji="1" lang="en-US" altLang="ja-JP" dirty="0" smtClean="0"/>
           </a:p>
           <a:p>
-            <a:r>
-              <a:rPr lang="ja-JP" altLang="en-US" dirty="0"/>
-              <a:t>線形代数</a:t>
-            </a:r>
-            <a:r>
-              <a:rPr lang="ja-JP" altLang="en-US" dirty="0" smtClean="0"/>
-              <a:t>は完成している</a:t>
-            </a:r>
-            <a:endParaRPr kumimoji="1" lang="ja-JP" altLang="en-US" dirty="0"/>
+            <a:pPr marL="0" indent="0">
+              <a:buNone/>
+            </a:pPr>
+            <a:endParaRPr lang="en-US" altLang="ja-JP" dirty="0"/>
+          </a:p>
+          <a:p>
+            <a:pPr marL="0" indent="0">
+              <a:buNone/>
+            </a:pPr>
+            <a:r>
+              <a:rPr kumimoji="1" lang="ja-JP" altLang="en-US" sz="4000" dirty="0" smtClean="0"/>
+              <a:t>数理</a:t>
+            </a:r>
+            <a:r>
+              <a:rPr kumimoji="1" lang="ja-JP" altLang="en-US" sz="4000" dirty="0" smtClean="0"/>
+              <a:t>生物は今</a:t>
+            </a:r>
+            <a:r>
+              <a:rPr kumimoji="1" lang="ja-JP" altLang="en-US" sz="4000" dirty="0" smtClean="0"/>
+              <a:t>熱い</a:t>
+            </a:r>
+            <a:r>
+              <a:rPr lang="en-US" altLang="ja-JP" sz="4000" dirty="0" smtClean="0"/>
+              <a:t>!!!!</a:t>
+            </a:r>
+            <a:endParaRPr kumimoji="1" lang="en-US" altLang="ja-JP" sz="4000" dirty="0" smtClean="0"/>
+          </a:p>
+          <a:p>
+            <a:pPr marL="0" indent="0">
+              <a:buNone/>
+            </a:pPr>
+            <a:endParaRPr kumimoji="1" lang="en-US" altLang="ja-JP" sz="4000" dirty="0" smtClean="0"/>
+          </a:p>
+          <a:p>
+            <a:pPr marL="0" indent="0">
+              <a:buNone/>
+            </a:pPr>
+            <a:r>
+              <a:rPr lang="ja-JP" altLang="en-US" sz="4000" dirty="0" smtClean="0"/>
+              <a:t>数学には</a:t>
+            </a:r>
+            <a:r>
+              <a:rPr lang="en-US" altLang="ja-JP" sz="4000" dirty="0" smtClean="0"/>
+              <a:t>『</a:t>
+            </a:r>
+            <a:r>
+              <a:rPr lang="ja-JP" altLang="en-US" sz="4000" dirty="0" smtClean="0"/>
+              <a:t>表現</a:t>
+            </a:r>
+            <a:r>
+              <a:rPr lang="en-US" altLang="ja-JP" sz="4000" dirty="0" smtClean="0"/>
+              <a:t>』</a:t>
+            </a:r>
+            <a:r>
+              <a:rPr lang="ja-JP" altLang="en-US" sz="4000" dirty="0" smtClean="0"/>
+              <a:t>という武器が存在する</a:t>
+            </a:r>
+            <a:r>
+              <a:rPr lang="en-US" altLang="ja-JP" sz="4000" dirty="0" smtClean="0"/>
+              <a:t>!!!!</a:t>
+            </a:r>
+            <a:endParaRPr kumimoji="1" lang="ja-JP" altLang="en-US" sz="4000" dirty="0"/>
           </a:p>
         </p:txBody>
       </p:sp>
@@ -4976,25 +5662,6 @@
       </p:grpSpPr>
       <p:sp>
         <p:nvSpPr>
-          <p:cNvPr id="2" name="タイトル 1"/>
-          <p:cNvSpPr>
-            <a:spLocks noGrp="1"/>
-          </p:cNvSpPr>
-          <p:nvPr>
-            <p:ph type="title"/>
-          </p:nvPr>
-        </p:nvSpPr>
-        <p:spPr/>
-        <p:txBody>
-          <a:bodyPr/>
-          <a:lstStyle/>
-          <a:p>
-            <a:endParaRPr kumimoji="1" lang="ja-JP" altLang="en-US"/>
-          </a:p>
-        </p:txBody>
-      </p:sp>
-      <p:sp>
-        <p:nvSpPr>
           <p:cNvPr id="3" name="コンテンツ プレースホルダー 2"/>
           <p:cNvSpPr>
             <a:spLocks noGrp="1"/>
@@ -5003,15 +5670,20 @@
             <p:ph idx="1"/>
           </p:nvPr>
         </p:nvSpPr>
-        <p:spPr/>
-        <p:txBody>
-          <a:bodyPr/>
-          <a:lstStyle/>
-          <a:p>
-            <a:pPr marL="0" indent="0">
-              <a:buNone/>
-            </a:pPr>
-            <a:endParaRPr kumimoji="1" lang="en-US" altLang="ja-JP" dirty="0" smtClean="0"/>
+        <p:spPr>
+          <a:xfrm>
+            <a:off x="1022444" y="870281"/>
+            <a:ext cx="10515600" cy="4351338"/>
+          </a:xfrm>
+        </p:spPr>
+        <p:txBody>
+          <a:bodyPr/>
+          <a:lstStyle/>
+          <a:p>
+            <a:pPr marL="0" indent="0">
+              <a:buNone/>
+            </a:pPr>
+            <a:endParaRPr lang="en-US" altLang="ja-JP" dirty="0" smtClean="0"/>
           </a:p>
           <a:p>
             <a:pPr marL="0" indent="0">
@@ -5023,19 +5695,25 @@
             <a:pPr marL="0" indent="0">
               <a:buNone/>
             </a:pPr>
+            <a:endParaRPr lang="en-US" altLang="ja-JP" dirty="0" smtClean="0"/>
+          </a:p>
+          <a:p>
+            <a:pPr marL="0" indent="0">
+              <a:buNone/>
+            </a:pPr>
+            <a:r>
+              <a:rPr lang="ja-JP" altLang="en-US" dirty="0" smtClean="0"/>
+              <a:t>全て</a:t>
+            </a:r>
             <a:r>
               <a:rPr lang="ja-JP" altLang="en-US" dirty="0"/>
-              <a:t>全ては多すぎるから簡単なものに帰着させたい</a:t>
-            </a:r>
-          </a:p>
-          <a:p>
-            <a:pPr marL="0" indent="0">
-              <a:buNone/>
-            </a:pPr>
-            <a:r>
-              <a:rPr lang="ja-JP" altLang="en-US" dirty="0"/>
-              <a:t>→既約表現</a:t>
-            </a:r>
+              <a:t>の</a:t>
+            </a:r>
+            <a:r>
+              <a:rPr lang="ja-JP" altLang="en-US" dirty="0" smtClean="0"/>
+              <a:t>表現がどのようなものか決定したい。</a:t>
+            </a:r>
+            <a:endParaRPr lang="ja-JP" altLang="en-US" dirty="0"/>
           </a:p>
           <a:p>
             <a:pPr marL="0" indent="0">
@@ -5048,7 +5726,7 @@
     </p:spTree>
     <p:extLst>
       <p:ext uri="{BB962C8B-B14F-4D97-AF65-F5344CB8AC3E}">
-        <p14:creationId xmlns:p14="http://schemas.microsoft.com/office/powerpoint/2010/main" val="3846786892"/>
+        <p14:creationId xmlns:p14="http://schemas.microsoft.com/office/powerpoint/2010/main" val="4195631725"/>
       </p:ext>
     </p:extLst>
   </p:cSld>
@@ -5090,145 +5768,53 @@
           <a:bodyPr/>
           <a:lstStyle/>
           <a:p>
+            <a:endParaRPr kumimoji="1" lang="ja-JP" altLang="en-US"/>
+          </a:p>
+        </p:txBody>
+      </p:sp>
+      <p:sp>
+        <p:nvSpPr>
+          <p:cNvPr id="3" name="コンテンツ プレースホルダー 2"/>
+          <p:cNvSpPr>
+            <a:spLocks noGrp="1"/>
+          </p:cNvSpPr>
+          <p:nvPr>
+            <p:ph idx="1"/>
+          </p:nvPr>
+        </p:nvSpPr>
+        <p:spPr/>
+        <p:txBody>
+          <a:bodyPr/>
+          <a:lstStyle/>
+          <a:p>
+            <a:pPr marL="0" indent="0">
+              <a:buNone/>
+            </a:pPr>
+            <a:endParaRPr kumimoji="1" lang="en-US" altLang="ja-JP" dirty="0" smtClean="0"/>
+          </a:p>
+          <a:p>
+            <a:pPr marL="0" indent="0">
+              <a:buNone/>
+            </a:pPr>
+            <a:endParaRPr lang="en-US" altLang="ja-JP" dirty="0"/>
+          </a:p>
+          <a:p>
+            <a:pPr marL="0" indent="0">
+              <a:buNone/>
+            </a:pPr>
             <a:r>
               <a:rPr lang="ja-JP" altLang="en-US" dirty="0"/>
-              <a:t>既</a:t>
-            </a:r>
-            <a:r>
-              <a:rPr lang="ja-JP" altLang="en-US" dirty="0" smtClean="0"/>
-              <a:t>約</a:t>
-            </a:r>
-            <a:r>
-              <a:rPr kumimoji="1" lang="ja-JP" altLang="en-US" dirty="0" smtClean="0"/>
-              <a:t>表現</a:t>
-            </a:r>
-            <a:r>
-              <a:rPr kumimoji="1" lang="ja-JP" altLang="en-US" dirty="0" smtClean="0"/>
-              <a:t>とは</a:t>
-            </a:r>
-            <a:endParaRPr kumimoji="1" lang="ja-JP" altLang="en-US" dirty="0"/>
-          </a:p>
-        </p:txBody>
-      </p:sp>
-      <p:sp>
-        <p:nvSpPr>
-          <p:cNvPr id="3" name="コンテンツ プレースホルダー 2"/>
-          <p:cNvSpPr>
-            <a:spLocks noGrp="1"/>
-          </p:cNvSpPr>
-          <p:nvPr>
-            <p:ph idx="1"/>
-          </p:nvPr>
-        </p:nvSpPr>
-        <p:spPr/>
-        <p:txBody>
-          <a:bodyPr/>
-          <a:lstStyle/>
-          <a:p>
-            <a:pPr marL="0" indent="0">
-              <a:buNone/>
-            </a:pPr>
-            <a:r>
-              <a:rPr lang="ja-JP" altLang="en-US" dirty="0" smtClean="0"/>
-              <a:t>これ以上分解できない、最小の表現のこと</a:t>
-            </a:r>
-            <a:endParaRPr lang="en-US" altLang="ja-JP" dirty="0" smtClean="0"/>
-          </a:p>
-          <a:p>
-            <a:pPr marL="0" indent="0">
-              <a:buNone/>
-            </a:pPr>
-            <a:endParaRPr kumimoji="1" lang="en-US" altLang="ja-JP" dirty="0"/>
-          </a:p>
-          <a:p>
-            <a:pPr marL="0" indent="0">
-              <a:buNone/>
-            </a:pPr>
-            <a:r>
-              <a:rPr lang="en-US" altLang="ja-JP" dirty="0" smtClean="0"/>
-              <a:t>Def G</a:t>
-            </a:r>
-            <a:r>
-              <a:rPr lang="ja-JP" altLang="en-US" dirty="0" smtClean="0"/>
-              <a:t>の表現</a:t>
-            </a:r>
-            <a:r>
-              <a:rPr lang="en-US" altLang="ja-JP" dirty="0" smtClean="0"/>
-              <a:t>V</a:t>
-            </a:r>
-            <a:r>
-              <a:rPr lang="ja-JP" altLang="en-US" dirty="0" smtClean="0"/>
-              <a:t>が既約表現とは、</a:t>
-            </a:r>
-            <a:r>
-              <a:rPr lang="en-US" altLang="ja-JP" dirty="0" smtClean="0"/>
-              <a:t>V</a:t>
-            </a:r>
-            <a:r>
-              <a:rPr lang="ja-JP" altLang="en-US" dirty="0" smtClean="0"/>
-              <a:t>の非自明なＧ不変な部分空間が存在しないこと。</a:t>
-            </a:r>
-            <a:endParaRPr lang="en-US" altLang="ja-JP" dirty="0" smtClean="0"/>
-          </a:p>
-          <a:p>
-            <a:pPr marL="0" indent="0">
-              <a:buNone/>
-            </a:pPr>
-            <a:r>
-              <a:rPr lang="en-US" altLang="ja-JP" dirty="0" smtClean="0"/>
-              <a:t>w </a:t>
-            </a:r>
-            <a:r>
-              <a:rPr lang="ja-JP" altLang="en-US" dirty="0" smtClean="0"/>
-              <a:t>∈ </a:t>
-            </a:r>
-            <a:r>
-              <a:rPr lang="en-US" altLang="ja-JP" dirty="0" smtClean="0"/>
-              <a:t>W </a:t>
-            </a:r>
-            <a:r>
-              <a:rPr lang="ja-JP" altLang="en-US" dirty="0" smtClean="0"/>
-              <a:t>⊂ </a:t>
-            </a:r>
-            <a:r>
-              <a:rPr kumimoji="1" lang="en-US" altLang="ja-JP" dirty="0" smtClean="0"/>
-              <a:t>V </a:t>
-            </a:r>
-            <a:r>
-              <a:rPr kumimoji="1" lang="ja-JP" altLang="en-US" dirty="0" smtClean="0"/>
-              <a:t>に適当に</a:t>
-            </a:r>
-            <a:r>
-              <a:rPr kumimoji="1" lang="en-US" altLang="ja-JP" dirty="0" smtClean="0"/>
-              <a:t>g</a:t>
-            </a:r>
-            <a:r>
-              <a:rPr kumimoji="1" lang="ja-JP" altLang="en-US" dirty="0" smtClean="0"/>
-              <a:t>∈Ｇの元をかけると、 </a:t>
-            </a:r>
-            <a:r>
-              <a:rPr kumimoji="1" lang="en-US" altLang="ja-JP" dirty="0" smtClean="0"/>
-              <a:t>g(w) </a:t>
-            </a:r>
-            <a:r>
-              <a:rPr kumimoji="1" lang="ja-JP" altLang="en-US" dirty="0" smtClean="0"/>
-              <a:t>が</a:t>
-            </a:r>
-            <a:r>
-              <a:rPr kumimoji="1" lang="en-US" altLang="ja-JP" dirty="0" smtClean="0"/>
-              <a:t>W</a:t>
-            </a:r>
-            <a:r>
-              <a:rPr kumimoji="1" lang="ja-JP" altLang="en-US" dirty="0" smtClean="0"/>
-              <a:t>の元でなくなってしまう。</a:t>
-            </a:r>
-            <a:endParaRPr kumimoji="1" lang="en-US" altLang="ja-JP" dirty="0" smtClean="0"/>
-          </a:p>
-          <a:p>
-            <a:pPr marL="0" indent="0">
-              <a:buNone/>
-            </a:pPr>
-            <a:endParaRPr lang="en-US" altLang="ja-JP" dirty="0"/>
+              <a:t>全ては多すぎるから簡単なものに帰着させたい</a:t>
+            </a:r>
+          </a:p>
+          <a:p>
+            <a:pPr marL="0" indent="0">
+              <a:buNone/>
+            </a:pPr>
+            <a:r>
+              <a:rPr lang="ja-JP" altLang="en-US" dirty="0"/>
+              <a:t>→既約表現</a:t>
+            </a:r>
           </a:p>
           <a:p>
             <a:pPr marL="0" indent="0">
@@ -5241,7 +5827,7 @@
     </p:spTree>
     <p:extLst>
       <p:ext uri="{BB962C8B-B14F-4D97-AF65-F5344CB8AC3E}">
-        <p14:creationId xmlns:p14="http://schemas.microsoft.com/office/powerpoint/2010/main" val="1797418798"/>
+        <p14:creationId xmlns:p14="http://schemas.microsoft.com/office/powerpoint/2010/main" val="3846786892"/>
       </p:ext>
     </p:extLst>
   </p:cSld>
@@ -5283,6 +5869,18 @@
           <a:bodyPr/>
           <a:lstStyle/>
           <a:p>
+            <a:r>
+              <a:rPr lang="ja-JP" altLang="en-US" dirty="0"/>
+              <a:t>既</a:t>
+            </a:r>
+            <a:r>
+              <a:rPr lang="ja-JP" altLang="en-US" dirty="0" smtClean="0"/>
+              <a:t>約</a:t>
+            </a:r>
+            <a:r>
+              <a:rPr kumimoji="1" lang="ja-JP" altLang="en-US" dirty="0" smtClean="0"/>
+              <a:t>表現とは</a:t>
+            </a:r>
             <a:endParaRPr kumimoji="1" lang="ja-JP" altLang="en-US" dirty="0"/>
           </a:p>
         </p:txBody>
@@ -5306,8 +5904,98 @@
               <a:buNone/>
             </a:pPr>
             <a:r>
+              <a:rPr lang="ja-JP" altLang="en-US" dirty="0" smtClean="0"/>
+              <a:t>これ以上分解できない、最小の表現のこと</a:t>
+            </a:r>
+            <a:endParaRPr lang="en-US" altLang="ja-JP" dirty="0" smtClean="0"/>
+          </a:p>
+          <a:p>
+            <a:pPr marL="0" indent="0">
+              <a:buNone/>
+            </a:pPr>
+            <a:endParaRPr kumimoji="1" lang="en-US" altLang="ja-JP" dirty="0"/>
+          </a:p>
+          <a:p>
+            <a:pPr marL="0" indent="0">
+              <a:buNone/>
+            </a:pPr>
+            <a:r>
+              <a:rPr lang="en-US" altLang="ja-JP" dirty="0" smtClean="0"/>
+              <a:t>Def G</a:t>
+            </a:r>
+            <a:r>
+              <a:rPr lang="ja-JP" altLang="en-US" dirty="0" smtClean="0"/>
+              <a:t>の表現</a:t>
+            </a:r>
+            <a:r>
+              <a:rPr lang="en-US" altLang="ja-JP" dirty="0" smtClean="0"/>
+              <a:t>V</a:t>
+            </a:r>
+            <a:r>
+              <a:rPr lang="ja-JP" altLang="en-US" dirty="0" smtClean="0"/>
+              <a:t>が既約表現とは、</a:t>
+            </a:r>
+            <a:r>
+              <a:rPr lang="en-US" altLang="ja-JP" dirty="0" smtClean="0"/>
+              <a:t>V</a:t>
+            </a:r>
+            <a:r>
+              <a:rPr lang="ja-JP" altLang="en-US" dirty="0" smtClean="0"/>
+              <a:t>の非自明なＧ不変な部分空間が存在しないこと。</a:t>
+            </a:r>
+            <a:endParaRPr lang="en-US" altLang="ja-JP" dirty="0" smtClean="0"/>
+          </a:p>
+          <a:p>
+            <a:pPr marL="0" indent="0">
+              <a:buNone/>
+            </a:pPr>
+            <a:r>
+              <a:rPr lang="en-US" altLang="ja-JP" dirty="0" smtClean="0"/>
+              <a:t>w </a:t>
+            </a:r>
+            <a:r>
+              <a:rPr lang="ja-JP" altLang="en-US" dirty="0" smtClean="0"/>
+              <a:t>∈ </a:t>
+            </a:r>
+            <a:r>
+              <a:rPr lang="en-US" altLang="ja-JP" dirty="0" smtClean="0"/>
+              <a:t>W </a:t>
+            </a:r>
+            <a:r>
+              <a:rPr lang="ja-JP" altLang="en-US" dirty="0" smtClean="0"/>
+              <a:t>⊂ </a:t>
+            </a:r>
+            <a:r>
+              <a:rPr kumimoji="1" lang="en-US" altLang="ja-JP" dirty="0" smtClean="0"/>
+              <a:t>V </a:t>
+            </a:r>
+            <a:r>
               <a:rPr kumimoji="1" lang="ja-JP" altLang="en-US" dirty="0" smtClean="0"/>
-              <a:t>最小さえ調べれば全部わかるのか？</a:t>
+              <a:t>に適当に</a:t>
+            </a:r>
+            <a:r>
+              <a:rPr kumimoji="1" lang="en-US" altLang="ja-JP" dirty="0" smtClean="0"/>
+              <a:t>g</a:t>
+            </a:r>
+            <a:r>
+              <a:rPr kumimoji="1" lang="ja-JP" altLang="en-US" dirty="0" smtClean="0"/>
+              <a:t>∈Ｇの元をかけると、 </a:t>
+            </a:r>
+            <a:r>
+              <a:rPr kumimoji="1" lang="en-US" altLang="ja-JP" dirty="0" smtClean="0"/>
+              <a:t>g(w) </a:t>
+            </a:r>
+            <a:r>
+              <a:rPr kumimoji="1" lang="ja-JP" altLang="en-US" dirty="0" smtClean="0"/>
+              <a:t>が</a:t>
+            </a:r>
+            <a:r>
+              <a:rPr kumimoji="1" lang="en-US" altLang="ja-JP" dirty="0" smtClean="0"/>
+              <a:t>W</a:t>
+            </a:r>
+            <a:r>
+              <a:rPr kumimoji="1" lang="ja-JP" altLang="en-US" dirty="0" smtClean="0"/>
+              <a:t>の元でなくなってしまう。</a:t>
             </a:r>
             <a:endParaRPr kumimoji="1" lang="en-US" altLang="ja-JP" dirty="0" smtClean="0"/>
           </a:p>
@@ -5315,10 +6003,12 @@
             <a:pPr marL="0" indent="0">
               <a:buNone/>
             </a:pPr>
-            <a:r>
-              <a:rPr lang="ja-JP" altLang="en-US" dirty="0" smtClean="0"/>
-              <a:t>⇒完全可約生</a:t>
-            </a:r>
+            <a:endParaRPr lang="en-US" altLang="ja-JP" dirty="0"/>
+          </a:p>
+          <a:p>
+            <a:pPr marL="0" indent="0">
+              <a:buNone/>
+            </a:pPr>
             <a:endParaRPr kumimoji="1" lang="ja-JP" altLang="en-US" dirty="0"/>
           </a:p>
         </p:txBody>
@@ -5326,7 +6016,7 @@
     </p:spTree>
     <p:extLst>
       <p:ext uri="{BB962C8B-B14F-4D97-AF65-F5344CB8AC3E}">
-        <p14:creationId xmlns:p14="http://schemas.microsoft.com/office/powerpoint/2010/main" val="291704246"/>
+        <p14:creationId xmlns:p14="http://schemas.microsoft.com/office/powerpoint/2010/main" val="1797418798"/>
       </p:ext>
     </p:extLst>
   </p:cSld>
@@ -5368,7 +6058,7 @@
           <a:bodyPr/>
           <a:lstStyle/>
           <a:p>
-            <a:endParaRPr kumimoji="1" lang="ja-JP" altLang="en-US"/>
+            <a:endParaRPr kumimoji="1" lang="ja-JP" altLang="en-US" dirty="0"/>
           </a:p>
         </p:txBody>
       </p:sp>
@@ -5391,48 +6081,18 @@
               <a:buNone/>
             </a:pPr>
             <a:r>
-              <a:rPr kumimoji="1" lang="en-US" altLang="ja-JP" dirty="0" smtClean="0"/>
-              <a:t>Def </a:t>
-            </a:r>
-            <a:r>
               <a:rPr kumimoji="1" lang="ja-JP" altLang="en-US" dirty="0" smtClean="0"/>
-              <a:t>Ｇの表現</a:t>
-            </a:r>
-            <a:r>
-              <a:rPr lang="en-US" altLang="ja-JP" dirty="0"/>
-              <a:t>V</a:t>
-            </a:r>
-            <a:r>
-              <a:rPr kumimoji="1" lang="ja-JP" altLang="en-US" dirty="0" smtClean="0"/>
-              <a:t>が完全可約とは既約表現の直和に分解できる</a:t>
-            </a:r>
-            <a:r>
-              <a:rPr kumimoji="1" lang="ja-JP" altLang="en-US" dirty="0" smtClean="0"/>
-              <a:t>こと</a:t>
-            </a:r>
-            <a:endParaRPr lang="en-US" altLang="ja-JP" dirty="0" smtClean="0"/>
-          </a:p>
-          <a:p>
-            <a:pPr marL="0" indent="0">
-              <a:buNone/>
-            </a:pPr>
-            <a:endParaRPr lang="en-US" altLang="ja-JP" dirty="0"/>
-          </a:p>
-          <a:p>
-            <a:pPr marL="0" indent="0">
-              <a:buNone/>
-            </a:pPr>
-            <a:r>
-              <a:rPr kumimoji="1" lang="en-US" altLang="ja-JP" dirty="0" err="1" smtClean="0"/>
-              <a:t>Thm</a:t>
-            </a:r>
-            <a:r>
-              <a:rPr kumimoji="1" lang="en-US" altLang="ja-JP" dirty="0" smtClean="0"/>
-              <a:t> </a:t>
-            </a:r>
-            <a:r>
-              <a:rPr kumimoji="1" lang="ja-JP" altLang="en-US" dirty="0" smtClean="0"/>
-              <a:t>有限群、リー群、量子群の場合、任意の表現が完全可約</a:t>
+              <a:t>最小さえ調べれば全部わかるのか？</a:t>
+            </a:r>
+            <a:endParaRPr kumimoji="1" lang="en-US" altLang="ja-JP" dirty="0" smtClean="0"/>
+          </a:p>
+          <a:p>
+            <a:pPr marL="0" indent="0">
+              <a:buNone/>
+            </a:pPr>
+            <a:r>
+              <a:rPr lang="ja-JP" altLang="en-US" dirty="0" smtClean="0"/>
+              <a:t>⇒完全可約生</a:t>
             </a:r>
             <a:endParaRPr kumimoji="1" lang="ja-JP" altLang="en-US" dirty="0"/>
           </a:p>
@@ -5441,7 +6101,7 @@
     </p:spTree>
     <p:extLst>
       <p:ext uri="{BB962C8B-B14F-4D97-AF65-F5344CB8AC3E}">
-        <p14:creationId xmlns:p14="http://schemas.microsoft.com/office/powerpoint/2010/main" val="3080618747"/>
+        <p14:creationId xmlns:p14="http://schemas.microsoft.com/office/powerpoint/2010/main" val="291704246"/>
       </p:ext>
     </p:extLst>
   </p:cSld>
@@ -5483,6 +6143,117 @@
           <a:bodyPr/>
           <a:lstStyle/>
           <a:p>
+            <a:endParaRPr kumimoji="1" lang="ja-JP" altLang="en-US"/>
+          </a:p>
+        </p:txBody>
+      </p:sp>
+      <p:sp>
+        <p:nvSpPr>
+          <p:cNvPr id="3" name="コンテンツ プレースホルダー 2"/>
+          <p:cNvSpPr>
+            <a:spLocks noGrp="1"/>
+          </p:cNvSpPr>
+          <p:nvPr>
+            <p:ph idx="1"/>
+          </p:nvPr>
+        </p:nvSpPr>
+        <p:spPr/>
+        <p:txBody>
+          <a:bodyPr/>
+          <a:lstStyle/>
+          <a:p>
+            <a:pPr marL="0" indent="0">
+              <a:buNone/>
+            </a:pPr>
+            <a:r>
+              <a:rPr kumimoji="1" lang="en-US" altLang="ja-JP" dirty="0" smtClean="0"/>
+              <a:t>Def </a:t>
+            </a:r>
+            <a:r>
+              <a:rPr kumimoji="1" lang="ja-JP" altLang="en-US" dirty="0" smtClean="0"/>
+              <a:t>Ｇの表現</a:t>
+            </a:r>
+            <a:r>
+              <a:rPr lang="en-US" altLang="ja-JP" dirty="0"/>
+              <a:t>V</a:t>
+            </a:r>
+            <a:r>
+              <a:rPr kumimoji="1" lang="ja-JP" altLang="en-US" dirty="0" smtClean="0"/>
+              <a:t>が完全可約とは既約表現の直和に分解できること</a:t>
+            </a:r>
+            <a:endParaRPr lang="en-US" altLang="ja-JP" dirty="0" smtClean="0"/>
+          </a:p>
+          <a:p>
+            <a:pPr marL="0" indent="0">
+              <a:buNone/>
+            </a:pPr>
+            <a:endParaRPr lang="en-US" altLang="ja-JP" dirty="0"/>
+          </a:p>
+          <a:p>
+            <a:pPr marL="0" indent="0">
+              <a:buNone/>
+            </a:pPr>
+            <a:r>
+              <a:rPr kumimoji="1" lang="en-US" altLang="ja-JP" dirty="0" err="1" smtClean="0"/>
+              <a:t>Thm</a:t>
+            </a:r>
+            <a:r>
+              <a:rPr kumimoji="1" lang="en-US" altLang="ja-JP" dirty="0" smtClean="0"/>
+              <a:t> </a:t>
+            </a:r>
+            <a:r>
+              <a:rPr kumimoji="1" lang="ja-JP" altLang="en-US" dirty="0" smtClean="0"/>
+              <a:t>有限群、リー群、量子群の場合、任意の表現が完全可約</a:t>
+            </a:r>
+            <a:endParaRPr kumimoji="1" lang="ja-JP" altLang="en-US" dirty="0"/>
+          </a:p>
+        </p:txBody>
+      </p:sp>
+    </p:spTree>
+    <p:extLst>
+      <p:ext uri="{BB962C8B-B14F-4D97-AF65-F5344CB8AC3E}">
+        <p14:creationId xmlns:p14="http://schemas.microsoft.com/office/powerpoint/2010/main" val="3080618747"/>
+      </p:ext>
+    </p:extLst>
+  </p:cSld>
+  <p:clrMapOvr>
+    <a:masterClrMapping/>
+  </p:clrMapOvr>
+</p:sld>
+</file>
+
+<file path=ppt/slides/slide25.xml><?xml version="1.0" encoding="utf-8"?>
+<p:sld xmlns:a="http://schemas.openxmlformats.org/drawingml/2006/main" xmlns:r="http://schemas.openxmlformats.org/officeDocument/2006/relationships" xmlns:p="http://schemas.openxmlformats.org/presentationml/2006/main">
+  <p:cSld>
+    <p:spTree>
+      <p:nvGrpSpPr>
+        <p:cNvPr id="1" name=""/>
+        <p:cNvGrpSpPr/>
+        <p:nvPr/>
+      </p:nvGrpSpPr>
+      <p:grpSpPr>
+        <a:xfrm>
+          <a:off x="0" y="0"/>
+          <a:ext cx="0" cy="0"/>
+          <a:chOff x="0" y="0"/>
+          <a:chExt cx="0" cy="0"/>
+        </a:xfrm>
+      </p:grpSpPr>
+      <p:sp>
+        <p:nvSpPr>
+          <p:cNvPr id="2" name="タイトル 1"/>
+          <p:cNvSpPr>
+            <a:spLocks noGrp="1"/>
+          </p:cNvSpPr>
+          <p:nvPr>
+            <p:ph type="title"/>
+          </p:nvPr>
+        </p:nvSpPr>
+        <p:spPr/>
+        <p:txBody>
+          <a:bodyPr/>
+          <a:lstStyle/>
+          <a:p>
             <a:r>
               <a:rPr kumimoji="1" lang="ja-JP" altLang="en-US" dirty="0" smtClean="0"/>
               <a:t>表現をしらべよう！！！！</a:t>
@@ -5622,204 +6393,6 @@
 </p:sld>
 </file>
 
-<file path=ppt/slides/slide25.xml><?xml version="1.0" encoding="utf-8"?>
-<p:sld xmlns:a="http://schemas.openxmlformats.org/drawingml/2006/main" xmlns:r="http://schemas.openxmlformats.org/officeDocument/2006/relationships" xmlns:p="http://schemas.openxmlformats.org/presentationml/2006/main">
-  <p:cSld>
-    <p:spTree>
-      <p:nvGrpSpPr>
-        <p:cNvPr id="1" name=""/>
-        <p:cNvGrpSpPr/>
-        <p:nvPr/>
-      </p:nvGrpSpPr>
-      <p:grpSpPr>
-        <a:xfrm>
-          <a:off x="0" y="0"/>
-          <a:ext cx="0" cy="0"/>
-          <a:chOff x="0" y="0"/>
-          <a:chExt cx="0" cy="0"/>
-        </a:xfrm>
-      </p:grpSpPr>
-      <p:sp>
-        <p:nvSpPr>
-          <p:cNvPr id="2" name="タイトル 1"/>
-          <p:cNvSpPr>
-            <a:spLocks noGrp="1"/>
-          </p:cNvSpPr>
-          <p:nvPr>
-            <p:ph type="title"/>
-          </p:nvPr>
-        </p:nvSpPr>
-        <p:spPr/>
-        <p:txBody>
-          <a:bodyPr/>
-          <a:lstStyle/>
-          <a:p>
-            <a:r>
-              <a:rPr kumimoji="1" lang="ja-JP" altLang="en-US" dirty="0" smtClean="0"/>
-              <a:t>ただし</a:t>
-            </a:r>
-            <a:r>
-              <a:rPr kumimoji="1" lang="en-US" altLang="ja-JP" dirty="0" smtClean="0"/>
-              <a:t>…</a:t>
-            </a:r>
-            <a:endParaRPr kumimoji="1" lang="ja-JP" altLang="en-US" dirty="0"/>
-          </a:p>
-        </p:txBody>
-      </p:sp>
-      <p:sp>
-        <p:nvSpPr>
-          <p:cNvPr id="3" name="コンテンツ プレースホルダー 2"/>
-          <p:cNvSpPr>
-            <a:spLocks noGrp="1"/>
-          </p:cNvSpPr>
-          <p:nvPr>
-            <p:ph idx="1"/>
-          </p:nvPr>
-        </p:nvSpPr>
-        <p:spPr/>
-        <p:txBody>
-          <a:bodyPr/>
-          <a:lstStyle/>
-          <a:p>
-            <a:pPr marL="0" indent="0">
-              <a:buNone/>
-            </a:pPr>
-            <a:r>
-              <a:rPr lang="ja-JP" altLang="en-US" dirty="0"/>
-              <a:t>既約表現を決定するのも実はかなり難しい．</a:t>
-            </a:r>
-          </a:p>
-          <a:p>
-            <a:pPr marL="0" indent="0">
-              <a:buNone/>
-            </a:pPr>
-            <a:r>
-              <a:rPr lang="ja-JP" altLang="en-US" dirty="0" smtClean="0"/>
-              <a:t>→</a:t>
-            </a:r>
-            <a:r>
-              <a:rPr lang="ja-JP" altLang="en-US" dirty="0" smtClean="0"/>
-              <a:t>いくつか</a:t>
-            </a:r>
-            <a:r>
-              <a:rPr lang="ja-JP" altLang="en-US" dirty="0"/>
-              <a:t>の</a:t>
-            </a:r>
-            <a:r>
-              <a:rPr lang="en-US" altLang="ja-JP" dirty="0" smtClean="0"/>
-              <a:t>p</a:t>
-            </a:r>
-            <a:r>
-              <a:rPr lang="ja-JP" altLang="en-US" dirty="0" smtClean="0"/>
-              <a:t>進</a:t>
-            </a:r>
-            <a:r>
-              <a:rPr lang="ja-JP" altLang="en-US" dirty="0" smtClean="0"/>
-              <a:t>表現</a:t>
-            </a:r>
-            <a:r>
-              <a:rPr lang="ja-JP" altLang="en-US" dirty="0" smtClean="0"/>
-              <a:t>を分類しただけで、修士論文レベルだったり</a:t>
-            </a:r>
-            <a:r>
-              <a:rPr lang="en-US" altLang="ja-JP" dirty="0" smtClean="0"/>
-              <a:t>…</a:t>
-            </a:r>
-            <a:r>
-              <a:rPr lang="ja-JP" altLang="en-US" dirty="0" err="1" smtClean="0"/>
-              <a:t>。</a:t>
-            </a:r>
-            <a:endParaRPr lang="en-US" altLang="ja-JP" dirty="0" smtClean="0"/>
-          </a:p>
-          <a:p>
-            <a:pPr marL="0" indent="0">
-              <a:buNone/>
-            </a:pPr>
-            <a:endParaRPr lang="en-US" altLang="ja-JP" dirty="0" smtClean="0"/>
-          </a:p>
-          <a:p>
-            <a:pPr marL="0" indent="0">
-              <a:buNone/>
-            </a:pPr>
-            <a:r>
-              <a:rPr lang="ja-JP" altLang="en-US" dirty="0" smtClean="0"/>
-              <a:t>ただし</a:t>
-            </a:r>
-            <a:r>
-              <a:rPr lang="ja-JP" altLang="en-US" dirty="0"/>
-              <a:t>、</a:t>
-            </a:r>
-            <a:r>
-              <a:rPr lang="ja-JP" altLang="en-US" dirty="0" smtClean="0"/>
-              <a:t>特別</a:t>
-            </a:r>
-            <a:r>
-              <a:rPr lang="ja-JP" altLang="en-US" dirty="0"/>
-              <a:t>な群に制限</a:t>
-            </a:r>
-            <a:r>
-              <a:rPr lang="ja-JP" altLang="en-US" dirty="0" smtClean="0"/>
-              <a:t>すれば簡単にできる</a:t>
-            </a:r>
-            <a:r>
-              <a:rPr lang="ja-JP" altLang="en-US" dirty="0"/>
-              <a:t>．</a:t>
-            </a:r>
-          </a:p>
-          <a:p>
-            <a:pPr marL="0" indent="0">
-              <a:buNone/>
-            </a:pPr>
-            <a:r>
-              <a:rPr lang="ja-JP" altLang="en-US" dirty="0" smtClean="0"/>
-              <a:t>特</a:t>
-            </a:r>
-            <a:r>
-              <a:rPr lang="ja-JP" altLang="en-US" dirty="0"/>
-              <a:t>に，量子群の場合は非常にきれいな形をしている．</a:t>
-            </a:r>
-          </a:p>
-          <a:p>
-            <a:pPr marL="0" indent="0">
-              <a:buNone/>
-            </a:pPr>
-            <a:r>
-              <a:rPr lang="en-US" altLang="ja-JP" dirty="0"/>
-              <a:t>(</a:t>
-            </a:r>
-            <a:r>
-              <a:rPr lang="ja-JP" altLang="en-US" dirty="0"/>
-              <a:t>量子群自体の</a:t>
-            </a:r>
-            <a:r>
-              <a:rPr lang="ja-JP" altLang="en-US" dirty="0" smtClean="0"/>
-              <a:t>定義やその証明は</a:t>
-            </a:r>
-            <a:r>
-              <a:rPr lang="ja-JP" altLang="en-US" dirty="0"/>
-              <a:t>ややこしいのだが</a:t>
-            </a:r>
-            <a:r>
-              <a:rPr lang="en-US" altLang="ja-JP" dirty="0"/>
-              <a:t>…)</a:t>
-            </a:r>
-            <a:endParaRPr kumimoji="1" lang="ja-JP" altLang="en-US" dirty="0"/>
-          </a:p>
-        </p:txBody>
-      </p:sp>
-    </p:spTree>
-    <p:extLst>
-      <p:ext uri="{BB962C8B-B14F-4D97-AF65-F5344CB8AC3E}">
-        <p14:creationId xmlns:p14="http://schemas.microsoft.com/office/powerpoint/2010/main" val="488902263"/>
-      </p:ext>
-    </p:extLst>
-  </p:cSld>
-  <p:clrMapOvr>
-    <a:masterClrMapping/>
-  </p:clrMapOvr>
-</p:sld>
-</file>
-
 <file path=ppt/slides/slide26.xml><?xml version="1.0" encoding="utf-8"?>
 <p:sld xmlns:a="http://schemas.openxmlformats.org/drawingml/2006/main" xmlns:r="http://schemas.openxmlformats.org/officeDocument/2006/relationships" xmlns:p="http://schemas.openxmlformats.org/presentationml/2006/main">
   <p:cSld>
@@ -5854,7 +6427,11 @@
           <a:p>
             <a:r>
               <a:rPr kumimoji="1" lang="ja-JP" altLang="en-US" dirty="0" smtClean="0"/>
-              <a:t>実は</a:t>
+              <a:t>ただし</a:t>
+            </a:r>
+            <a:r>
+              <a:rPr kumimoji="1" lang="en-US" altLang="ja-JP" dirty="0" smtClean="0"/>
+              <a:t>…</a:t>
             </a:r>
             <a:endParaRPr kumimoji="1" lang="ja-JP" altLang="en-US" dirty="0"/>
           </a:p>
@@ -5879,22 +6456,37 @@
               <a:buNone/>
             </a:pPr>
             <a:r>
-              <a:rPr kumimoji="1" lang="ja-JP" altLang="en-US" dirty="0" smtClean="0"/>
-              <a:t>表現を通して、数学の中でもいろいろなつながりがある。</a:t>
-            </a:r>
-            <a:endParaRPr kumimoji="1" lang="en-US" altLang="ja-JP" dirty="0" smtClean="0"/>
-          </a:p>
-          <a:p>
-            <a:pPr marL="0" indent="0">
-              <a:buNone/>
-            </a:pPr>
+              <a:rPr lang="ja-JP" altLang="en-US" dirty="0"/>
+              <a:t>既約表現を決定するのも実はかなり難しい．</a:t>
+            </a:r>
+          </a:p>
+          <a:p>
+            <a:pPr marL="0" indent="0">
+              <a:buNone/>
+            </a:pPr>
+            <a:r>
+              <a:rPr lang="ja-JP" altLang="en-US" dirty="0" smtClean="0"/>
+              <a:t>→いくつか</a:t>
+            </a:r>
+            <a:r>
+              <a:rPr lang="ja-JP" altLang="en-US" dirty="0"/>
+              <a:t>の</a:t>
+            </a:r>
             <a:r>
               <a:rPr lang="en-US" altLang="ja-JP" dirty="0" smtClean="0"/>
-              <a:t>Ex </a:t>
-            </a:r>
-            <a:r>
-              <a:rPr lang="ja-JP" altLang="en-US" dirty="0" smtClean="0"/>
-              <a:t>ラングランズ対応</a:t>
+              <a:t>p</a:t>
+            </a:r>
+            <a:r>
+              <a:rPr lang="ja-JP" altLang="en-US" dirty="0" smtClean="0"/>
+              <a:t>進表現を分類しただけで、修士論文レベルだったり</a:t>
+            </a:r>
+            <a:r>
+              <a:rPr lang="en-US" altLang="ja-JP" dirty="0" smtClean="0"/>
+              <a:t>…</a:t>
+            </a:r>
+            <a:r>
+              <a:rPr lang="ja-JP" altLang="en-US" dirty="0" err="1" smtClean="0"/>
+              <a:t>。</a:t>
             </a:r>
             <a:endParaRPr lang="en-US" altLang="ja-JP" dirty="0" smtClean="0"/>
           </a:p>
@@ -5902,115 +6494,73 @@
             <a:pPr marL="0" indent="0">
               <a:buNone/>
             </a:pPr>
-            <a:r>
-              <a:rPr kumimoji="1" lang="ja-JP" altLang="en-US" dirty="0" smtClean="0"/>
-              <a:t>保型表現</a:t>
-            </a:r>
-            <a:r>
-              <a:rPr lang="en-US" altLang="ja-JP" dirty="0" smtClean="0"/>
+            <a:endParaRPr lang="en-US" altLang="ja-JP" dirty="0" smtClean="0"/>
+          </a:p>
+          <a:p>
+            <a:pPr marL="0" indent="0">
+              <a:buNone/>
+            </a:pPr>
+            <a:r>
+              <a:rPr lang="ja-JP" altLang="en-US" dirty="0" smtClean="0"/>
+              <a:t>ただし</a:t>
+            </a:r>
+            <a:r>
+              <a:rPr lang="ja-JP" altLang="en-US" dirty="0"/>
+              <a:t>、</a:t>
+            </a:r>
+            <a:r>
+              <a:rPr lang="ja-JP" altLang="en-US" dirty="0" smtClean="0"/>
+              <a:t>特別</a:t>
+            </a:r>
+            <a:r>
+              <a:rPr lang="ja-JP" altLang="en-US" dirty="0"/>
+              <a:t>な群に制限</a:t>
+            </a:r>
+            <a:r>
+              <a:rPr lang="ja-JP" altLang="en-US" dirty="0" smtClean="0"/>
+              <a:t>すれば簡単にできる</a:t>
+            </a:r>
+            <a:r>
+              <a:rPr lang="ja-JP" altLang="en-US" dirty="0"/>
+              <a:t>．</a:t>
+            </a:r>
+          </a:p>
+          <a:p>
+            <a:pPr marL="0" indent="0">
+              <a:buNone/>
+            </a:pPr>
+            <a:r>
+              <a:rPr lang="ja-JP" altLang="en-US" dirty="0" smtClean="0"/>
+              <a:t>特</a:t>
+            </a:r>
+            <a:r>
+              <a:rPr lang="ja-JP" altLang="en-US" dirty="0"/>
+              <a:t>に，量子群の場合は非常にきれいな形をしている．</a:t>
+            </a:r>
+          </a:p>
+          <a:p>
+            <a:pPr marL="0" indent="0">
+              <a:buNone/>
+            </a:pPr>
+            <a:r>
+              <a:rPr lang="en-US" altLang="ja-JP" dirty="0"/>
               <a:t>(</a:t>
             </a:r>
             <a:r>
-              <a:rPr lang="ja-JP" altLang="en-US" dirty="0" smtClean="0"/>
-              <a:t>解析数論</a:t>
-            </a:r>
-            <a:r>
-              <a:rPr lang="en-US" altLang="ja-JP" dirty="0" smtClean="0"/>
-              <a:t>)</a:t>
-            </a:r>
-            <a:r>
-              <a:rPr lang="ja-JP" altLang="en-US" dirty="0" smtClean="0"/>
-              <a:t>と、ガロア表現</a:t>
-            </a:r>
-            <a:r>
-              <a:rPr lang="en-US" altLang="ja-JP" dirty="0" smtClean="0"/>
-              <a:t>(</a:t>
-            </a:r>
-            <a:r>
-              <a:rPr lang="ja-JP" altLang="en-US" dirty="0" smtClean="0"/>
-              <a:t>数論幾何</a:t>
-            </a:r>
-            <a:r>
-              <a:rPr lang="en-US" altLang="ja-JP" dirty="0" smtClean="0"/>
-              <a:t>)</a:t>
-            </a:r>
-            <a:r>
-              <a:rPr lang="ja-JP" altLang="en-US" dirty="0" smtClean="0"/>
-              <a:t>の間の対応</a:t>
-            </a:r>
-            <a:endParaRPr lang="en-US" altLang="ja-JP" dirty="0" smtClean="0"/>
-          </a:p>
-          <a:p>
-            <a:pPr marL="0" indent="0">
-              <a:buNone/>
-            </a:pPr>
-            <a:endParaRPr kumimoji="1" lang="en-US" altLang="ja-JP" dirty="0"/>
-          </a:p>
-          <a:p>
-            <a:pPr marL="0" indent="0">
-              <a:buNone/>
-            </a:pPr>
-            <a:r>
-              <a:rPr lang="en-US" altLang="ja-JP" dirty="0" smtClean="0"/>
-              <a:t>Ex </a:t>
-            </a:r>
-            <a:r>
-              <a:rPr lang="ja-JP" altLang="en-US" dirty="0" smtClean="0"/>
-              <a:t>位相群の表現</a:t>
-            </a:r>
-            <a:endParaRPr lang="en-US" altLang="ja-JP" dirty="0" smtClean="0"/>
-          </a:p>
-          <a:p>
-            <a:pPr marL="0" indent="0">
-              <a:buNone/>
-            </a:pPr>
-            <a:r>
-              <a:rPr kumimoji="1" lang="en-US" altLang="ja-JP" dirty="0" smtClean="0"/>
-              <a:t>- </a:t>
-            </a:r>
-            <a:r>
-              <a:rPr kumimoji="1" lang="ja-JP" altLang="en-US" dirty="0" smtClean="0"/>
-              <a:t>実の世界での</a:t>
-            </a:r>
-            <a:r>
-              <a:rPr lang="ja-JP" altLang="en-US" dirty="0" smtClean="0"/>
-              <a:t>初等的</a:t>
-            </a:r>
-            <a:r>
-              <a:rPr lang="ja-JP" altLang="en-US" dirty="0" smtClean="0"/>
-              <a:t>な解析を</a:t>
-            </a:r>
-            <a:r>
-              <a:rPr lang="ja-JP" altLang="en-US" dirty="0" smtClean="0"/>
-              <a:t>、一般化</a:t>
-            </a:r>
-            <a:r>
-              <a:rPr lang="ja-JP" altLang="en-US" dirty="0" smtClean="0"/>
-              <a:t>したよう</a:t>
-            </a:r>
-            <a:r>
-              <a:rPr lang="ja-JP" altLang="en-US" dirty="0" smtClean="0"/>
-              <a:t>に</a:t>
-            </a:r>
-            <a:r>
-              <a:rPr lang="ja-JP" altLang="en-US" dirty="0" smtClean="0"/>
-              <a:t>も思える</a:t>
-            </a:r>
-            <a:r>
-              <a:rPr lang="ja-JP" altLang="en-US" dirty="0" smtClean="0"/>
-              <a:t>。</a:t>
-            </a:r>
-            <a:r>
-              <a:rPr lang="en-US" altLang="ja-JP" dirty="0" smtClean="0"/>
-              <a:t>(</a:t>
-            </a:r>
-            <a:r>
-              <a:rPr lang="ja-JP" altLang="en-US" dirty="0" smtClean="0"/>
-              <a:t>調和解析</a:t>
-            </a:r>
-            <a:r>
-              <a:rPr lang="en-US" altLang="ja-JP" dirty="0" smtClean="0"/>
-              <a:t>)</a:t>
+              <a:rPr lang="ja-JP" altLang="en-US" dirty="0"/>
+              <a:t>量子群自体の</a:t>
+            </a:r>
+            <a:r>
+              <a:rPr lang="ja-JP" altLang="en-US" dirty="0" smtClean="0"/>
+              <a:t>定義やその証明は</a:t>
+            </a:r>
+            <a:r>
+              <a:rPr lang="ja-JP" altLang="en-US" dirty="0"/>
+              <a:t>ややこしいのだが</a:t>
+            </a:r>
+            <a:r>
+              <a:rPr lang="en-US" altLang="ja-JP" dirty="0"/>
+              <a:t>…)</a:t>
             </a:r>
             <a:endParaRPr kumimoji="1" lang="ja-JP" altLang="en-US" dirty="0"/>
           </a:p>
@@ -6019,7 +6569,7 @@
     </p:spTree>
     <p:extLst>
       <p:ext uri="{BB962C8B-B14F-4D97-AF65-F5344CB8AC3E}">
-        <p14:creationId xmlns:p14="http://schemas.microsoft.com/office/powerpoint/2010/main" val="4128434526"/>
+        <p14:creationId xmlns:p14="http://schemas.microsoft.com/office/powerpoint/2010/main" val="488902263"/>
       </p:ext>
     </p:extLst>
   </p:cSld>
@@ -6063,7 +6613,7 @@
           <a:p>
             <a:r>
               <a:rPr kumimoji="1" lang="ja-JP" altLang="en-US" dirty="0" smtClean="0"/>
-              <a:t>要は</a:t>
+              <a:t>実は</a:t>
             </a:r>
             <a:endParaRPr kumimoji="1" lang="ja-JP" altLang="en-US" dirty="0"/>
           </a:p>
@@ -6089,7 +6639,7 @@
             </a:pPr>
             <a:r>
               <a:rPr kumimoji="1" lang="ja-JP" altLang="en-US" dirty="0" smtClean="0"/>
-              <a:t>表現とは、数学の世界で様々なものを繋げ、</a:t>
+              <a:t>表現を通して、数学の中でもいろいろなつながりがある。</a:t>
             </a:r>
             <a:endParaRPr kumimoji="1" lang="en-US" altLang="ja-JP" dirty="0" smtClean="0"/>
           </a:p>
@@ -6098,26 +6648,113 @@
               <a:buNone/>
             </a:pPr>
             <a:r>
-              <a:rPr lang="ja-JP" altLang="en-US" dirty="0" smtClean="0"/>
-              <a:t>また調べることを可能にするすごいもの</a:t>
-            </a:r>
-            <a:r>
               <a:rPr lang="en-US" altLang="ja-JP" dirty="0" smtClean="0"/>
-              <a:t>!</a:t>
-            </a:r>
+              <a:t>Ex </a:t>
+            </a:r>
+            <a:r>
+              <a:rPr lang="ja-JP" altLang="en-US" dirty="0" smtClean="0"/>
+              <a:t>ラングランズ対応</a:t>
+            </a:r>
+            <a:endParaRPr lang="en-US" altLang="ja-JP" dirty="0" smtClean="0"/>
+          </a:p>
+          <a:p>
+            <a:pPr marL="0" indent="0">
+              <a:buNone/>
+            </a:pPr>
+            <a:r>
+              <a:rPr kumimoji="1" lang="ja-JP" altLang="en-US" dirty="0" smtClean="0"/>
+              <a:t>保型表現</a:t>
+            </a:r>
+            <a:r>
+              <a:rPr lang="en-US" altLang="ja-JP" dirty="0" smtClean="0"/>
+              <a:t>(</a:t>
+            </a:r>
+            <a:r>
+              <a:rPr lang="ja-JP" altLang="en-US" dirty="0" smtClean="0"/>
+              <a:t>解析数論</a:t>
+            </a:r>
+            <a:r>
+              <a:rPr lang="en-US" altLang="ja-JP" dirty="0" smtClean="0"/>
+              <a:t>)</a:t>
+            </a:r>
+            <a:r>
+              <a:rPr lang="ja-JP" altLang="en-US" dirty="0" smtClean="0"/>
+              <a:t>と、ガロア表現</a:t>
+            </a:r>
+            <a:r>
+              <a:rPr lang="en-US" altLang="ja-JP" dirty="0" smtClean="0"/>
+              <a:t>(</a:t>
+            </a:r>
+            <a:r>
+              <a:rPr lang="ja-JP" altLang="en-US" dirty="0" smtClean="0"/>
+              <a:t>数論幾何</a:t>
+            </a:r>
+            <a:r>
+              <a:rPr lang="en-US" altLang="ja-JP" dirty="0" smtClean="0"/>
+              <a:t>)</a:t>
+            </a:r>
+            <a:r>
+              <a:rPr lang="ja-JP" altLang="en-US" dirty="0" smtClean="0"/>
+              <a:t>の間の対応</a:t>
+            </a:r>
+            <a:endParaRPr lang="en-US" altLang="ja-JP" dirty="0" smtClean="0"/>
           </a:p>
           <a:p>
             <a:pPr marL="0" indent="0">
               <a:buNone/>
             </a:pPr>
             <a:endParaRPr kumimoji="1" lang="en-US" altLang="ja-JP" dirty="0"/>
+          </a:p>
+          <a:p>
+            <a:pPr marL="0" indent="0">
+              <a:buNone/>
+            </a:pPr>
+            <a:r>
+              <a:rPr lang="en-US" altLang="ja-JP" dirty="0" smtClean="0"/>
+              <a:t>Ex </a:t>
+            </a:r>
+            <a:r>
+              <a:rPr lang="ja-JP" altLang="en-US" dirty="0" smtClean="0"/>
+              <a:t>位相群の表現</a:t>
+            </a:r>
+            <a:endParaRPr lang="en-US" altLang="ja-JP" dirty="0" smtClean="0"/>
+          </a:p>
+          <a:p>
+            <a:pPr marL="0" indent="0">
+              <a:buNone/>
+            </a:pPr>
+            <a:r>
+              <a:rPr kumimoji="1" lang="en-US" altLang="ja-JP" dirty="0" smtClean="0"/>
+              <a:t>- </a:t>
+            </a:r>
+            <a:r>
+              <a:rPr kumimoji="1" lang="ja-JP" altLang="en-US" dirty="0" smtClean="0"/>
+              <a:t>実の世界での</a:t>
+            </a:r>
+            <a:r>
+              <a:rPr lang="ja-JP" altLang="en-US" dirty="0" smtClean="0"/>
+              <a:t>初等的な解析を、一般化したようにも思える。</a:t>
+            </a:r>
+            <a:r>
+              <a:rPr lang="en-US" altLang="ja-JP" dirty="0" smtClean="0"/>
+              <a:t>(</a:t>
+            </a:r>
+            <a:r>
+              <a:rPr lang="ja-JP" altLang="en-US" dirty="0" smtClean="0"/>
+              <a:t>調和解析</a:t>
+            </a:r>
+            <a:r>
+              <a:rPr lang="en-US" altLang="ja-JP" dirty="0" smtClean="0"/>
+              <a:t>)</a:t>
+            </a:r>
+            <a:endParaRPr kumimoji="1" lang="ja-JP" altLang="en-US" dirty="0"/>
           </a:p>
         </p:txBody>
       </p:sp>
     </p:spTree>
     <p:extLst>
       <p:ext uri="{BB962C8B-B14F-4D97-AF65-F5344CB8AC3E}">
-        <p14:creationId xmlns:p14="http://schemas.microsoft.com/office/powerpoint/2010/main" val="3274539018"/>
+        <p14:creationId xmlns:p14="http://schemas.microsoft.com/office/powerpoint/2010/main" val="4128434526"/>
       </p:ext>
     </p:extLst>
   </p:cSld>
@@ -6161,7 +6798,7 @@
           <a:p>
             <a:r>
               <a:rPr kumimoji="1" lang="ja-JP" altLang="en-US" dirty="0" smtClean="0"/>
-              <a:t>まとめ</a:t>
+              <a:t>要は</a:t>
             </a:r>
             <a:endParaRPr kumimoji="1" lang="ja-JP" altLang="en-US" dirty="0"/>
           </a:p>
@@ -6179,82 +6816,43 @@
         </p:nvSpPr>
         <p:spPr/>
         <p:txBody>
-          <a:bodyPr>
-            <a:normAutofit/>
-          </a:bodyPr>
-          <a:lstStyle/>
-          <a:p>
-            <a:pPr marL="0" indent="0">
-              <a:buNone/>
-            </a:pPr>
-            <a:endParaRPr lang="ja-JP" altLang="en-US" dirty="0"/>
-          </a:p>
-          <a:p>
-            <a:pPr marL="0" indent="0">
-              <a:buNone/>
-            </a:pPr>
-            <a:r>
-              <a:rPr lang="ja-JP" altLang="en-US" dirty="0" smtClean="0"/>
-              <a:t>生物における性質を数学的</a:t>
-            </a:r>
-            <a:r>
-              <a:rPr lang="ja-JP" altLang="en-US" dirty="0"/>
-              <a:t>な性質によって表せる</a:t>
-            </a:r>
-            <a:r>
-              <a:rPr lang="ja-JP" altLang="en-US" dirty="0" smtClean="0"/>
-              <a:t>．</a:t>
-            </a:r>
-            <a:endParaRPr lang="en-US" altLang="ja-JP" dirty="0" smtClean="0"/>
-          </a:p>
-          <a:p>
-            <a:pPr marL="0" indent="0">
-              <a:buNone/>
-            </a:pPr>
-            <a:endParaRPr lang="en-US" altLang="ja-JP" dirty="0" smtClean="0"/>
-          </a:p>
-          <a:p>
-            <a:pPr marL="0" indent="0">
-              <a:buNone/>
-            </a:pPr>
-            <a:r>
-              <a:rPr lang="ja-JP" altLang="en-US" dirty="0" smtClean="0"/>
-              <a:t>表現は、「難しいもの」を</a:t>
-            </a:r>
-            <a:r>
-              <a:rPr lang="ja-JP" altLang="en-US" dirty="0"/>
-              <a:t>線形代数に帰着に</a:t>
-            </a:r>
-            <a:r>
-              <a:rPr lang="ja-JP" altLang="en-US" dirty="0" smtClean="0"/>
-              <a:t>させるもの</a:t>
-            </a:r>
-            <a:endParaRPr lang="en-US" altLang="ja-JP" dirty="0" smtClean="0"/>
-          </a:p>
-          <a:p>
-            <a:pPr marL="0" indent="0">
-              <a:buNone/>
-            </a:pPr>
-            <a:r>
-              <a:rPr lang="ja-JP" altLang="en-US" dirty="0" smtClean="0"/>
-              <a:t>⇒様々</a:t>
-            </a:r>
-            <a:r>
-              <a:rPr lang="ja-JP" altLang="en-US" dirty="0"/>
-              <a:t>な数学で現れる</a:t>
-            </a:r>
-            <a:r>
-              <a:rPr lang="ja-JP" altLang="en-US" dirty="0" smtClean="0"/>
-              <a:t>。</a:t>
-            </a:r>
-            <a:endParaRPr lang="ja-JP" altLang="en-US" dirty="0"/>
+          <a:bodyPr/>
+          <a:lstStyle/>
+          <a:p>
+            <a:pPr marL="0" indent="0">
+              <a:buNone/>
+            </a:pPr>
+            <a:r>
+              <a:rPr kumimoji="1" lang="ja-JP" altLang="en-US" dirty="0" smtClean="0"/>
+              <a:t>表現とは、数学の世界で様々なものを繋げ、</a:t>
+            </a:r>
+            <a:endParaRPr kumimoji="1" lang="en-US" altLang="ja-JP" dirty="0" smtClean="0"/>
+          </a:p>
+          <a:p>
+            <a:pPr marL="0" indent="0">
+              <a:buNone/>
+            </a:pPr>
+            <a:r>
+              <a:rPr lang="ja-JP" altLang="en-US" dirty="0" smtClean="0"/>
+              <a:t>また調べることを可能にするすごいもの</a:t>
+            </a:r>
+            <a:r>
+              <a:rPr lang="en-US" altLang="ja-JP" dirty="0" smtClean="0"/>
+              <a:t>!</a:t>
+            </a:r>
+          </a:p>
+          <a:p>
+            <a:pPr marL="0" indent="0">
+              <a:buNone/>
+            </a:pPr>
+            <a:endParaRPr kumimoji="1" lang="en-US" altLang="ja-JP" dirty="0"/>
           </a:p>
         </p:txBody>
       </p:sp>
     </p:spTree>
     <p:extLst>
       <p:ext uri="{BB962C8B-B14F-4D97-AF65-F5344CB8AC3E}">
-        <p14:creationId xmlns:p14="http://schemas.microsoft.com/office/powerpoint/2010/main" val="321589656"/>
+        <p14:creationId xmlns:p14="http://schemas.microsoft.com/office/powerpoint/2010/main" val="3274539018"/>
       </p:ext>
     </p:extLst>
   </p:cSld>
@@ -6298,7 +6896,7 @@
           <a:p>
             <a:r>
               <a:rPr kumimoji="1" lang="ja-JP" altLang="en-US" dirty="0" smtClean="0"/>
-              <a:t>問題提起</a:t>
+              <a:t>まとめ</a:t>
             </a:r>
             <a:endParaRPr kumimoji="1" lang="ja-JP" altLang="en-US" dirty="0"/>
           </a:p>
@@ -6316,77 +6914,82 @@
         </p:nvSpPr>
         <p:spPr/>
         <p:txBody>
-          <a:bodyPr/>
-          <a:lstStyle/>
-          <a:p>
-            <a:pPr marL="0" indent="0">
-              <a:buNone/>
-            </a:pPr>
-            <a:r>
-              <a:rPr lang="en-US" altLang="ja-JP" dirty="0"/>
-              <a:t>- </a:t>
-            </a:r>
-            <a:r>
-              <a:rPr lang="ja-JP" altLang="en-US" dirty="0" smtClean="0"/>
-              <a:t>生物の分類</a:t>
-            </a:r>
-            <a:r>
-              <a:rPr lang="en-US" altLang="ja-JP" dirty="0"/>
-              <a:t>(</a:t>
+          <a:bodyPr>
+            <a:normAutofit/>
+          </a:bodyPr>
+          <a:lstStyle/>
+          <a:p>
+            <a:pPr marL="0" indent="0">
+              <a:buNone/>
+            </a:pPr>
+            <a:endParaRPr lang="ja-JP" altLang="en-US" dirty="0"/>
+          </a:p>
+          <a:p>
+            <a:pPr marL="0" indent="0">
+              <a:buNone/>
+            </a:pPr>
+            <a:r>
+              <a:rPr lang="ja-JP" altLang="en-US" dirty="0" smtClean="0"/>
+              <a:t>生物における性質を数学的</a:t>
             </a:r>
             <a:r>
               <a:rPr lang="ja-JP" altLang="en-US" dirty="0"/>
-              <a:t>言葉をうまくしたい</a:t>
-            </a:r>
-            <a:r>
-              <a:rPr lang="en-US" altLang="ja-JP" dirty="0" smtClean="0"/>
-              <a:t>)</a:t>
+              <a:t>な性質によって表せる</a:t>
+            </a:r>
+            <a:r>
+              <a:rPr lang="ja-JP" altLang="en-US" dirty="0" smtClean="0"/>
+              <a:t>．</a:t>
+            </a:r>
+            <a:endParaRPr lang="en-US" altLang="ja-JP" dirty="0" smtClean="0"/>
+          </a:p>
+          <a:p>
+            <a:pPr marL="0" indent="0">
+              <a:buNone/>
+            </a:pPr>
+            <a:endParaRPr lang="en-US" altLang="ja-JP" dirty="0" smtClean="0"/>
+          </a:p>
+          <a:p>
+            <a:pPr marL="0" indent="0">
+              <a:buNone/>
+            </a:pPr>
+            <a:r>
+              <a:rPr lang="ja-JP" altLang="en-US" dirty="0" smtClean="0"/>
+              <a:t>表現は、「難しいもの」を</a:t>
             </a:r>
             <a:r>
               <a:rPr lang="ja-JP" altLang="en-US" dirty="0"/>
-              <a:t>と</a:t>
-            </a:r>
-            <a:r>
-              <a:rPr lang="ja-JP" altLang="en-US" dirty="0" smtClean="0"/>
-              <a:t>表現の分類をうまく対応させられたら、すごく面白いことができるかもしれない。</a:t>
-            </a:r>
-            <a:endParaRPr lang="en-US" altLang="ja-JP" dirty="0"/>
-          </a:p>
-          <a:p>
-            <a:pPr marL="0" indent="0">
-              <a:buNone/>
-            </a:pPr>
-            <a:r>
-              <a:rPr lang="en-US" altLang="ja-JP" dirty="0"/>
-              <a:t> </a:t>
+              <a:t>線形代数に帰着に</a:t>
+            </a:r>
+            <a:r>
+              <a:rPr lang="ja-JP" altLang="en-US" dirty="0" smtClean="0"/>
+              <a:t>させるもの</a:t>
+            </a:r>
+            <a:endParaRPr lang="en-US" altLang="ja-JP" dirty="0" smtClean="0"/>
+          </a:p>
+          <a:p>
+            <a:pPr marL="0" indent="0">
+              <a:buNone/>
+            </a:pPr>
+            <a:r>
+              <a:rPr lang="ja-JP" altLang="en-US" dirty="0" smtClean="0"/>
+              <a:t>⇒様々</a:t>
             </a:r>
             <a:r>
               <a:rPr lang="ja-JP" altLang="en-US" dirty="0"/>
-              <a:t>例えば，生物の分類がある群の既約表現の分類と対応しているみたいなモデルも作れるのでは</a:t>
-            </a:r>
-            <a:r>
-              <a:rPr lang="en-US" altLang="ja-JP" dirty="0" smtClean="0"/>
-              <a:t>?</a:t>
-            </a:r>
-          </a:p>
-          <a:p>
-            <a:pPr marL="0" indent="0">
-              <a:buNone/>
-            </a:pPr>
-            <a:endParaRPr lang="en-US" altLang="ja-JP" dirty="0"/>
-          </a:p>
-          <a:p>
-            <a:pPr marL="0" indent="0">
-              <a:buNone/>
-            </a:pPr>
-            <a:endParaRPr kumimoji="1" lang="ja-JP" altLang="en-US" dirty="0"/>
+              <a:t>な数学で現れる</a:t>
+            </a:r>
+            <a:r>
+              <a:rPr lang="ja-JP" altLang="en-US" dirty="0" smtClean="0"/>
+              <a:t>。</a:t>
+            </a:r>
+            <a:endParaRPr lang="ja-JP" altLang="en-US" dirty="0"/>
           </a:p>
         </p:txBody>
       </p:sp>
     </p:spTree>
     <p:extLst>
       <p:ext uri="{BB962C8B-B14F-4D97-AF65-F5344CB8AC3E}">
-        <p14:creationId xmlns:p14="http://schemas.microsoft.com/office/powerpoint/2010/main" val="3118095087"/>
+        <p14:creationId xmlns:p14="http://schemas.microsoft.com/office/powerpoint/2010/main" val="321589656"/>
       </p:ext>
     </p:extLst>
   </p:cSld>
@@ -6471,66 +7074,27 @@
               </a:p>
               <a:p>
                 <a:r>
-                  <a:rPr lang="en-US" altLang="ja-JP" dirty="0" smtClean="0">
+                  <a:rPr kumimoji="1" lang="ja-JP" altLang="en-US" dirty="0" smtClean="0">
                     <a:latin typeface="Meiryo UI" panose="020B0604030504040204" pitchFamily="50" charset="-128"/>
                     <a:ea typeface="Meiryo UI" panose="020B0604030504040204" pitchFamily="50" charset="-128"/>
                   </a:rPr>
-                  <a:t>p</a:t>
+                  <a:t>数論幾何</a:t>
                 </a:r>
-                <a:r>
-                  <a:rPr lang="ja-JP" altLang="en-US" dirty="0" smtClean="0">
-                    <a:latin typeface="Meiryo UI" panose="020B0604030504040204" pitchFamily="50" charset="-128"/>
-                    <a:ea typeface="Meiryo UI" panose="020B0604030504040204" pitchFamily="50" charset="-128"/>
-                  </a:rPr>
-                  <a:t>進大好き</a:t>
-                </a:r>
-                <a:r>
-                  <a:rPr lang="en-US" altLang="ja-JP" dirty="0" smtClean="0">
-                    <a:latin typeface="Meiryo UI" panose="020B0604030504040204" pitchFamily="50" charset="-128"/>
-                    <a:ea typeface="Meiryo UI" panose="020B0604030504040204" pitchFamily="50" charset="-128"/>
-                  </a:rPr>
-                  <a:t>bot</a:t>
-                </a:r>
-                <a:r>
-                  <a:rPr lang="ja-JP" altLang="en-US" dirty="0" smtClean="0">
-                    <a:latin typeface="Meiryo UI" panose="020B0604030504040204" pitchFamily="50" charset="-128"/>
-                    <a:ea typeface="Meiryo UI" panose="020B0604030504040204" pitchFamily="50" charset="-128"/>
-                  </a:rPr>
-                  <a:t>の</a:t>
-                </a:r>
-                <a:r>
-                  <a:rPr lang="ja-JP" altLang="en-US" dirty="0" smtClean="0">
-                    <a:latin typeface="Meiryo UI" panose="020B0604030504040204" pitchFamily="50" charset="-128"/>
-                    <a:ea typeface="Meiryo UI" panose="020B0604030504040204" pitchFamily="50" charset="-128"/>
-                  </a:rPr>
-                  <a:t>友達</a:t>
-                </a:r>
-                <a:endParaRPr lang="en-US" altLang="ja-JP" dirty="0" smtClean="0">
+                <a:endParaRPr kumimoji="1" lang="en-US" altLang="ja-JP" dirty="0" smtClean="0">
                   <a:latin typeface="Meiryo UI" panose="020B0604030504040204" pitchFamily="50" charset="-128"/>
                   <a:ea typeface="Meiryo UI" panose="020B0604030504040204" pitchFamily="50" charset="-128"/>
                 </a:endParaRPr>
               </a:p>
               <a:p>
+                <a:pPr marL="0" indent="0">
+                  <a:buNone/>
+                </a:pPr>
                 <a:r>
-                  <a:rPr kumimoji="1" lang="ja-JP" altLang="en-US" dirty="0">
+                  <a:rPr lang="ja-JP" altLang="en-US" dirty="0">
                     <a:latin typeface="Meiryo UI" panose="020B0604030504040204" pitchFamily="50" charset="-128"/>
                     <a:ea typeface="Meiryo UI" panose="020B0604030504040204" pitchFamily="50" charset="-128"/>
                   </a:rPr>
-                  <a:t>数論</a:t>
-                </a:r>
-                <a:r>
-                  <a:rPr kumimoji="1" lang="ja-JP" altLang="en-US" dirty="0" smtClean="0">
-                    <a:latin typeface="Meiryo UI" panose="020B0604030504040204" pitchFamily="50" charset="-128"/>
-                    <a:ea typeface="Meiryo UI" panose="020B0604030504040204" pitchFamily="50" charset="-128"/>
-                  </a:rPr>
-                  <a:t>幾何，特</a:t>
-                </a:r>
-                <a:r>
-                  <a:rPr kumimoji="1" lang="ja-JP" altLang="en-US" dirty="0" smtClean="0">
-                    <a:latin typeface="Meiryo UI" panose="020B0604030504040204" pitchFamily="50" charset="-128"/>
-                    <a:ea typeface="Meiryo UI" panose="020B0604030504040204" pitchFamily="50" charset="-128"/>
-                  </a:rPr>
-                  <a:t>に</a:t>
+                  <a:t>　</a:t>
                 </a:r>
                 <a:r>
                   <a:rPr kumimoji="1" lang="en-US" altLang="ja-JP" dirty="0" smtClean="0">
@@ -6544,14 +7108,7 @@
                     <a:latin typeface="Meiryo UI" panose="020B0604030504040204" pitchFamily="50" charset="-128"/>
                     <a:ea typeface="Meiryo UI" panose="020B0604030504040204" pitchFamily="50" charset="-128"/>
                   </a:rPr>
-                  <a:t>進</a:t>
-                </a:r>
-                <a:r>
-                  <a:rPr kumimoji="1" lang="ja-JP" altLang="en-US" dirty="0" smtClean="0">
-                    <a:latin typeface="Meiryo UI" panose="020B0604030504040204" pitchFamily="50" charset="-128"/>
-                    <a:ea typeface="Meiryo UI" panose="020B0604030504040204" pitchFamily="50" charset="-128"/>
-                  </a:rPr>
-                  <a:t>整数環</a:t>
+                  <a:t>進整数環</a:t>
                 </a:r>
                 <a14:m>
                   <m:oMath xmlns:m="http://schemas.openxmlformats.org/officeDocument/2006/math">
@@ -6667,11 +7224,11 @@
                   <a:t>上の岩澤代数が</a:t>
                 </a:r>
                 <a:r>
-                  <a:rPr lang="ja-JP" altLang="en-US" smtClean="0">
+                  <a:rPr lang="ja-JP" altLang="en-US" dirty="0" smtClean="0">
                     <a:latin typeface="Meiryo UI" panose="020B0604030504040204" pitchFamily="50" charset="-128"/>
                     <a:ea typeface="Meiryo UI" panose="020B0604030504040204" pitchFamily="50" charset="-128"/>
                   </a:rPr>
-                  <a:t>好き。</a:t>
+                  <a:t>好き</a:t>
                 </a:r>
                 <a:endParaRPr kumimoji="1" lang="en-US" altLang="ja-JP" dirty="0" smtClean="0">
                   <a:latin typeface="Meiryo UI" panose="020B0604030504040204" pitchFamily="50" charset="-128"/>
@@ -6684,7 +7241,14 @@
                     <a:latin typeface="Meiryo UI" panose="020B0604030504040204" pitchFamily="50" charset="-128"/>
                     <a:ea typeface="Meiryo UI" panose="020B0604030504040204" pitchFamily="50" charset="-128"/>
                   </a:rPr>
-                  <a:t>機械学習や数理生物にも興味あり．</a:t>
+                  <a:t>機械学習や数理生物にも興味</a:t>
+                </a:r>
+                <a:r>
+                  <a:rPr kumimoji="1" lang="ja-JP" altLang="en-US" dirty="0" smtClean="0">
+                    <a:latin typeface="Meiryo UI" panose="020B0604030504040204" pitchFamily="50" charset="-128"/>
+                    <a:ea typeface="Meiryo UI" panose="020B0604030504040204" pitchFamily="50" charset="-128"/>
+                  </a:rPr>
+                  <a:t>あり</a:t>
                 </a:r>
                 <a:endParaRPr lang="en-US" altLang="ja-JP" dirty="0">
                   <a:latin typeface="Meiryo UI" panose="020B0604030504040204" pitchFamily="50" charset="-128"/>
@@ -6765,7 +7329,7 @@
           <a:graphicData uri="http://schemas.openxmlformats.org/presentationml/2006/ole">
             <mc:AlternateContent xmlns:mc="http://schemas.openxmlformats.org/markup-compatibility/2006">
               <mc:Choice xmlns:v="urn:schemas-microsoft-com:vml" Requires="v">
-                <p:oleObj spid="_x0000_s1061" name="数式" r:id="rId4" imgW="88560" imgH="241200" progId="Equation.3">
+                <p:oleObj spid="_x0000_s1070" name="数式" r:id="rId4" imgW="88560" imgH="241200" progId="Equation.3">
                   <p:embed/>
                 </p:oleObj>
               </mc:Choice>
@@ -6852,7 +7416,11 @@
           <a:bodyPr/>
           <a:lstStyle/>
           <a:p>
-            <a:endParaRPr kumimoji="1" lang="ja-JP" altLang="en-US"/>
+            <a:r>
+              <a:rPr kumimoji="1" lang="ja-JP" altLang="en-US" dirty="0" smtClean="0"/>
+              <a:t>問題提起</a:t>
+            </a:r>
+            <a:endParaRPr kumimoji="1" lang="ja-JP" altLang="en-US" dirty="0"/>
           </a:p>
         </p:txBody>
       </p:sp>
@@ -6871,17 +7439,50 @@
           <a:bodyPr/>
           <a:lstStyle/>
           <a:p>
-            <a:pPr>
-              <a:buFontTx/>
-              <a:buChar char="-"/>
-            </a:pPr>
-            <a:r>
-              <a:rPr lang="ja-JP" altLang="en-US" dirty="0" smtClean="0"/>
-              <a:t>量子群</a:t>
+            <a:pPr marL="0" indent="0">
+              <a:buNone/>
+            </a:pPr>
+            <a:r>
+              <a:rPr lang="en-US" altLang="ja-JP" dirty="0"/>
+              <a:t>- </a:t>
+            </a:r>
+            <a:r>
+              <a:rPr lang="ja-JP" altLang="en-US" dirty="0" smtClean="0"/>
+              <a:t>生物の分類</a:t>
+            </a:r>
+            <a:r>
+              <a:rPr lang="en-US" altLang="ja-JP" dirty="0"/>
+              <a:t>(</a:t>
             </a:r>
             <a:r>
               <a:rPr lang="ja-JP" altLang="en-US" dirty="0"/>
-              <a:t>の既約表現と対応していたとして，なぜ</a:t>
+              <a:t>言葉をうまくしたい</a:t>
+            </a:r>
+            <a:r>
+              <a:rPr lang="en-US" altLang="ja-JP" dirty="0" smtClean="0"/>
+              <a:t>)</a:t>
+            </a:r>
+            <a:r>
+              <a:rPr lang="ja-JP" altLang="en-US" dirty="0"/>
+              <a:t>と</a:t>
+            </a:r>
+            <a:r>
+              <a:rPr lang="ja-JP" altLang="en-US" dirty="0" smtClean="0"/>
+              <a:t>表現の分類をうまく対応させられたら、すごく面白いことができるかもしれない。</a:t>
+            </a:r>
+            <a:endParaRPr lang="en-US" altLang="ja-JP" dirty="0"/>
+          </a:p>
+          <a:p>
+            <a:pPr marL="0" indent="0">
+              <a:buNone/>
+            </a:pPr>
+            <a:r>
+              <a:rPr lang="en-US" altLang="ja-JP" dirty="0"/>
+              <a:t> </a:t>
+            </a:r>
+            <a:r>
+              <a:rPr lang="ja-JP" altLang="en-US" dirty="0"/>
+              <a:t>例えば，生物の分類がある群の既約表現の分類と対応しているみたいなモデルも作れるのでは</a:t>
             </a:r>
             <a:r>
               <a:rPr lang="en-US" altLang="ja-JP" dirty="0" smtClean="0"/>
@@ -6892,53 +7493,12 @@
             <a:pPr marL="0" indent="0">
               <a:buNone/>
             </a:pPr>
-            <a:r>
-              <a:rPr lang="en-US" altLang="ja-JP" dirty="0" smtClean="0"/>
-              <a:t>(</a:t>
-            </a:r>
-            <a:r>
-              <a:rPr lang="ja-JP" altLang="en-US" dirty="0"/>
-              <a:t>裏にもっと本質的な現象がある</a:t>
-            </a:r>
-            <a:r>
-              <a:rPr lang="en-US" altLang="ja-JP" dirty="0"/>
-              <a:t>?)</a:t>
-            </a:r>
-          </a:p>
-          <a:p>
-            <a:pPr marL="0" indent="0">
-              <a:buNone/>
-            </a:pPr>
-            <a:r>
-              <a:rPr kumimoji="1" lang="ja-JP" altLang="en-US" dirty="0" smtClean="0"/>
-              <a:t>量子群は組み</a:t>
-            </a:r>
-            <a:r>
-              <a:rPr kumimoji="1" lang="ja-JP" altLang="en-US" dirty="0" err="1" smtClean="0"/>
-              <a:t>ひも</a:t>
-            </a:r>
-            <a:r>
-              <a:rPr lang="ja-JP" altLang="en-US" dirty="0" smtClean="0"/>
-              <a:t>、</a:t>
-            </a:r>
-            <a:r>
-              <a:rPr lang="en-US" altLang="ja-JP" dirty="0" smtClean="0"/>
-              <a:t>Quiver</a:t>
-            </a:r>
-            <a:r>
-              <a:rPr lang="ja-JP" altLang="en-US" dirty="0" smtClean="0"/>
-              <a:t>等も関係があったり、物理でも出てくる。</a:t>
-            </a:r>
-            <a:endParaRPr lang="en-US" altLang="ja-JP" dirty="0" smtClean="0"/>
-          </a:p>
-          <a:p>
-            <a:pPr marL="0" indent="0">
-              <a:buNone/>
-            </a:pPr>
-            <a:r>
-              <a:rPr kumimoji="1" lang="ja-JP" altLang="en-US" dirty="0" smtClean="0"/>
-              <a:t>もしかしてそれらを統一した何かがあるかも？</a:t>
-            </a:r>
+            <a:endParaRPr lang="en-US" altLang="ja-JP" dirty="0"/>
+          </a:p>
+          <a:p>
+            <a:pPr marL="0" indent="0">
+              <a:buNone/>
+            </a:pPr>
             <a:endParaRPr kumimoji="1" lang="ja-JP" altLang="en-US" dirty="0"/>
           </a:p>
         </p:txBody>
@@ -6946,7 +7506,7 @@
     </p:spTree>
     <p:extLst>
       <p:ext uri="{BB962C8B-B14F-4D97-AF65-F5344CB8AC3E}">
-        <p14:creationId xmlns:p14="http://schemas.microsoft.com/office/powerpoint/2010/main" val="3559045165"/>
+        <p14:creationId xmlns:p14="http://schemas.microsoft.com/office/powerpoint/2010/main" val="3118095087"/>
       </p:ext>
     </p:extLst>
   </p:cSld>
@@ -6988,29 +7548,93 @@
           <a:bodyPr/>
           <a:lstStyle/>
           <a:p>
+            <a:endParaRPr kumimoji="1" lang="ja-JP" altLang="en-US"/>
+          </a:p>
+        </p:txBody>
+      </p:sp>
+      <p:sp>
+        <p:nvSpPr>
+          <p:cNvPr id="3" name="コンテンツ プレースホルダー 2"/>
+          <p:cNvSpPr>
+            <a:spLocks noGrp="1"/>
+          </p:cNvSpPr>
+          <p:nvPr>
+            <p:ph idx="1"/>
+          </p:nvPr>
+        </p:nvSpPr>
+        <p:spPr/>
+        <p:txBody>
+          <a:bodyPr/>
+          <a:lstStyle/>
+          <a:p>
+            <a:pPr>
+              <a:buFontTx/>
+              <a:buChar char="-"/>
+            </a:pPr>
+            <a:r>
+              <a:rPr lang="ja-JP" altLang="en-US" dirty="0" smtClean="0"/>
+              <a:t>量子群</a:t>
+            </a:r>
+            <a:r>
+              <a:rPr lang="ja-JP" altLang="en-US" dirty="0"/>
+              <a:t>の既約表現と対応していたとして，なぜ</a:t>
+            </a:r>
+            <a:r>
+              <a:rPr lang="en-US" altLang="ja-JP" dirty="0" smtClean="0"/>
+              <a:t>?</a:t>
+            </a:r>
+          </a:p>
+          <a:p>
+            <a:pPr marL="0" indent="0">
+              <a:buNone/>
+            </a:pPr>
+            <a:r>
+              <a:rPr lang="en-US" altLang="ja-JP" dirty="0" smtClean="0"/>
+              <a:t>(</a:t>
+            </a:r>
+            <a:r>
+              <a:rPr lang="ja-JP" altLang="en-US" dirty="0"/>
+              <a:t>裏にもっと本質的な現象がある</a:t>
+            </a:r>
+            <a:r>
+              <a:rPr lang="en-US" altLang="ja-JP" dirty="0"/>
+              <a:t>?)</a:t>
+            </a:r>
+          </a:p>
+          <a:p>
+            <a:pPr marL="0" indent="0">
+              <a:buNone/>
+            </a:pPr>
             <a:r>
               <a:rPr kumimoji="1" lang="ja-JP" altLang="en-US" dirty="0" smtClean="0"/>
-              <a:t>参考文献</a:t>
-            </a:r>
-            <a:endParaRPr kumimoji="1" lang="ja-JP" altLang="en-US" dirty="0"/>
-          </a:p>
-        </p:txBody>
-      </p:sp>
-      <p:sp>
-        <p:nvSpPr>
-          <p:cNvPr id="3" name="コンテンツ プレースホルダー 2"/>
-          <p:cNvSpPr>
-            <a:spLocks noGrp="1"/>
-          </p:cNvSpPr>
-          <p:nvPr>
-            <p:ph idx="1"/>
-          </p:nvPr>
-        </p:nvSpPr>
-        <p:spPr/>
-        <p:txBody>
-          <a:bodyPr/>
-          <a:lstStyle/>
-          <a:p>
+              <a:t>量子群は組み</a:t>
+            </a:r>
+            <a:r>
+              <a:rPr kumimoji="1" lang="ja-JP" altLang="en-US" dirty="0" err="1" smtClean="0"/>
+              <a:t>ひも</a:t>
+            </a:r>
+            <a:r>
+              <a:rPr lang="ja-JP" altLang="en-US" dirty="0" smtClean="0"/>
+              <a:t>、</a:t>
+            </a:r>
+            <a:r>
+              <a:rPr lang="en-US" altLang="ja-JP" dirty="0" smtClean="0"/>
+              <a:t>Quiver</a:t>
+            </a:r>
+            <a:r>
+              <a:rPr lang="ja-JP" altLang="en-US" dirty="0" smtClean="0"/>
+              <a:t>等も関係があったり、物理でも出てくる。</a:t>
+            </a:r>
+            <a:endParaRPr lang="en-US" altLang="ja-JP" dirty="0" smtClean="0"/>
+          </a:p>
+          <a:p>
+            <a:pPr marL="0" indent="0">
+              <a:buNone/>
+            </a:pPr>
+            <a:r>
+              <a:rPr kumimoji="1" lang="ja-JP" altLang="en-US" dirty="0" smtClean="0"/>
+              <a:t>もしかしてそれらを統一した何かがあるかも？</a:t>
+            </a:r>
             <a:endParaRPr kumimoji="1" lang="ja-JP" altLang="en-US" dirty="0"/>
           </a:p>
         </p:txBody>
@@ -7018,7 +7642,7 @@
     </p:spTree>
     <p:extLst>
       <p:ext uri="{BB962C8B-B14F-4D97-AF65-F5344CB8AC3E}">
-        <p14:creationId xmlns:p14="http://schemas.microsoft.com/office/powerpoint/2010/main" val="2998908903"/>
+        <p14:creationId xmlns:p14="http://schemas.microsoft.com/office/powerpoint/2010/main" val="3559045165"/>
       </p:ext>
     </p:extLst>
   </p:cSld>
@@ -7062,7 +7686,7 @@
           <a:p>
             <a:r>
               <a:rPr kumimoji="1" lang="ja-JP" altLang="en-US" dirty="0" smtClean="0"/>
-              <a:t>量子群とは？</a:t>
+              <a:t>参考文献</a:t>
             </a:r>
             <a:endParaRPr kumimoji="1" lang="ja-JP" altLang="en-US" dirty="0"/>
           </a:p>
@@ -7083,18 +7707,6 @@
           <a:bodyPr/>
           <a:lstStyle/>
           <a:p>
-            <a:pPr marL="0" indent="0">
-              <a:buNone/>
-            </a:pPr>
-            <a:r>
-              <a:rPr lang="ja-JP" altLang="en-US" dirty="0"/>
-              <a:t>詳細はまた、次回。</a:t>
-            </a:r>
-          </a:p>
-          <a:p>
-            <a:pPr marL="0" indent="0">
-              <a:buNone/>
-            </a:pPr>
             <a:endParaRPr kumimoji="1" lang="ja-JP" altLang="en-US" dirty="0"/>
           </a:p>
         </p:txBody>
@@ -7102,7 +7714,7 @@
     </p:spTree>
     <p:extLst>
       <p:ext uri="{BB962C8B-B14F-4D97-AF65-F5344CB8AC3E}">
-        <p14:creationId xmlns:p14="http://schemas.microsoft.com/office/powerpoint/2010/main" val="3535962881"/>
+        <p14:creationId xmlns:p14="http://schemas.microsoft.com/office/powerpoint/2010/main" val="2998908903"/>
       </p:ext>
     </p:extLst>
   </p:cSld>
@@ -7146,6 +7758,90 @@
           <a:p>
             <a:r>
               <a:rPr kumimoji="1" lang="ja-JP" altLang="en-US" dirty="0" smtClean="0"/>
+              <a:t>量子群とは？</a:t>
+            </a:r>
+            <a:endParaRPr kumimoji="1" lang="ja-JP" altLang="en-US" dirty="0"/>
+          </a:p>
+        </p:txBody>
+      </p:sp>
+      <p:sp>
+        <p:nvSpPr>
+          <p:cNvPr id="3" name="コンテンツ プレースホルダー 2"/>
+          <p:cNvSpPr>
+            <a:spLocks noGrp="1"/>
+          </p:cNvSpPr>
+          <p:nvPr>
+            <p:ph idx="1"/>
+          </p:nvPr>
+        </p:nvSpPr>
+        <p:spPr/>
+        <p:txBody>
+          <a:bodyPr/>
+          <a:lstStyle/>
+          <a:p>
+            <a:pPr marL="0" indent="0">
+              <a:buNone/>
+            </a:pPr>
+            <a:r>
+              <a:rPr lang="ja-JP" altLang="en-US" dirty="0"/>
+              <a:t>詳細はまた、次回。</a:t>
+            </a:r>
+          </a:p>
+          <a:p>
+            <a:pPr marL="0" indent="0">
+              <a:buNone/>
+            </a:pPr>
+            <a:endParaRPr kumimoji="1" lang="ja-JP" altLang="en-US" dirty="0"/>
+          </a:p>
+        </p:txBody>
+      </p:sp>
+    </p:spTree>
+    <p:extLst>
+      <p:ext uri="{BB962C8B-B14F-4D97-AF65-F5344CB8AC3E}">
+        <p14:creationId xmlns:p14="http://schemas.microsoft.com/office/powerpoint/2010/main" val="3535962881"/>
+      </p:ext>
+    </p:extLst>
+  </p:cSld>
+  <p:clrMapOvr>
+    <a:masterClrMapping/>
+  </p:clrMapOvr>
+</p:sld>
+</file>
+
+<file path=ppt/slides/slide34.xml><?xml version="1.0" encoding="utf-8"?>
+<p:sld xmlns:a="http://schemas.openxmlformats.org/drawingml/2006/main" xmlns:r="http://schemas.openxmlformats.org/officeDocument/2006/relationships" xmlns:p="http://schemas.openxmlformats.org/presentationml/2006/main">
+  <p:cSld>
+    <p:spTree>
+      <p:nvGrpSpPr>
+        <p:cNvPr id="1" name=""/>
+        <p:cNvGrpSpPr/>
+        <p:nvPr/>
+      </p:nvGrpSpPr>
+      <p:grpSpPr>
+        <a:xfrm>
+          <a:off x="0" y="0"/>
+          <a:ext cx="0" cy="0"/>
+          <a:chOff x="0" y="0"/>
+          <a:chExt cx="0" cy="0"/>
+        </a:xfrm>
+      </p:grpSpPr>
+      <p:sp>
+        <p:nvSpPr>
+          <p:cNvPr id="2" name="タイトル 1"/>
+          <p:cNvSpPr>
+            <a:spLocks noGrp="1"/>
+          </p:cNvSpPr>
+          <p:nvPr>
+            <p:ph type="title"/>
+          </p:nvPr>
+        </p:nvSpPr>
+        <p:spPr/>
+        <p:txBody>
+          <a:bodyPr/>
+          <a:lstStyle/>
+          <a:p>
+            <a:r>
+              <a:rPr kumimoji="1" lang="ja-JP" altLang="en-US" dirty="0" smtClean="0"/>
               <a:t>余力があれば</a:t>
             </a:r>
             <a:r>
@@ -7209,7 +7905,7 @@
 </p:sld>
 </file>
 
-<file path=ppt/slides/slide34.xml><?xml version="1.0" encoding="utf-8"?>
+<file path=ppt/slides/slide35.xml><?xml version="1.0" encoding="utf-8"?>
 <p:sld xmlns:a="http://schemas.openxmlformats.org/drawingml/2006/main" xmlns:r="http://schemas.openxmlformats.org/officeDocument/2006/relationships" xmlns:p="http://schemas.openxmlformats.org/presentationml/2006/main">
   <p:cSld>
     <p:spTree>
@@ -7505,80 +8201,192 @@
               <a:buNone/>
             </a:pPr>
             <a:r>
-              <a:rPr lang="ja-JP" altLang="en-US" dirty="0" smtClean="0"/>
+              <a:rPr lang="ja-JP" altLang="en-US" sz="3600" dirty="0" smtClean="0"/>
               <a:t>「</a:t>
             </a:r>
             <a:r>
-              <a:rPr lang="ja-JP" altLang="en-US" dirty="0"/>
-              <a:t>現象」を</a:t>
-            </a:r>
-            <a:r>
-              <a:rPr lang="ja-JP" altLang="en-US" dirty="0" smtClean="0"/>
+              <a:rPr lang="ja-JP" altLang="en-US" sz="3600" dirty="0">
+                <a:solidFill>
+                  <a:srgbClr val="FF0000"/>
+                </a:solidFill>
+              </a:rPr>
+              <a:t>現象</a:t>
+            </a:r>
+            <a:r>
+              <a:rPr lang="ja-JP" altLang="en-US" sz="3600" dirty="0"/>
+              <a:t>」を</a:t>
+            </a:r>
+            <a:r>
+              <a:rPr lang="ja-JP" altLang="en-US" sz="3600" dirty="0" smtClean="0"/>
               <a:t>確認</a:t>
             </a:r>
+            <a:endParaRPr lang="en-US" altLang="ja-JP" sz="3600" dirty="0"/>
+          </a:p>
+          <a:p>
+            <a:pPr marL="0" indent="0">
+              <a:buNone/>
+            </a:pPr>
+            <a:r>
+              <a:rPr lang="ja-JP" altLang="en-US" sz="3600" dirty="0" smtClean="0"/>
+              <a:t>↓</a:t>
+            </a:r>
+            <a:endParaRPr lang="en-US" altLang="ja-JP" sz="3600" dirty="0" smtClean="0"/>
+          </a:p>
+          <a:p>
+            <a:pPr marL="0" indent="0">
+              <a:buNone/>
+            </a:pPr>
+            <a:r>
+              <a:rPr lang="ja-JP" altLang="en-US" sz="3600" dirty="0" smtClean="0"/>
+              <a:t>「</a:t>
+            </a:r>
+            <a:r>
+              <a:rPr lang="ja-JP" altLang="en-US" sz="3600" dirty="0" smtClean="0">
+                <a:solidFill>
+                  <a:srgbClr val="FF0000"/>
+                </a:solidFill>
+              </a:rPr>
+              <a:t>現象</a:t>
+            </a:r>
+            <a:r>
+              <a:rPr lang="ja-JP" altLang="en-US" sz="3600" dirty="0" smtClean="0"/>
+              <a:t>」を説明する「</a:t>
+            </a:r>
+            <a:r>
+              <a:rPr lang="ja-JP" altLang="en-US" sz="3600" dirty="0">
+                <a:solidFill>
+                  <a:srgbClr val="FF0000"/>
+                </a:solidFill>
+              </a:rPr>
+              <a:t>仮説</a:t>
+            </a:r>
+            <a:r>
+              <a:rPr lang="ja-JP" altLang="en-US" sz="3600" dirty="0" smtClean="0"/>
+              <a:t>」を提示</a:t>
+            </a:r>
+            <a:endParaRPr lang="en-US" altLang="ja-JP" sz="3600" dirty="0"/>
+          </a:p>
+          <a:p>
+            <a:pPr marL="0" indent="0">
+              <a:buNone/>
+            </a:pPr>
+            <a:endParaRPr lang="en-US" altLang="ja-JP" dirty="0" smtClean="0"/>
+          </a:p>
+          <a:p>
+            <a:pPr marL="0" indent="0">
+              <a:buNone/>
+            </a:pPr>
             <a:endParaRPr lang="en-US" altLang="ja-JP" dirty="0"/>
           </a:p>
           <a:p>
             <a:pPr marL="0" indent="0">
               <a:buNone/>
             </a:pPr>
-            <a:r>
-              <a:rPr lang="ja-JP" altLang="en-US" dirty="0"/>
-              <a:t>↓</a:t>
-            </a:r>
             <a:endParaRPr lang="en-US" altLang="ja-JP" dirty="0"/>
           </a:p>
-          <a:p>
-            <a:pPr marL="0" indent="0">
-              <a:buNone/>
-            </a:pPr>
-            <a:r>
-              <a:rPr lang="ja-JP" altLang="en-US" dirty="0" smtClean="0"/>
-              <a:t>「現象」を説明する「</a:t>
-            </a:r>
-            <a:r>
-              <a:rPr lang="ja-JP" altLang="en-US" dirty="0"/>
-              <a:t>仮説</a:t>
-            </a:r>
-            <a:r>
-              <a:rPr lang="ja-JP" altLang="en-US" dirty="0" smtClean="0"/>
-              <a:t>」を提示</a:t>
-            </a:r>
-            <a:endParaRPr lang="en-US" altLang="ja-JP" dirty="0"/>
-          </a:p>
-          <a:p>
-            <a:pPr marL="0" indent="0">
-              <a:buNone/>
-            </a:pPr>
-            <a:endParaRPr lang="en-US" altLang="ja-JP" dirty="0"/>
-          </a:p>
-          <a:p>
-            <a:pPr marL="0" indent="0">
-              <a:buNone/>
-            </a:pPr>
-            <a:r>
-              <a:rPr lang="ja-JP" altLang="en-US" dirty="0" smtClean="0"/>
-              <a:t>「</a:t>
-            </a:r>
-            <a:r>
-              <a:rPr lang="ja-JP" altLang="en-US" dirty="0"/>
-              <a:t>仮説」の積み重ねが</a:t>
-            </a:r>
-            <a:r>
-              <a:rPr lang="ja-JP" altLang="en-US" dirty="0" smtClean="0"/>
+        </p:txBody>
+      </p:sp>
+      <p:sp>
+        <p:nvSpPr>
+          <p:cNvPr id="4" name="正方形/長方形 3"/>
+          <p:cNvSpPr/>
+          <p:nvPr/>
+        </p:nvSpPr>
+        <p:spPr>
+          <a:xfrm>
+            <a:off x="926867" y="4632958"/>
+            <a:ext cx="6050282" cy="1352205"/>
+          </a:xfrm>
+          <a:prstGeom prst="rect">
+            <a:avLst/>
+          </a:prstGeom>
+          <a:solidFill>
+            <a:schemeClr val="bg1">
+              <a:lumMod val="65000"/>
+            </a:schemeClr>
+          </a:solidFill>
+          <a:ln>
+            <a:solidFill>
+              <a:schemeClr val="bg1"/>
+            </a:solidFill>
+          </a:ln>
+        </p:spPr>
+        <p:style>
+          <a:lnRef idx="2">
+            <a:schemeClr val="accent1">
+              <a:shade val="50000"/>
+            </a:schemeClr>
+          </a:lnRef>
+          <a:fillRef idx="1">
+            <a:schemeClr val="accent1"/>
+          </a:fillRef>
+          <a:effectRef idx="0">
+            <a:schemeClr val="accent1"/>
+          </a:effectRef>
+          <a:fontRef idx="minor">
+            <a:schemeClr val="lt1"/>
+          </a:fontRef>
+        </p:style>
+        <p:txBody>
+          <a:bodyPr rtlCol="0" anchor="ctr"/>
+          <a:lstStyle/>
+          <a:p>
+            <a:r>
+              <a:rPr lang="ja-JP" altLang="en-US" sz="3600" b="1" dirty="0">
+                <a:solidFill>
+                  <a:schemeClr val="tx1"/>
+                </a:solidFill>
+                <a:latin typeface="HG丸ｺﾞｼｯｸM-PRO" panose="020F0600000000000000" pitchFamily="50" charset="-128"/>
+                <a:ea typeface="HG丸ｺﾞｼｯｸM-PRO" panose="020F0600000000000000" pitchFamily="50" charset="-128"/>
+              </a:rPr>
+              <a:t>「仮説」の積み重ね</a:t>
+            </a:r>
+            <a:r>
+              <a:rPr lang="ja-JP" altLang="en-US" sz="3600" b="1" dirty="0" smtClean="0">
+                <a:solidFill>
+                  <a:schemeClr val="tx1"/>
+                </a:solidFill>
+                <a:latin typeface="HG丸ｺﾞｼｯｸM-PRO" panose="020F0600000000000000" pitchFamily="50" charset="-128"/>
+                <a:ea typeface="HG丸ｺﾞｼｯｸM-PRO" panose="020F0600000000000000" pitchFamily="50" charset="-128"/>
+              </a:rPr>
+              <a:t>が</a:t>
+            </a:r>
+            <a:endParaRPr lang="en-US" altLang="ja-JP" sz="3600" b="1" dirty="0" smtClean="0">
+              <a:solidFill>
+                <a:schemeClr val="tx1"/>
+              </a:solidFill>
+              <a:latin typeface="HG丸ｺﾞｼｯｸM-PRO" panose="020F0600000000000000" pitchFamily="50" charset="-128"/>
+              <a:ea typeface="HG丸ｺﾞｼｯｸM-PRO" panose="020F0600000000000000" pitchFamily="50" charset="-128"/>
+            </a:endParaRPr>
+          </a:p>
+          <a:p>
+            <a:r>
+              <a:rPr lang="ja-JP" altLang="en-US" sz="3600" b="1" dirty="0" smtClean="0">
+                <a:solidFill>
+                  <a:srgbClr val="FF0000"/>
+                </a:solidFill>
+                <a:latin typeface="HG丸ｺﾞｼｯｸM-PRO" panose="020F0600000000000000" pitchFamily="50" charset="-128"/>
+                <a:ea typeface="HG丸ｺﾞｼｯｸM-PRO" panose="020F0600000000000000" pitchFamily="50" charset="-128"/>
+              </a:rPr>
               <a:t>生物学</a:t>
             </a:r>
             <a:r>
-              <a:rPr lang="ja-JP" altLang="en-US" dirty="0"/>
+              <a:rPr lang="ja-JP" altLang="en-US" sz="3600" b="1" dirty="0" smtClean="0">
+                <a:solidFill>
+                  <a:schemeClr val="tx1"/>
+                </a:solidFill>
+                <a:latin typeface="HG丸ｺﾞｼｯｸM-PRO" panose="020F0600000000000000" pitchFamily="50" charset="-128"/>
+                <a:ea typeface="HG丸ｺﾞｼｯｸM-PRO" panose="020F0600000000000000" pitchFamily="50" charset="-128"/>
+              </a:rPr>
               <a:t>！</a:t>
             </a:r>
-            <a:endParaRPr lang="en-US" altLang="ja-JP" dirty="0"/>
-          </a:p>
-          <a:p>
-            <a:pPr marL="0" indent="0">
-              <a:buNone/>
-            </a:pPr>
-            <a:endParaRPr kumimoji="1" lang="ja-JP" altLang="en-US" dirty="0"/>
+            <a:endParaRPr lang="en-US" altLang="ja-JP" sz="3600" b="1" dirty="0">
+              <a:solidFill>
+                <a:schemeClr val="tx1"/>
+              </a:solidFill>
+              <a:latin typeface="HG丸ｺﾞｼｯｸM-PRO" panose="020F0600000000000000" pitchFamily="50" charset="-128"/>
+              <a:ea typeface="HG丸ｺﾞｼｯｸM-PRO" panose="020F0600000000000000" pitchFamily="50" charset="-128"/>
+            </a:endParaRPr>
           </a:p>
         </p:txBody>
       </p:sp>
@@ -7768,11 +8576,7 @@
           <a:p>
             <a:r>
               <a:rPr kumimoji="1" lang="ja-JP" altLang="en-US" dirty="0" smtClean="0"/>
-              <a:t>数理生物</a:t>
-            </a:r>
-            <a:r>
-              <a:rPr kumimoji="1" lang="ja-JP" altLang="en-US" dirty="0" smtClean="0"/>
-              <a:t>のメリット</a:t>
+              <a:t>数理生物のメリット</a:t>
             </a:r>
             <a:endParaRPr kumimoji="1" lang="ja-JP" altLang="en-US" dirty="0"/>
           </a:p>
@@ -7842,15 +8646,7 @@
             </a:pPr>
             <a:r>
               <a:rPr lang="ja-JP" altLang="en-US" dirty="0" smtClean="0"/>
-              <a:t>数学的</a:t>
-            </a:r>
-            <a:r>
-              <a:rPr lang="ja-JP" altLang="en-US" dirty="0" smtClean="0"/>
-              <a:t>な知識により</a:t>
-            </a:r>
-            <a:r>
-              <a:rPr lang="ja-JP" altLang="en-US" dirty="0" smtClean="0"/>
-              <a:t>、まだ</a:t>
+              <a:t>数学的な知識により、まだ</a:t>
             </a:r>
             <a:r>
               <a:rPr lang="ja-JP" altLang="en-US" dirty="0"/>
@@ -8033,37 +8829,6 @@
       </p:grpSpPr>
       <p:sp>
         <p:nvSpPr>
-          <p:cNvPr id="2" name="タイトル 1"/>
-          <p:cNvSpPr>
-            <a:spLocks noGrp="1"/>
-          </p:cNvSpPr>
-          <p:nvPr>
-            <p:ph type="title"/>
-          </p:nvPr>
-        </p:nvSpPr>
-        <p:spPr/>
-        <p:txBody>
-          <a:bodyPr/>
-          <a:lstStyle/>
-          <a:p>
-            <a:r>
-              <a:rPr lang="ja-JP" altLang="en-US" dirty="0" smtClean="0"/>
-              <a:t>今回のターゲット</a:t>
-            </a:r>
-            <a:r>
-              <a:rPr lang="en-US" altLang="ja-JP" dirty="0" smtClean="0"/>
-              <a:t>:</a:t>
-            </a:r>
-            <a:r>
-              <a:rPr lang="ja-JP" altLang="en-US" dirty="0" smtClean="0"/>
-              <a:t>コドンの翻訳</a:t>
-            </a:r>
-            <a:endParaRPr kumimoji="1" lang="ja-JP" altLang="en-US" dirty="0"/>
-          </a:p>
-        </p:txBody>
-      </p:sp>
-      <p:sp>
-        <p:nvSpPr>
           <p:cNvPr id="3" name="コンテンツ プレースホルダー 2"/>
           <p:cNvSpPr>
             <a:spLocks noGrp="1"/>
@@ -8082,119 +8847,44 @@
             <a:pPr marL="0" indent="0">
               <a:buNone/>
             </a:pPr>
-            <a:r>
-              <a:rPr kumimoji="1" lang="ja-JP" altLang="en-US" dirty="0" smtClean="0"/>
-              <a:t>コドンからアミノ酸を作る</a:t>
-            </a:r>
-            <a:endParaRPr kumimoji="1" lang="en-US" altLang="ja-JP" dirty="0" smtClean="0"/>
-          </a:p>
-          <a:p>
-            <a:pPr marL="0" indent="0">
-              <a:buNone/>
-            </a:pPr>
-            <a:endParaRPr lang="en-US" altLang="ja-JP" dirty="0"/>
-          </a:p>
-          <a:p>
-            <a:pPr marL="0" indent="0">
-              <a:buNone/>
-            </a:pPr>
-            <a:r>
-              <a:rPr lang="ja-JP" altLang="en-US" dirty="0" smtClean="0"/>
-              <a:t>疑問</a:t>
-            </a:r>
-            <a:endParaRPr lang="ja-JP" altLang="en-US" dirty="0"/>
-          </a:p>
-          <a:p>
-            <a:pPr marL="0" indent="0">
-              <a:buNone/>
-            </a:pPr>
-            <a:r>
-              <a:rPr lang="en-US" altLang="ja-JP" dirty="0"/>
-              <a:t>- </a:t>
-            </a:r>
-            <a:r>
-              <a:rPr lang="ja-JP" altLang="en-US" dirty="0"/>
-              <a:t>一対一対応でない中</a:t>
-            </a:r>
-            <a:r>
-              <a:rPr lang="ja-JP" altLang="en-US" dirty="0" smtClean="0"/>
-              <a:t>，対応が一体どういう理屈なのか</a:t>
-            </a:r>
-            <a:endParaRPr lang="ja-JP" altLang="en-US" dirty="0"/>
-          </a:p>
-          <a:p>
-            <a:pPr marL="0" indent="0">
-              <a:buNone/>
-            </a:pPr>
-            <a:r>
-              <a:rPr lang="en-US" altLang="ja-JP" dirty="0"/>
-              <a:t>- </a:t>
-            </a:r>
-            <a:r>
-              <a:rPr lang="ja-JP" altLang="en-US" dirty="0"/>
-              <a:t>生物によって違う場合がある</a:t>
-            </a:r>
-            <a:r>
-              <a:rPr lang="en-US" altLang="ja-JP" dirty="0"/>
-              <a:t>.</a:t>
-            </a:r>
-          </a:p>
-          <a:p>
-            <a:pPr marL="0" indent="0">
-              <a:buNone/>
-            </a:pPr>
-            <a:endParaRPr lang="en-US" altLang="ja-JP" dirty="0"/>
-          </a:p>
-          <a:p>
-            <a:pPr marL="0" indent="0">
-              <a:buNone/>
-            </a:pPr>
-            <a:r>
-              <a:rPr lang="ja-JP" altLang="en-US" dirty="0"/>
-              <a:t>この現象を説明する数理モデルを作ろう</a:t>
-            </a:r>
-            <a:r>
-              <a:rPr lang="en-US" altLang="ja-JP" dirty="0" smtClean="0"/>
-              <a:t>!!</a:t>
-            </a:r>
-          </a:p>
-          <a:p>
-            <a:pPr marL="0" indent="0">
-              <a:buNone/>
-            </a:pPr>
-            <a:r>
-              <a:rPr lang="ja-JP" altLang="en-US" dirty="0"/>
-              <a:t>それが「</a:t>
-            </a:r>
-            <a:r>
-              <a:rPr lang="en-US" altLang="ja-JP" dirty="0"/>
-              <a:t>Crystal Basis Model</a:t>
-            </a:r>
-            <a:r>
-              <a:rPr lang="ja-JP" altLang="en-US" dirty="0"/>
-              <a:t>」</a:t>
-            </a:r>
-            <a:endParaRPr kumimoji="1" lang="ja-JP" altLang="en-US" dirty="0"/>
+            <a:endParaRPr kumimoji="1" lang="en-US" altLang="ja-JP" sz="1200" dirty="0" smtClean="0"/>
+          </a:p>
+          <a:p>
+            <a:pPr marL="0" indent="0">
+              <a:buNone/>
+            </a:pPr>
+            <a:r>
+              <a:rPr lang="ja-JP" altLang="en-US" sz="9600" dirty="0"/>
+              <a:t>　</a:t>
+            </a:r>
+            <a:r>
+              <a:rPr kumimoji="1" lang="ja-JP" altLang="en-US" sz="9600" dirty="0" smtClean="0"/>
+              <a:t>今回は例を</a:t>
+            </a:r>
+            <a:endParaRPr kumimoji="1" lang="en-US" altLang="ja-JP" sz="9600" dirty="0" smtClean="0"/>
+          </a:p>
+          <a:p>
+            <a:pPr marL="0" indent="0">
+              <a:buNone/>
+            </a:pPr>
+            <a:r>
+              <a:rPr kumimoji="1" lang="ja-JP" altLang="en-US" sz="9600" dirty="0" smtClean="0"/>
+              <a:t>　紹介します</a:t>
+            </a:r>
+            <a:endParaRPr kumimoji="1" lang="ja-JP" altLang="en-US" sz="9600" dirty="0"/>
           </a:p>
         </p:txBody>
       </p:sp>
     </p:spTree>
     <p:extLst>
       <p:ext uri="{BB962C8B-B14F-4D97-AF65-F5344CB8AC3E}">
-        <p14:creationId xmlns:p14="http://schemas.microsoft.com/office/powerpoint/2010/main" val="1243915458"/>
+        <p14:creationId xmlns:p14="http://schemas.microsoft.com/office/powerpoint/2010/main" val="2087398420"/>
       </p:ext>
     </p:extLst>
   </p:cSld>
   <p:clrMapOvr>
     <a:masterClrMapping/>
   </p:clrMapOvr>
-  <p:timing>
-    <p:tnLst>
-      <p:par>
-        <p:cTn id="1" dur="indefinite" restart="never" nodeType="tmRoot"/>
-      </p:par>
-    </p:tnLst>
-  </p:timing>
 </p:sld>
 </file>
 
@@ -8397,4 +9087,265 @@
     </a:ext>
   </a:extLst>
 </a:theme>
+</file>
+
+<file path=ppt/theme/theme2.xml><?xml version="1.0" encoding="utf-8"?>
+<a:theme xmlns:a="http://schemas.openxmlformats.org/drawingml/2006/main" name="Office テーマ">
+  <a:themeElements>
+    <a:clrScheme name="Office">
+      <a:dk1>
+        <a:sysClr val="windowText" lastClr="000000"/>
+      </a:dk1>
+      <a:lt1>
+        <a:sysClr val="window" lastClr="FFFFFF"/>
+      </a:lt1>
+      <a:dk2>
+        <a:srgbClr val="44546A"/>
+      </a:dk2>
+      <a:lt2>
+        <a:srgbClr val="E7E6E6"/>
+      </a:lt2>
+      <a:accent1>
+        <a:srgbClr val="5B9BD5"/>
+      </a:accent1>
+      <a:accent2>
+        <a:srgbClr val="ED7D31"/>
+      </a:accent2>
+      <a:accent3>
+        <a:srgbClr val="A5A5A5"/>
+      </a:accent3>
+      <a:accent4>
+        <a:srgbClr val="FFC000"/>
+      </a:accent4>
+      <a:accent5>
+        <a:srgbClr val="4472C4"/>
+      </a:accent5>
+      <a:accent6>
+        <a:srgbClr val="70AD47"/>
+      </a:accent6>
+      <a:hlink>
+        <a:srgbClr val="0563C1"/>
+      </a:hlink>
+      <a:folHlink>
+        <a:srgbClr val="954F72"/>
+      </a:folHlink>
+    </a:clrScheme>
+    <a:fontScheme name="Office">
+      <a:majorFont>
+        <a:latin typeface="Calibri Light" panose="020F0302020204030204"/>
+        <a:ea typeface=""/>
+        <a:cs typeface=""/>
+        <a:font script="Jpan" typeface="ＭＳ Ｐゴシック"/>
+        <a:font script="Hang" typeface="맑은 고딕"/>
+        <a:font script="Hans" typeface="宋体"/>
+        <a:font script="Hant" typeface="新細明體"/>
+        <a:font script="Arab" typeface="Times New Roman"/>
+        <a:font script="Hebr" typeface="Times New Roman"/>
+        <a:font script="Thai" typeface="Angsana New"/>
+        <a:font script="Ethi" typeface="Nyala"/>
+        <a:font script="Beng" typeface="Vrinda"/>
+        <a:font script="Gujr" typeface="Shruti"/>
+        <a:font script="Khmr" typeface="MoolBoran"/>
+        <a:font script="Knda" typeface="Tunga"/>
+        <a:font script="Guru" typeface="Raavi"/>
+        <a:font script="Cans" typeface="Euphemia"/>
+        <a:font script="Cher" typeface="Plantagenet Cherokee"/>
+        <a:font script="Yiii" typeface="Microsoft Yi Baiti"/>
+        <a:font script="Tibt" typeface="Microsoft Himalaya"/>
+        <a:font script="Thaa" typeface="MV Boli"/>
+        <a:font script="Deva" typeface="Mangal"/>
+        <a:font script="Telu" typeface="Gautami"/>
+        <a:font script="Taml" typeface="Latha"/>
+        <a:font script="Syrc" typeface="Estrangelo Edessa"/>
+        <a:font script="Orya" typeface="Kalinga"/>
+        <a:font script="Mlym" typeface="Kartika"/>
+        <a:font script="Laoo" typeface="DokChampa"/>
+        <a:font script="Sinh" typeface="Iskoola Pota"/>
+        <a:font script="Mong" typeface="Mongolian Baiti"/>
+        <a:font script="Viet" typeface="Times New Roman"/>
+        <a:font script="Uigh" typeface="Microsoft Uighur"/>
+        <a:font script="Geor" typeface="Sylfaen"/>
+      </a:majorFont>
+      <a:minorFont>
+        <a:latin typeface="Calibri" panose="020F0502020204030204"/>
+        <a:ea typeface=""/>
+        <a:cs typeface=""/>
+        <a:font script="Jpan" typeface="ＭＳ Ｐゴシック"/>
+        <a:font script="Hang" typeface="맑은 고딕"/>
+        <a:font script="Hans" typeface="宋体"/>
+        <a:font script="Hant" typeface="新細明體"/>
+        <a:font script="Arab" typeface="Arial"/>
+        <a:font script="Hebr" typeface="Arial"/>
+        <a:font script="Thai" typeface="Cordia New"/>
+        <a:font script="Ethi" typeface="Nyala"/>
+        <a:font script="Beng" typeface="Vrinda"/>
+        <a:font script="Gujr" typeface="Shruti"/>
+        <a:font script="Khmr" typeface="DaunPenh"/>
+        <a:font script="Knda" typeface="Tunga"/>
+        <a:font script="Guru" typeface="Raavi"/>
+        <a:font script="Cans" typeface="Euphemia"/>
+        <a:font script="Cher" typeface="Plantagenet Cherokee"/>
+        <a:font script="Yiii" typeface="Microsoft Yi Baiti"/>
+        <a:font script="Tibt" typeface="Microsoft Himalaya"/>
+        <a:font script="Thaa" typeface="MV Boli"/>
+        <a:font script="Deva" typeface="Mangal"/>
+        <a:font script="Telu" typeface="Gautami"/>
+        <a:font script="Taml" typeface="Latha"/>
+        <a:font script="Syrc" typeface="Estrangelo Edessa"/>
+        <a:font script="Orya" typeface="Kalinga"/>
+        <a:font script="Mlym" typeface="Kartika"/>
+        <a:font script="Laoo" typeface="DokChampa"/>
+        <a:font script="Sinh" typeface="Iskoola Pota"/>
+        <a:font script="Mong" typeface="Mongolian Baiti"/>
+        <a:font script="Viet" typeface="Arial"/>
+        <a:font script="Uigh" typeface="Microsoft Uighur"/>
+        <a:font script="Geor" typeface="Sylfaen"/>
+      </a:minorFont>
+    </a:fontScheme>
+    <a:fmtScheme name="Office">
+      <a:fillStyleLst>
+        <a:solidFill>
+          <a:schemeClr val="phClr"/>
+        </a:solidFill>
+        <a:gradFill rotWithShape="1">
+          <a:gsLst>
+            <a:gs pos="0">
+              <a:schemeClr val="phClr">
+                <a:lumMod val="110000"/>
+                <a:satMod val="105000"/>
+                <a:tint val="67000"/>
+              </a:schemeClr>
+            </a:gs>
+            <a:gs pos="50000">
+              <a:schemeClr val="phClr">
+                <a:lumMod val="105000"/>
+                <a:satMod val="103000"/>
+                <a:tint val="73000"/>
+              </a:schemeClr>
+            </a:gs>
+            <a:gs pos="100000">
+              <a:schemeClr val="phClr">
+                <a:lumMod val="105000"/>
+                <a:satMod val="109000"/>
+                <a:tint val="81000"/>
+              </a:schemeClr>
+            </a:gs>
+          </a:gsLst>
+          <a:lin ang="5400000" scaled="0"/>
+        </a:gradFill>
+        <a:gradFill rotWithShape="1">
+          <a:gsLst>
+            <a:gs pos="0">
+              <a:schemeClr val="phClr">
+                <a:satMod val="103000"/>
+                <a:lumMod val="102000"/>
+                <a:tint val="94000"/>
+              </a:schemeClr>
+            </a:gs>
+            <a:gs pos="50000">
+              <a:schemeClr val="phClr">
+                <a:satMod val="110000"/>
+                <a:lumMod val="100000"/>
+                <a:shade val="100000"/>
+              </a:schemeClr>
+            </a:gs>
+            <a:gs pos="100000">
+              <a:schemeClr val="phClr">
+                <a:lumMod val="99000"/>
+                <a:satMod val="120000"/>
+                <a:shade val="78000"/>
+              </a:schemeClr>
+            </a:gs>
+          </a:gsLst>
+          <a:lin ang="5400000" scaled="0"/>
+        </a:gradFill>
+      </a:fillStyleLst>
+      <a:lnStyleLst>
+        <a:ln w="6350" cap="flat" cmpd="sng" algn="ctr">
+          <a:solidFill>
+            <a:schemeClr val="phClr"/>
+          </a:solidFill>
+          <a:prstDash val="solid"/>
+          <a:miter lim="800000"/>
+        </a:ln>
+        <a:ln w="12700" cap="flat" cmpd="sng" algn="ctr">
+          <a:solidFill>
+            <a:schemeClr val="phClr"/>
+          </a:solidFill>
+          <a:prstDash val="solid"/>
+          <a:miter lim="800000"/>
+        </a:ln>
+        <a:ln w="19050" cap="flat" cmpd="sng" algn="ctr">
+          <a:solidFill>
+            <a:schemeClr val="phClr"/>
+          </a:solidFill>
+          <a:prstDash val="solid"/>
+          <a:miter lim="800000"/>
+        </a:ln>
+      </a:lnStyleLst>
+      <a:effectStyleLst>
+        <a:effectStyle>
+          <a:effectLst/>
+        </a:effectStyle>
+        <a:effectStyle>
+          <a:effectLst/>
+        </a:effectStyle>
+        <a:effectStyle>
+          <a:effectLst>
+            <a:outerShdw blurRad="57150" dist="19050" dir="5400000" algn="ctr" rotWithShape="0">
+              <a:srgbClr val="000000">
+                <a:alpha val="63000"/>
+              </a:srgbClr>
+            </a:outerShdw>
+          </a:effectLst>
+        </a:effectStyle>
+      </a:effectStyleLst>
+      <a:bgFillStyleLst>
+        <a:solidFill>
+          <a:schemeClr val="phClr"/>
+        </a:solidFill>
+        <a:solidFill>
+          <a:schemeClr val="phClr">
+            <a:tint val="95000"/>
+            <a:satMod val="170000"/>
+          </a:schemeClr>
+        </a:solidFill>
+        <a:gradFill rotWithShape="1">
+          <a:gsLst>
+            <a:gs pos="0">
+              <a:schemeClr val="phClr">
+                <a:tint val="93000"/>
+                <a:satMod val="150000"/>
+                <a:shade val="98000"/>
+                <a:lumMod val="102000"/>
+              </a:schemeClr>
+            </a:gs>
+            <a:gs pos="50000">
+              <a:schemeClr val="phClr">
+                <a:tint val="98000"/>
+                <a:satMod val="130000"/>
+                <a:shade val="90000"/>
+                <a:lumMod val="103000"/>
+              </a:schemeClr>
+            </a:gs>
+            <a:gs pos="100000">
+              <a:schemeClr val="phClr">
+                <a:shade val="63000"/>
+                <a:satMod val="120000"/>
+              </a:schemeClr>
+            </a:gs>
+          </a:gsLst>
+          <a:lin ang="5400000" scaled="0"/>
+        </a:gradFill>
+      </a:bgFillStyleLst>
+    </a:fmtScheme>
+  </a:themeElements>
+  <a:objectDefaults/>
+  <a:extraClrSchemeLst/>
+  <a:extLst>
+    <a:ext uri="{05A4C25C-085E-4340-85A3-A5531E510DB2}">
+      <thm15:themeFamily xmlns:thm15="http://schemas.microsoft.com/office/thememl/2012/main" name="Office Theme" id="{62F939B6-93AF-4DB8-9C6B-D6C7DFDC589F}" vid="{4A3C46E8-61CC-4603-A589-7422A47A8E4A}"/>
+    </a:ext>
+  </a:extLst>
+</a:theme>
 </file>